--- a/Model A work/Model.A4 Removable Media.pptx
+++ b/Model A work/Model.A4 Removable Media.pptx
@@ -2,14 +2,16 @@
 <file path=ppt/presentation.xml><?xml version="1.0" encoding="utf-8"?>
 <p:presentation xmlns:a="http://schemas.openxmlformats.org/drawingml/2006/main" xmlns:r="http://schemas.openxmlformats.org/officeDocument/2006/relationships" xmlns:p="http://schemas.openxmlformats.org/presentationml/2006/main" saveSubsetFonts="1">
   <p:sldMasterIdLst>
-    <p:sldMasterId id="2147483648" r:id="rId1"/>
+    <p:sldMasterId id="2147483660" r:id="rId1"/>
   </p:sldMasterIdLst>
   <p:sldIdLst>
     <p:sldId id="256" r:id="rId2"/>
     <p:sldId id="257" r:id="rId3"/>
-    <p:sldId id="258" r:id="rId4"/>
+    <p:sldId id="263" r:id="rId4"/>
     <p:sldId id="260" r:id="rId5"/>
-    <p:sldId id="259" r:id="rId6"/>
+    <p:sldId id="261" r:id="rId6"/>
+    <p:sldId id="262" r:id="rId7"/>
+    <p:sldId id="259" r:id="rId8"/>
   </p:sldIdLst>
   <p:sldSz cx="12192000" cy="6858000"/>
   <p:notesSz cx="6858000" cy="9144000"/>
@@ -108,6 +110,11 @@
       </a:defRPr>
     </a:lvl9pPr>
   </p:defaultTextStyle>
+  <p:extLst>
+    <p:ext uri="{EFAFB233-063F-42B5-8137-9DF3F51BA10A}">
+      <p15:sldGuideLst xmlns:p15="http://schemas.microsoft.com/office/powerpoint/2012/main"/>
+    </p:ext>
+  </p:extLst>
 </p:presentation>
 </file>
 
@@ -130,6 +137,110 @@
       </p:grpSpPr>
       <p:sp>
         <p:nvSpPr>
+          <p:cNvPr id="11" name="Freeform 6"/>
+          <p:cNvSpPr/>
+          <p:nvPr/>
+        </p:nvSpPr>
+        <p:spPr bwMode="auto">
+          <a:xfrm>
+            <a:off x="0" y="-3175"/>
+            <a:ext cx="12192000" cy="5203825"/>
+          </a:xfrm>
+          <a:custGeom>
+            <a:avLst/>
+            <a:gdLst/>
+            <a:ahLst/>
+            <a:cxnLst/>
+            <a:rect l="0" t="0" r="r" b="b"/>
+            <a:pathLst>
+              <a:path w="5760" h="3278">
+                <a:moveTo>
+                  <a:pt x="5760" y="0"/>
+                </a:moveTo>
+                <a:lnTo>
+                  <a:pt x="0" y="0"/>
+                </a:lnTo>
+                <a:lnTo>
+                  <a:pt x="0" y="3090"/>
+                </a:lnTo>
+                <a:lnTo>
+                  <a:pt x="943" y="3090"/>
+                </a:lnTo>
+                <a:lnTo>
+                  <a:pt x="1123" y="3270"/>
+                </a:lnTo>
+                <a:lnTo>
+                  <a:pt x="1123" y="3270"/>
+                </a:lnTo>
+                <a:lnTo>
+                  <a:pt x="1127" y="3272"/>
+                </a:lnTo>
+                <a:lnTo>
+                  <a:pt x="1133" y="3275"/>
+                </a:lnTo>
+                <a:lnTo>
+                  <a:pt x="1139" y="3278"/>
+                </a:lnTo>
+                <a:lnTo>
+                  <a:pt x="1144" y="3278"/>
+                </a:lnTo>
+                <a:lnTo>
+                  <a:pt x="1150" y="3278"/>
+                </a:lnTo>
+                <a:lnTo>
+                  <a:pt x="1155" y="3275"/>
+                </a:lnTo>
+                <a:lnTo>
+                  <a:pt x="1161" y="3272"/>
+                </a:lnTo>
+                <a:lnTo>
+                  <a:pt x="1165" y="3270"/>
+                </a:lnTo>
+                <a:lnTo>
+                  <a:pt x="1345" y="3090"/>
+                </a:lnTo>
+                <a:lnTo>
+                  <a:pt x="5760" y="3090"/>
+                </a:lnTo>
+                <a:lnTo>
+                  <a:pt x="5760" y="0"/>
+                </a:lnTo>
+                <a:close/>
+              </a:path>
+            </a:pathLst>
+          </a:custGeom>
+          <a:ln/>
+          <a:effectLst/>
+          <a:extLst>
+            <a:ext uri="{91240B29-F687-4f45-9708-019B960494DF}">
+              <a14:hiddenLine xmlns="" xmlns:a14="http://schemas.microsoft.com/office/drawing/2010/main" w="9525">
+                <a:solidFill>
+                  <a:srgbClr val="000000"/>
+                </a:solidFill>
+                <a:round/>
+                <a:headEnd/>
+                <a:tailEnd/>
+              </a14:hiddenLine>
+            </a:ext>
+          </a:extLst>
+        </p:spPr>
+        <p:style>
+          <a:lnRef idx="1">
+            <a:schemeClr val="accent1"/>
+          </a:lnRef>
+          <a:fillRef idx="3">
+            <a:schemeClr val="accent1"/>
+          </a:fillRef>
+          <a:effectRef idx="2">
+            <a:schemeClr val="accent1"/>
+          </a:effectRef>
+          <a:fontRef idx="minor">
+            <a:schemeClr val="lt1"/>
+          </a:fontRef>
+        </p:style>
+      </p:sp>
+      <p:sp>
+        <p:nvSpPr>
           <p:cNvPr id="2" name="Title 1"/>
           <p:cNvSpPr>
             <a:spLocks noGrp="1"/>
@@ -140,15 +251,15 @@
         </p:nvSpPr>
         <p:spPr>
           <a:xfrm>
-            <a:off x="1524000" y="1122363"/>
-            <a:ext cx="9144000" cy="2387600"/>
+            <a:off x="810001" y="1449147"/>
+            <a:ext cx="10572000" cy="2971051"/>
           </a:xfrm>
         </p:spPr>
         <p:txBody>
-          <a:bodyPr anchor="b"/>
+          <a:bodyPr/>
           <a:lstStyle>
-            <a:lvl1pPr algn="ctr">
-              <a:defRPr sz="6000"/>
+            <a:lvl1pPr>
+              <a:defRPr sz="5400"/>
             </a:lvl1pPr>
           </a:lstStyle>
           <a:p>
@@ -156,7 +267,7 @@
               <a:rPr lang="en-US" smtClean="0"/>
               <a:t>Click to edit Master title style</a:t>
             </a:r>
-            <a:endParaRPr lang="en-US"/>
+            <a:endParaRPr lang="en-US" dirty="0"/>
           </a:p>
         </p:txBody>
       </p:sp>
@@ -172,48 +283,100 @@
         </p:nvSpPr>
         <p:spPr>
           <a:xfrm>
-            <a:off x="1524000" y="3602038"/>
-            <a:ext cx="9144000" cy="1655762"/>
+            <a:off x="810001" y="5280847"/>
+            <a:ext cx="10572000" cy="434974"/>
           </a:xfrm>
         </p:spPr>
         <p:txBody>
-          <a:bodyPr/>
+          <a:bodyPr anchor="t"/>
           <a:lstStyle>
-            <a:lvl1pPr marL="0" indent="0" algn="ctr">
-              <a:buNone/>
-              <a:defRPr sz="2400"/>
+            <a:lvl1pPr marL="0" indent="0" algn="l">
+              <a:buNone/>
+              <a:defRPr>
+                <a:solidFill>
+                  <a:schemeClr val="tx1"/>
+                </a:solidFill>
+              </a:defRPr>
             </a:lvl1pPr>
             <a:lvl2pPr marL="457200" indent="0" algn="ctr">
               <a:buNone/>
-              <a:defRPr sz="2000"/>
+              <a:defRPr>
+                <a:solidFill>
+                  <a:schemeClr val="tx1">
+                    <a:tint val="75000"/>
+                  </a:schemeClr>
+                </a:solidFill>
+              </a:defRPr>
             </a:lvl2pPr>
             <a:lvl3pPr marL="914400" indent="0" algn="ctr">
               <a:buNone/>
-              <a:defRPr sz="1800"/>
+              <a:defRPr>
+                <a:solidFill>
+                  <a:schemeClr val="tx1">
+                    <a:tint val="75000"/>
+                  </a:schemeClr>
+                </a:solidFill>
+              </a:defRPr>
             </a:lvl3pPr>
             <a:lvl4pPr marL="1371600" indent="0" algn="ctr">
               <a:buNone/>
-              <a:defRPr sz="1600"/>
+              <a:defRPr>
+                <a:solidFill>
+                  <a:schemeClr val="tx1">
+                    <a:tint val="75000"/>
+                  </a:schemeClr>
+                </a:solidFill>
+              </a:defRPr>
             </a:lvl4pPr>
             <a:lvl5pPr marL="1828800" indent="0" algn="ctr">
               <a:buNone/>
-              <a:defRPr sz="1600"/>
+              <a:defRPr>
+                <a:solidFill>
+                  <a:schemeClr val="tx1">
+                    <a:tint val="75000"/>
+                  </a:schemeClr>
+                </a:solidFill>
+              </a:defRPr>
             </a:lvl5pPr>
             <a:lvl6pPr marL="2286000" indent="0" algn="ctr">
               <a:buNone/>
-              <a:defRPr sz="1600"/>
+              <a:defRPr>
+                <a:solidFill>
+                  <a:schemeClr val="tx1">
+                    <a:tint val="75000"/>
+                  </a:schemeClr>
+                </a:solidFill>
+              </a:defRPr>
             </a:lvl6pPr>
             <a:lvl7pPr marL="2743200" indent="0" algn="ctr">
               <a:buNone/>
-              <a:defRPr sz="1600"/>
+              <a:defRPr>
+                <a:solidFill>
+                  <a:schemeClr val="tx1">
+                    <a:tint val="75000"/>
+                  </a:schemeClr>
+                </a:solidFill>
+              </a:defRPr>
             </a:lvl7pPr>
             <a:lvl8pPr marL="3200400" indent="0" algn="ctr">
               <a:buNone/>
-              <a:defRPr sz="1600"/>
+              <a:defRPr>
+                <a:solidFill>
+                  <a:schemeClr val="tx1">
+                    <a:tint val="75000"/>
+                  </a:schemeClr>
+                </a:solidFill>
+              </a:defRPr>
             </a:lvl8pPr>
             <a:lvl9pPr marL="3657600" indent="0" algn="ctr">
               <a:buNone/>
-              <a:defRPr sz="1600"/>
+              <a:defRPr>
+                <a:solidFill>
+                  <a:schemeClr val="tx1">
+                    <a:tint val="75000"/>
+                  </a:schemeClr>
+                </a:solidFill>
+              </a:defRPr>
             </a:lvl9pPr>
           </a:lstStyle>
           <a:p>
@@ -221,7 +384,7 @@
               <a:rPr lang="en-US" smtClean="0"/>
               <a:t>Click to edit Master subtitle style</a:t>
             </a:r>
-            <a:endParaRPr lang="en-US"/>
+            <a:endParaRPr lang="en-US" dirty="0"/>
           </a:p>
         </p:txBody>
       </p:sp>
@@ -242,7 +405,7 @@
           <a:p>
             <a:fld id="{72F1D0CE-710F-419E-BA04-48107B318754}" type="datetimeFigureOut">
               <a:rPr lang="en-US" smtClean="0"/>
-              <a:t>10/23/2017</a:t>
+              <a:t>10/30/2017</a:t>
             </a:fld>
             <a:endParaRPr lang="en-US"/>
           </a:p>
@@ -293,7 +456,7 @@
     </p:spTree>
     <p:extLst>
       <p:ext uri="{BB962C8B-B14F-4D97-AF65-F5344CB8AC3E}">
-        <p14:creationId xmlns:p14="http://schemas.microsoft.com/office/powerpoint/2010/main" val="1439684324"/>
+        <p14:creationId xmlns:p14="http://schemas.microsoft.com/office/powerpoint/2010/main" val="3339529844"/>
       </p:ext>
     </p:extLst>
   </p:cSld>
@@ -304,6 +467,1181 @@
 </file>
 
 <file path=ppt/slideLayouts/slideLayout10.xml><?xml version="1.0" encoding="utf-8"?>
+<p:sldLayout xmlns:a="http://schemas.openxmlformats.org/drawingml/2006/main" xmlns:r="http://schemas.openxmlformats.org/officeDocument/2006/relationships" xmlns:p="http://schemas.openxmlformats.org/presentationml/2006/main" preserve="1">
+  <p:cSld name="Panoramic Picture with Caption">
+    <p:spTree>
+      <p:nvGrpSpPr>
+        <p:cNvPr id="1" name=""/>
+        <p:cNvGrpSpPr/>
+        <p:nvPr/>
+      </p:nvGrpSpPr>
+      <p:grpSpPr>
+        <a:xfrm>
+          <a:off x="0" y="0"/>
+          <a:ext cx="0" cy="0"/>
+          <a:chOff x="0" y="0"/>
+          <a:chExt cx="0" cy="0"/>
+        </a:xfrm>
+      </p:grpSpPr>
+      <p:sp>
+        <p:nvSpPr>
+          <p:cNvPr id="2" name="Title 1"/>
+          <p:cNvSpPr>
+            <a:spLocks noGrp="1"/>
+          </p:cNvSpPr>
+          <p:nvPr>
+            <p:ph type="title"/>
+          </p:nvPr>
+        </p:nvSpPr>
+        <p:spPr>
+          <a:xfrm>
+            <a:off x="810000" y="4800600"/>
+            <a:ext cx="10561418" cy="566738"/>
+          </a:xfrm>
+        </p:spPr>
+        <p:txBody>
+          <a:bodyPr anchor="b">
+            <a:normAutofit/>
+          </a:bodyPr>
+          <a:lstStyle>
+            <a:lvl1pPr algn="l">
+              <a:defRPr sz="2400" b="0"/>
+            </a:lvl1pPr>
+          </a:lstStyle>
+          <a:p>
+            <a:r>
+              <a:rPr lang="en-US" smtClean="0"/>
+              <a:t>Click to edit Master title style</a:t>
+            </a:r>
+            <a:endParaRPr lang="en-US" dirty="0"/>
+          </a:p>
+        </p:txBody>
+      </p:sp>
+      <p:sp>
+        <p:nvSpPr>
+          <p:cNvPr id="15" name="Picture Placeholder 14"/>
+          <p:cNvSpPr>
+            <a:spLocks noGrp="1" noChangeAspect="1"/>
+          </p:cNvSpPr>
+          <p:nvPr>
+            <p:ph type="pic" sz="quarter" idx="13"/>
+          </p:nvPr>
+        </p:nvSpPr>
+        <p:spPr bwMode="auto">
+          <a:xfrm>
+            <a:off x="0" y="0"/>
+            <a:ext cx="12192000" cy="4800600"/>
+          </a:xfrm>
+          <a:custGeom>
+            <a:avLst/>
+            <a:gdLst/>
+            <a:ahLst/>
+            <a:cxnLst/>
+            <a:rect l="0" t="0" r="r" b="b"/>
+            <a:pathLst>
+              <a:path w="5760" h="3289">
+                <a:moveTo>
+                  <a:pt x="5760" y="0"/>
+                </a:moveTo>
+                <a:lnTo>
+                  <a:pt x="0" y="0"/>
+                </a:lnTo>
+                <a:lnTo>
+                  <a:pt x="0" y="3100"/>
+                </a:lnTo>
+                <a:lnTo>
+                  <a:pt x="943" y="3100"/>
+                </a:lnTo>
+                <a:lnTo>
+                  <a:pt x="1123" y="3281"/>
+                </a:lnTo>
+                <a:lnTo>
+                  <a:pt x="1123" y="3281"/>
+                </a:lnTo>
+                <a:lnTo>
+                  <a:pt x="1127" y="3283"/>
+                </a:lnTo>
+                <a:lnTo>
+                  <a:pt x="1133" y="3286"/>
+                </a:lnTo>
+                <a:lnTo>
+                  <a:pt x="1139" y="3289"/>
+                </a:lnTo>
+                <a:lnTo>
+                  <a:pt x="1144" y="3289"/>
+                </a:lnTo>
+                <a:lnTo>
+                  <a:pt x="1150" y="3289"/>
+                </a:lnTo>
+                <a:lnTo>
+                  <a:pt x="1155" y="3286"/>
+                </a:lnTo>
+                <a:lnTo>
+                  <a:pt x="1161" y="3283"/>
+                </a:lnTo>
+                <a:lnTo>
+                  <a:pt x="1165" y="3281"/>
+                </a:lnTo>
+                <a:lnTo>
+                  <a:pt x="1345" y="3100"/>
+                </a:lnTo>
+                <a:lnTo>
+                  <a:pt x="5760" y="3100"/>
+                </a:lnTo>
+                <a:lnTo>
+                  <a:pt x="5760" y="0"/>
+                </a:lnTo>
+                <a:close/>
+              </a:path>
+            </a:pathLst>
+          </a:custGeom>
+          <a:noFill/>
+          <a:ln>
+            <a:solidFill>
+              <a:schemeClr val="tx2"/>
+            </a:solidFill>
+          </a:ln>
+        </p:spPr>
+        <p:style>
+          <a:lnRef idx="1">
+            <a:schemeClr val="accent1"/>
+          </a:lnRef>
+          <a:fillRef idx="3">
+            <a:schemeClr val="accent1"/>
+          </a:fillRef>
+          <a:effectRef idx="2">
+            <a:schemeClr val="accent1"/>
+          </a:effectRef>
+          <a:fontRef idx="minor">
+            <a:schemeClr val="lt1"/>
+          </a:fontRef>
+        </p:style>
+        <p:txBody>
+          <a:bodyPr wrap="square" numCol="1" anchor="t" anchorCtr="0" compatLnSpc="1">
+            <a:prstTxWarp prst="textNoShape">
+              <a:avLst/>
+            </a:prstTxWarp>
+            <a:normAutofit/>
+          </a:bodyPr>
+          <a:lstStyle>
+            <a:lvl1pPr marL="0" indent="0" algn="ctr">
+              <a:buFontTx/>
+              <a:buNone/>
+              <a:defRPr sz="1600"/>
+            </a:lvl1pPr>
+          </a:lstStyle>
+          <a:p>
+            <a:r>
+              <a:rPr lang="en-US" smtClean="0"/>
+              <a:t>Click icon to add picture</a:t>
+            </a:r>
+            <a:endParaRPr lang="en-US" dirty="0"/>
+          </a:p>
+        </p:txBody>
+      </p:sp>
+      <p:sp>
+        <p:nvSpPr>
+          <p:cNvPr id="4" name="Text Placeholder 3"/>
+          <p:cNvSpPr>
+            <a:spLocks noGrp="1"/>
+          </p:cNvSpPr>
+          <p:nvPr>
+            <p:ph type="body" sz="half" idx="2"/>
+          </p:nvPr>
+        </p:nvSpPr>
+        <p:spPr>
+          <a:xfrm>
+            <a:off x="810000" y="5367338"/>
+            <a:ext cx="10561418" cy="493712"/>
+          </a:xfrm>
+        </p:spPr>
+        <p:txBody>
+          <a:bodyPr>
+            <a:normAutofit/>
+          </a:bodyPr>
+          <a:lstStyle>
+            <a:lvl1pPr marL="0" indent="0">
+              <a:buNone/>
+              <a:defRPr sz="1200"/>
+            </a:lvl1pPr>
+            <a:lvl2pPr marL="457200" indent="0">
+              <a:buNone/>
+              <a:defRPr sz="1200"/>
+            </a:lvl2pPr>
+            <a:lvl3pPr marL="914400" indent="0">
+              <a:buNone/>
+              <a:defRPr sz="1000"/>
+            </a:lvl3pPr>
+            <a:lvl4pPr marL="1371600" indent="0">
+              <a:buNone/>
+              <a:defRPr sz="900"/>
+            </a:lvl4pPr>
+            <a:lvl5pPr marL="1828800" indent="0">
+              <a:buNone/>
+              <a:defRPr sz="900"/>
+            </a:lvl5pPr>
+            <a:lvl6pPr marL="2286000" indent="0">
+              <a:buNone/>
+              <a:defRPr sz="900"/>
+            </a:lvl6pPr>
+            <a:lvl7pPr marL="2743200" indent="0">
+              <a:buNone/>
+              <a:defRPr sz="900"/>
+            </a:lvl7pPr>
+            <a:lvl8pPr marL="3200400" indent="0">
+              <a:buNone/>
+              <a:defRPr sz="900"/>
+            </a:lvl8pPr>
+            <a:lvl9pPr marL="3657600" indent="0">
+              <a:buNone/>
+              <a:defRPr sz="900"/>
+            </a:lvl9pPr>
+          </a:lstStyle>
+          <a:p>
+            <a:pPr lvl="0"/>
+            <a:r>
+              <a:rPr lang="en-US" smtClean="0"/>
+              <a:t>Click to edit Master text styles</a:t>
+            </a:r>
+          </a:p>
+        </p:txBody>
+      </p:sp>
+      <p:sp>
+        <p:nvSpPr>
+          <p:cNvPr id="5" name="Date Placeholder 4"/>
+          <p:cNvSpPr>
+            <a:spLocks noGrp="1"/>
+          </p:cNvSpPr>
+          <p:nvPr>
+            <p:ph type="dt" sz="half" idx="10"/>
+          </p:nvPr>
+        </p:nvSpPr>
+        <p:spPr/>
+        <p:txBody>
+          <a:bodyPr/>
+          <a:lstStyle/>
+          <a:p>
+            <a:fld id="{72F1D0CE-710F-419E-BA04-48107B318754}" type="datetimeFigureOut">
+              <a:rPr lang="en-US" smtClean="0"/>
+              <a:t>10/30/2017</a:t>
+            </a:fld>
+            <a:endParaRPr lang="en-US"/>
+          </a:p>
+        </p:txBody>
+      </p:sp>
+      <p:sp>
+        <p:nvSpPr>
+          <p:cNvPr id="6" name="Footer Placeholder 5"/>
+          <p:cNvSpPr>
+            <a:spLocks noGrp="1"/>
+          </p:cNvSpPr>
+          <p:nvPr>
+            <p:ph type="ftr" sz="quarter" idx="11"/>
+          </p:nvPr>
+        </p:nvSpPr>
+        <p:spPr/>
+        <p:txBody>
+          <a:bodyPr/>
+          <a:lstStyle/>
+          <a:p>
+            <a:endParaRPr lang="en-US"/>
+          </a:p>
+        </p:txBody>
+      </p:sp>
+      <p:sp>
+        <p:nvSpPr>
+          <p:cNvPr id="7" name="Slide Number Placeholder 6"/>
+          <p:cNvSpPr>
+            <a:spLocks noGrp="1"/>
+          </p:cNvSpPr>
+          <p:nvPr>
+            <p:ph type="sldNum" sz="quarter" idx="12"/>
+          </p:nvPr>
+        </p:nvSpPr>
+        <p:spPr/>
+        <p:txBody>
+          <a:bodyPr/>
+          <a:lstStyle/>
+          <a:p>
+            <a:fld id="{A0508CD1-4F66-435D-A9FA-50D273C9A1D6}" type="slidenum">
+              <a:rPr lang="en-US" smtClean="0"/>
+              <a:t>‹#›</a:t>
+            </a:fld>
+            <a:endParaRPr lang="en-US"/>
+          </a:p>
+        </p:txBody>
+      </p:sp>
+    </p:spTree>
+    <p:extLst>
+      <p:ext uri="{BB962C8B-B14F-4D97-AF65-F5344CB8AC3E}">
+        <p14:creationId xmlns:p14="http://schemas.microsoft.com/office/powerpoint/2010/main" val="528451505"/>
+      </p:ext>
+    </p:extLst>
+  </p:cSld>
+  <p:clrMapOvr>
+    <a:masterClrMapping/>
+  </p:clrMapOvr>
+</p:sldLayout>
+</file>
+
+<file path=ppt/slideLayouts/slideLayout11.xml><?xml version="1.0" encoding="utf-8"?>
+<p:sldLayout xmlns:a="http://schemas.openxmlformats.org/drawingml/2006/main" xmlns:r="http://schemas.openxmlformats.org/officeDocument/2006/relationships" xmlns:p="http://schemas.openxmlformats.org/presentationml/2006/main" preserve="1">
+  <p:cSld name="Quote with Caption">
+    <p:spTree>
+      <p:nvGrpSpPr>
+        <p:cNvPr id="1" name=""/>
+        <p:cNvGrpSpPr/>
+        <p:nvPr/>
+      </p:nvGrpSpPr>
+      <p:grpSpPr>
+        <a:xfrm>
+          <a:off x="0" y="0"/>
+          <a:ext cx="0" cy="0"/>
+          <a:chOff x="0" y="0"/>
+          <a:chExt cx="0" cy="0"/>
+        </a:xfrm>
+      </p:grpSpPr>
+      <p:sp>
+        <p:nvSpPr>
+          <p:cNvPr id="8" name="Freeform 6"/>
+          <p:cNvSpPr>
+            <a:spLocks noChangeAspect="1"/>
+          </p:cNvSpPr>
+          <p:nvPr/>
+        </p:nvSpPr>
+        <p:spPr bwMode="auto">
+          <a:xfrm>
+            <a:off x="631697" y="1081456"/>
+            <a:ext cx="6332416" cy="3239188"/>
+          </a:xfrm>
+          <a:custGeom>
+            <a:avLst/>
+            <a:gdLst/>
+            <a:ahLst/>
+            <a:cxnLst/>
+            <a:rect l="0" t="0" r="r" b="b"/>
+            <a:pathLst>
+              <a:path w="3384" h="2308">
+                <a:moveTo>
+                  <a:pt x="3340" y="0"/>
+                </a:moveTo>
+                <a:lnTo>
+                  <a:pt x="44" y="0"/>
+                </a:lnTo>
+                <a:lnTo>
+                  <a:pt x="44" y="0"/>
+                </a:lnTo>
+                <a:lnTo>
+                  <a:pt x="34" y="0"/>
+                </a:lnTo>
+                <a:lnTo>
+                  <a:pt x="26" y="4"/>
+                </a:lnTo>
+                <a:lnTo>
+                  <a:pt x="20" y="8"/>
+                </a:lnTo>
+                <a:lnTo>
+                  <a:pt x="12" y="12"/>
+                </a:lnTo>
+                <a:lnTo>
+                  <a:pt x="8" y="20"/>
+                </a:lnTo>
+                <a:lnTo>
+                  <a:pt x="4" y="26"/>
+                </a:lnTo>
+                <a:lnTo>
+                  <a:pt x="0" y="34"/>
+                </a:lnTo>
+                <a:lnTo>
+                  <a:pt x="0" y="44"/>
+                </a:lnTo>
+                <a:lnTo>
+                  <a:pt x="0" y="2076"/>
+                </a:lnTo>
+                <a:lnTo>
+                  <a:pt x="0" y="2076"/>
+                </a:lnTo>
+                <a:lnTo>
+                  <a:pt x="0" y="2086"/>
+                </a:lnTo>
+                <a:lnTo>
+                  <a:pt x="4" y="2094"/>
+                </a:lnTo>
+                <a:lnTo>
+                  <a:pt x="8" y="2100"/>
+                </a:lnTo>
+                <a:lnTo>
+                  <a:pt x="12" y="2108"/>
+                </a:lnTo>
+                <a:lnTo>
+                  <a:pt x="20" y="2112"/>
+                </a:lnTo>
+                <a:lnTo>
+                  <a:pt x="26" y="2116"/>
+                </a:lnTo>
+                <a:lnTo>
+                  <a:pt x="34" y="2120"/>
+                </a:lnTo>
+                <a:lnTo>
+                  <a:pt x="44" y="2120"/>
+                </a:lnTo>
+                <a:lnTo>
+                  <a:pt x="474" y="2120"/>
+                </a:lnTo>
+                <a:lnTo>
+                  <a:pt x="650" y="2296"/>
+                </a:lnTo>
+                <a:lnTo>
+                  <a:pt x="650" y="2296"/>
+                </a:lnTo>
+                <a:lnTo>
+                  <a:pt x="656" y="2300"/>
+                </a:lnTo>
+                <a:lnTo>
+                  <a:pt x="664" y="2304"/>
+                </a:lnTo>
+                <a:lnTo>
+                  <a:pt x="672" y="2308"/>
+                </a:lnTo>
+                <a:lnTo>
+                  <a:pt x="680" y="2308"/>
+                </a:lnTo>
+                <a:lnTo>
+                  <a:pt x="688" y="2308"/>
+                </a:lnTo>
+                <a:lnTo>
+                  <a:pt x="696" y="2304"/>
+                </a:lnTo>
+                <a:lnTo>
+                  <a:pt x="704" y="2300"/>
+                </a:lnTo>
+                <a:lnTo>
+                  <a:pt x="710" y="2296"/>
+                </a:lnTo>
+                <a:lnTo>
+                  <a:pt x="886" y="2120"/>
+                </a:lnTo>
+                <a:lnTo>
+                  <a:pt x="3340" y="2120"/>
+                </a:lnTo>
+                <a:lnTo>
+                  <a:pt x="3340" y="2120"/>
+                </a:lnTo>
+                <a:lnTo>
+                  <a:pt x="3350" y="2120"/>
+                </a:lnTo>
+                <a:lnTo>
+                  <a:pt x="3358" y="2116"/>
+                </a:lnTo>
+                <a:lnTo>
+                  <a:pt x="3364" y="2112"/>
+                </a:lnTo>
+                <a:lnTo>
+                  <a:pt x="3372" y="2108"/>
+                </a:lnTo>
+                <a:lnTo>
+                  <a:pt x="3376" y="2100"/>
+                </a:lnTo>
+                <a:lnTo>
+                  <a:pt x="3380" y="2094"/>
+                </a:lnTo>
+                <a:lnTo>
+                  <a:pt x="3384" y="2086"/>
+                </a:lnTo>
+                <a:lnTo>
+                  <a:pt x="3384" y="2076"/>
+                </a:lnTo>
+                <a:lnTo>
+                  <a:pt x="3384" y="44"/>
+                </a:lnTo>
+                <a:lnTo>
+                  <a:pt x="3384" y="44"/>
+                </a:lnTo>
+                <a:lnTo>
+                  <a:pt x="3384" y="34"/>
+                </a:lnTo>
+                <a:lnTo>
+                  <a:pt x="3380" y="26"/>
+                </a:lnTo>
+                <a:lnTo>
+                  <a:pt x="3376" y="20"/>
+                </a:lnTo>
+                <a:lnTo>
+                  <a:pt x="3372" y="12"/>
+                </a:lnTo>
+                <a:lnTo>
+                  <a:pt x="3364" y="8"/>
+                </a:lnTo>
+                <a:lnTo>
+                  <a:pt x="3358" y="4"/>
+                </a:lnTo>
+                <a:lnTo>
+                  <a:pt x="3350" y="0"/>
+                </a:lnTo>
+                <a:lnTo>
+                  <a:pt x="3340" y="0"/>
+                </a:lnTo>
+                <a:lnTo>
+                  <a:pt x="3340" y="0"/>
+                </a:lnTo>
+                <a:close/>
+              </a:path>
+            </a:pathLst>
+          </a:custGeom>
+          <a:ln>
+            <a:solidFill>
+              <a:schemeClr val="accent1"/>
+            </a:solidFill>
+          </a:ln>
+        </p:spPr>
+        <p:style>
+          <a:lnRef idx="1">
+            <a:schemeClr val="accent1"/>
+          </a:lnRef>
+          <a:fillRef idx="3">
+            <a:schemeClr val="accent1"/>
+          </a:fillRef>
+          <a:effectRef idx="2">
+            <a:schemeClr val="accent1"/>
+          </a:effectRef>
+          <a:fontRef idx="minor">
+            <a:schemeClr val="lt1"/>
+          </a:fontRef>
+        </p:style>
+      </p:sp>
+      <p:sp>
+        <p:nvSpPr>
+          <p:cNvPr id="2" name="Title 1"/>
+          <p:cNvSpPr>
+            <a:spLocks noGrp="1"/>
+          </p:cNvSpPr>
+          <p:nvPr>
+            <p:ph type="title"/>
+          </p:nvPr>
+        </p:nvSpPr>
+        <p:spPr>
+          <a:xfrm>
+            <a:off x="850985" y="1238502"/>
+            <a:ext cx="5893840" cy="2645912"/>
+          </a:xfrm>
+        </p:spPr>
+        <p:txBody>
+          <a:bodyPr anchor="b"/>
+          <a:lstStyle>
+            <a:lvl1pPr algn="l">
+              <a:defRPr sz="4200" b="1" cap="none"/>
+            </a:lvl1pPr>
+          </a:lstStyle>
+          <a:p>
+            <a:r>
+              <a:rPr lang="en-US" smtClean="0"/>
+              <a:t>Click to edit Master title style</a:t>
+            </a:r>
+            <a:endParaRPr lang="en-US" dirty="0"/>
+          </a:p>
+        </p:txBody>
+      </p:sp>
+      <p:sp>
+        <p:nvSpPr>
+          <p:cNvPr id="3" name="Text Placeholder 2"/>
+          <p:cNvSpPr>
+            <a:spLocks noGrp="1"/>
+          </p:cNvSpPr>
+          <p:nvPr>
+            <p:ph type="body" idx="1"/>
+          </p:nvPr>
+        </p:nvSpPr>
+        <p:spPr>
+          <a:xfrm>
+            <a:off x="853190" y="4443680"/>
+            <a:ext cx="5891636" cy="713241"/>
+          </a:xfrm>
+        </p:spPr>
+        <p:txBody>
+          <a:bodyPr anchor="t">
+            <a:noAutofit/>
+          </a:bodyPr>
+          <a:lstStyle>
+            <a:lvl1pPr marL="0" indent="0" algn="l">
+              <a:buNone/>
+              <a:defRPr sz="1800">
+                <a:solidFill>
+                  <a:schemeClr val="tx1"/>
+                </a:solidFill>
+              </a:defRPr>
+            </a:lvl1pPr>
+            <a:lvl2pPr marL="457200" indent="0">
+              <a:buNone/>
+              <a:defRPr sz="1800">
+                <a:solidFill>
+                  <a:schemeClr val="tx1">
+                    <a:tint val="75000"/>
+                  </a:schemeClr>
+                </a:solidFill>
+              </a:defRPr>
+            </a:lvl2pPr>
+            <a:lvl3pPr marL="914400" indent="0">
+              <a:buNone/>
+              <a:defRPr sz="1600">
+                <a:solidFill>
+                  <a:schemeClr val="tx1">
+                    <a:tint val="75000"/>
+                  </a:schemeClr>
+                </a:solidFill>
+              </a:defRPr>
+            </a:lvl3pPr>
+            <a:lvl4pPr marL="1371600" indent="0">
+              <a:buNone/>
+              <a:defRPr sz="1400">
+                <a:solidFill>
+                  <a:schemeClr val="tx1">
+                    <a:tint val="75000"/>
+                  </a:schemeClr>
+                </a:solidFill>
+              </a:defRPr>
+            </a:lvl4pPr>
+            <a:lvl5pPr marL="1828800" indent="0">
+              <a:buNone/>
+              <a:defRPr sz="1400">
+                <a:solidFill>
+                  <a:schemeClr val="tx1">
+                    <a:tint val="75000"/>
+                  </a:schemeClr>
+                </a:solidFill>
+              </a:defRPr>
+            </a:lvl5pPr>
+            <a:lvl6pPr marL="2286000" indent="0">
+              <a:buNone/>
+              <a:defRPr sz="1400">
+                <a:solidFill>
+                  <a:schemeClr val="tx1">
+                    <a:tint val="75000"/>
+                  </a:schemeClr>
+                </a:solidFill>
+              </a:defRPr>
+            </a:lvl6pPr>
+            <a:lvl7pPr marL="2743200" indent="0">
+              <a:buNone/>
+              <a:defRPr sz="1400">
+                <a:solidFill>
+                  <a:schemeClr val="tx1">
+                    <a:tint val="75000"/>
+                  </a:schemeClr>
+                </a:solidFill>
+              </a:defRPr>
+            </a:lvl7pPr>
+            <a:lvl8pPr marL="3200400" indent="0">
+              <a:buNone/>
+              <a:defRPr sz="1400">
+                <a:solidFill>
+                  <a:schemeClr val="tx1">
+                    <a:tint val="75000"/>
+                  </a:schemeClr>
+                </a:solidFill>
+              </a:defRPr>
+            </a:lvl8pPr>
+            <a:lvl9pPr marL="3657600" indent="0">
+              <a:buNone/>
+              <a:defRPr sz="1400">
+                <a:solidFill>
+                  <a:schemeClr val="tx1">
+                    <a:tint val="75000"/>
+                  </a:schemeClr>
+                </a:solidFill>
+              </a:defRPr>
+            </a:lvl9pPr>
+          </a:lstStyle>
+          <a:p>
+            <a:pPr lvl="0"/>
+            <a:r>
+              <a:rPr lang="en-US" smtClean="0"/>
+              <a:t>Click to edit Master text styles</a:t>
+            </a:r>
+          </a:p>
+        </p:txBody>
+      </p:sp>
+      <p:sp>
+        <p:nvSpPr>
+          <p:cNvPr id="9" name="Text Placeholder 5"/>
+          <p:cNvSpPr>
+            <a:spLocks noGrp="1"/>
+          </p:cNvSpPr>
+          <p:nvPr>
+            <p:ph type="body" sz="quarter" idx="16"/>
+          </p:nvPr>
+        </p:nvSpPr>
+        <p:spPr>
+          <a:xfrm>
+            <a:off x="7574642" y="1081456"/>
+            <a:ext cx="3810001" cy="4075465"/>
+          </a:xfrm>
+        </p:spPr>
+        <p:txBody>
+          <a:bodyPr anchor="t"/>
+          <a:lstStyle>
+            <a:lvl1pPr marL="0" indent="0">
+              <a:buFontTx/>
+              <a:buNone/>
+              <a:defRPr/>
+            </a:lvl1pPr>
+          </a:lstStyle>
+          <a:p>
+            <a:pPr lvl="0"/>
+            <a:r>
+              <a:rPr lang="en-US" smtClean="0"/>
+              <a:t>Click to edit Master text styles</a:t>
+            </a:r>
+          </a:p>
+        </p:txBody>
+      </p:sp>
+      <p:sp>
+        <p:nvSpPr>
+          <p:cNvPr id="4" name="Date Placeholder 3"/>
+          <p:cNvSpPr>
+            <a:spLocks noGrp="1"/>
+          </p:cNvSpPr>
+          <p:nvPr>
+            <p:ph type="dt" sz="half" idx="10"/>
+          </p:nvPr>
+        </p:nvSpPr>
+        <p:spPr/>
+        <p:txBody>
+          <a:bodyPr/>
+          <a:lstStyle/>
+          <a:p>
+            <a:fld id="{72F1D0CE-710F-419E-BA04-48107B318754}" type="datetimeFigureOut">
+              <a:rPr lang="en-US" smtClean="0"/>
+              <a:t>10/30/2017</a:t>
+            </a:fld>
+            <a:endParaRPr lang="en-US"/>
+          </a:p>
+        </p:txBody>
+      </p:sp>
+      <p:sp>
+        <p:nvSpPr>
+          <p:cNvPr id="5" name="Footer Placeholder 4"/>
+          <p:cNvSpPr>
+            <a:spLocks noGrp="1"/>
+          </p:cNvSpPr>
+          <p:nvPr>
+            <p:ph type="ftr" sz="quarter" idx="11"/>
+          </p:nvPr>
+        </p:nvSpPr>
+        <p:spPr/>
+        <p:txBody>
+          <a:bodyPr/>
+          <a:lstStyle/>
+          <a:p>
+            <a:endParaRPr lang="en-US"/>
+          </a:p>
+        </p:txBody>
+      </p:sp>
+      <p:sp>
+        <p:nvSpPr>
+          <p:cNvPr id="6" name="Slide Number Placeholder 5"/>
+          <p:cNvSpPr>
+            <a:spLocks noGrp="1"/>
+          </p:cNvSpPr>
+          <p:nvPr>
+            <p:ph type="sldNum" sz="quarter" idx="12"/>
+          </p:nvPr>
+        </p:nvSpPr>
+        <p:spPr/>
+        <p:txBody>
+          <a:bodyPr/>
+          <a:lstStyle/>
+          <a:p>
+            <a:fld id="{A0508CD1-4F66-435D-A9FA-50D273C9A1D6}" type="slidenum">
+              <a:rPr lang="en-US" smtClean="0"/>
+              <a:t>‹#›</a:t>
+            </a:fld>
+            <a:endParaRPr lang="en-US"/>
+          </a:p>
+        </p:txBody>
+      </p:sp>
+    </p:spTree>
+    <p:extLst>
+      <p:ext uri="{BB962C8B-B14F-4D97-AF65-F5344CB8AC3E}">
+        <p14:creationId xmlns:p14="http://schemas.microsoft.com/office/powerpoint/2010/main" val="1988513997"/>
+      </p:ext>
+    </p:extLst>
+  </p:cSld>
+  <p:clrMapOvr>
+    <a:masterClrMapping/>
+  </p:clrMapOvr>
+</p:sldLayout>
+</file>
+
+<file path=ppt/slideLayouts/slideLayout12.xml><?xml version="1.0" encoding="utf-8"?>
+<p:sldLayout xmlns:a="http://schemas.openxmlformats.org/drawingml/2006/main" xmlns:r="http://schemas.openxmlformats.org/officeDocument/2006/relationships" xmlns:p="http://schemas.openxmlformats.org/presentationml/2006/main" preserve="1">
+  <p:cSld name="Name Card">
+    <p:spTree>
+      <p:nvGrpSpPr>
+        <p:cNvPr id="1" name=""/>
+        <p:cNvGrpSpPr/>
+        <p:nvPr/>
+      </p:nvGrpSpPr>
+      <p:grpSpPr>
+        <a:xfrm>
+          <a:off x="0" y="0"/>
+          <a:ext cx="0" cy="0"/>
+          <a:chOff x="0" y="0"/>
+          <a:chExt cx="0" cy="0"/>
+        </a:xfrm>
+      </p:grpSpPr>
+      <p:sp>
+        <p:nvSpPr>
+          <p:cNvPr id="9" name="Freeform 6"/>
+          <p:cNvSpPr>
+            <a:spLocks noChangeAspect="1"/>
+          </p:cNvSpPr>
+          <p:nvPr/>
+        </p:nvSpPr>
+        <p:spPr bwMode="auto">
+          <a:xfrm>
+            <a:off x="1140884" y="2286585"/>
+            <a:ext cx="4895115" cy="2503972"/>
+          </a:xfrm>
+          <a:custGeom>
+            <a:avLst/>
+            <a:gdLst/>
+            <a:ahLst/>
+            <a:cxnLst/>
+            <a:rect l="0" t="0" r="r" b="b"/>
+            <a:pathLst>
+              <a:path w="3384" h="2308">
+                <a:moveTo>
+                  <a:pt x="3340" y="0"/>
+                </a:moveTo>
+                <a:lnTo>
+                  <a:pt x="44" y="0"/>
+                </a:lnTo>
+                <a:lnTo>
+                  <a:pt x="44" y="0"/>
+                </a:lnTo>
+                <a:lnTo>
+                  <a:pt x="34" y="0"/>
+                </a:lnTo>
+                <a:lnTo>
+                  <a:pt x="26" y="4"/>
+                </a:lnTo>
+                <a:lnTo>
+                  <a:pt x="20" y="8"/>
+                </a:lnTo>
+                <a:lnTo>
+                  <a:pt x="12" y="12"/>
+                </a:lnTo>
+                <a:lnTo>
+                  <a:pt x="8" y="20"/>
+                </a:lnTo>
+                <a:lnTo>
+                  <a:pt x="4" y="26"/>
+                </a:lnTo>
+                <a:lnTo>
+                  <a:pt x="0" y="34"/>
+                </a:lnTo>
+                <a:lnTo>
+                  <a:pt x="0" y="44"/>
+                </a:lnTo>
+                <a:lnTo>
+                  <a:pt x="0" y="2076"/>
+                </a:lnTo>
+                <a:lnTo>
+                  <a:pt x="0" y="2076"/>
+                </a:lnTo>
+                <a:lnTo>
+                  <a:pt x="0" y="2086"/>
+                </a:lnTo>
+                <a:lnTo>
+                  <a:pt x="4" y="2094"/>
+                </a:lnTo>
+                <a:lnTo>
+                  <a:pt x="8" y="2100"/>
+                </a:lnTo>
+                <a:lnTo>
+                  <a:pt x="12" y="2108"/>
+                </a:lnTo>
+                <a:lnTo>
+                  <a:pt x="20" y="2112"/>
+                </a:lnTo>
+                <a:lnTo>
+                  <a:pt x="26" y="2116"/>
+                </a:lnTo>
+                <a:lnTo>
+                  <a:pt x="34" y="2120"/>
+                </a:lnTo>
+                <a:lnTo>
+                  <a:pt x="44" y="2120"/>
+                </a:lnTo>
+                <a:lnTo>
+                  <a:pt x="474" y="2120"/>
+                </a:lnTo>
+                <a:lnTo>
+                  <a:pt x="650" y="2296"/>
+                </a:lnTo>
+                <a:lnTo>
+                  <a:pt x="650" y="2296"/>
+                </a:lnTo>
+                <a:lnTo>
+                  <a:pt x="656" y="2300"/>
+                </a:lnTo>
+                <a:lnTo>
+                  <a:pt x="664" y="2304"/>
+                </a:lnTo>
+                <a:lnTo>
+                  <a:pt x="672" y="2308"/>
+                </a:lnTo>
+                <a:lnTo>
+                  <a:pt x="680" y="2308"/>
+                </a:lnTo>
+                <a:lnTo>
+                  <a:pt x="688" y="2308"/>
+                </a:lnTo>
+                <a:lnTo>
+                  <a:pt x="696" y="2304"/>
+                </a:lnTo>
+                <a:lnTo>
+                  <a:pt x="704" y="2300"/>
+                </a:lnTo>
+                <a:lnTo>
+                  <a:pt x="710" y="2296"/>
+                </a:lnTo>
+                <a:lnTo>
+                  <a:pt x="886" y="2120"/>
+                </a:lnTo>
+                <a:lnTo>
+                  <a:pt x="3340" y="2120"/>
+                </a:lnTo>
+                <a:lnTo>
+                  <a:pt x="3340" y="2120"/>
+                </a:lnTo>
+                <a:lnTo>
+                  <a:pt x="3350" y="2120"/>
+                </a:lnTo>
+                <a:lnTo>
+                  <a:pt x="3358" y="2116"/>
+                </a:lnTo>
+                <a:lnTo>
+                  <a:pt x="3364" y="2112"/>
+                </a:lnTo>
+                <a:lnTo>
+                  <a:pt x="3372" y="2108"/>
+                </a:lnTo>
+                <a:lnTo>
+                  <a:pt x="3376" y="2100"/>
+                </a:lnTo>
+                <a:lnTo>
+                  <a:pt x="3380" y="2094"/>
+                </a:lnTo>
+                <a:lnTo>
+                  <a:pt x="3384" y="2086"/>
+                </a:lnTo>
+                <a:lnTo>
+                  <a:pt x="3384" y="2076"/>
+                </a:lnTo>
+                <a:lnTo>
+                  <a:pt x="3384" y="44"/>
+                </a:lnTo>
+                <a:lnTo>
+                  <a:pt x="3384" y="44"/>
+                </a:lnTo>
+                <a:lnTo>
+                  <a:pt x="3384" y="34"/>
+                </a:lnTo>
+                <a:lnTo>
+                  <a:pt x="3380" y="26"/>
+                </a:lnTo>
+                <a:lnTo>
+                  <a:pt x="3376" y="20"/>
+                </a:lnTo>
+                <a:lnTo>
+                  <a:pt x="3372" y="12"/>
+                </a:lnTo>
+                <a:lnTo>
+                  <a:pt x="3364" y="8"/>
+                </a:lnTo>
+                <a:lnTo>
+                  <a:pt x="3358" y="4"/>
+                </a:lnTo>
+                <a:lnTo>
+                  <a:pt x="3350" y="0"/>
+                </a:lnTo>
+                <a:lnTo>
+                  <a:pt x="3340" y="0"/>
+                </a:lnTo>
+                <a:lnTo>
+                  <a:pt x="3340" y="0"/>
+                </a:lnTo>
+                <a:close/>
+              </a:path>
+            </a:pathLst>
+          </a:custGeom>
+          <a:ln>
+            <a:solidFill>
+              <a:schemeClr val="accent1"/>
+            </a:solidFill>
+          </a:ln>
+        </p:spPr>
+        <p:style>
+          <a:lnRef idx="1">
+            <a:schemeClr val="accent1"/>
+          </a:lnRef>
+          <a:fillRef idx="3">
+            <a:schemeClr val="accent1"/>
+          </a:fillRef>
+          <a:effectRef idx="2">
+            <a:schemeClr val="accent1"/>
+          </a:effectRef>
+          <a:fontRef idx="minor">
+            <a:schemeClr val="lt1"/>
+          </a:fontRef>
+        </p:style>
+      </p:sp>
+      <p:sp>
+        <p:nvSpPr>
+          <p:cNvPr id="38" name="Title 1"/>
+          <p:cNvSpPr>
+            <a:spLocks noGrp="1"/>
+          </p:cNvSpPr>
+          <p:nvPr>
+            <p:ph type="title"/>
+          </p:nvPr>
+        </p:nvSpPr>
+        <p:spPr>
+          <a:xfrm>
+            <a:off x="1357089" y="2435957"/>
+            <a:ext cx="4382521" cy="2007789"/>
+          </a:xfrm>
+        </p:spPr>
+        <p:txBody>
+          <a:bodyPr/>
+          <a:lstStyle>
+            <a:lvl1pPr>
+              <a:defRPr sz="3200"/>
+            </a:lvl1pPr>
+          </a:lstStyle>
+          <a:p>
+            <a:r>
+              <a:rPr lang="en-US" smtClean="0"/>
+              <a:t>Click to edit Master title style</a:t>
+            </a:r>
+            <a:endParaRPr lang="en-US" dirty="0"/>
+          </a:p>
+        </p:txBody>
+      </p:sp>
+      <p:sp>
+        <p:nvSpPr>
+          <p:cNvPr id="6" name="Text Placeholder 5"/>
+          <p:cNvSpPr>
+            <a:spLocks noGrp="1"/>
+          </p:cNvSpPr>
+          <p:nvPr>
+            <p:ph type="body" sz="quarter" idx="16"/>
+          </p:nvPr>
+        </p:nvSpPr>
+        <p:spPr>
+          <a:xfrm>
+            <a:off x="6156000" y="2286000"/>
+            <a:ext cx="4880300" cy="2295525"/>
+          </a:xfrm>
+        </p:spPr>
+        <p:txBody>
+          <a:bodyPr anchor="t"/>
+          <a:lstStyle>
+            <a:lvl1pPr marL="0" indent="0">
+              <a:buFontTx/>
+              <a:buNone/>
+              <a:defRPr/>
+            </a:lvl1pPr>
+          </a:lstStyle>
+          <a:p>
+            <a:pPr lvl="0"/>
+            <a:r>
+              <a:rPr lang="en-US" smtClean="0"/>
+              <a:t>Click to edit Master text styles</a:t>
+            </a:r>
+          </a:p>
+        </p:txBody>
+      </p:sp>
+      <p:sp>
+        <p:nvSpPr>
+          <p:cNvPr id="2" name="Date Placeholder 1"/>
+          <p:cNvSpPr>
+            <a:spLocks noGrp="1"/>
+          </p:cNvSpPr>
+          <p:nvPr>
+            <p:ph type="dt" sz="half" idx="10"/>
+          </p:nvPr>
+        </p:nvSpPr>
+        <p:spPr/>
+        <p:txBody>
+          <a:bodyPr/>
+          <a:lstStyle/>
+          <a:p>
+            <a:fld id="{72F1D0CE-710F-419E-BA04-48107B318754}" type="datetimeFigureOut">
+              <a:rPr lang="en-US" smtClean="0"/>
+              <a:t>10/30/2017</a:t>
+            </a:fld>
+            <a:endParaRPr lang="en-US"/>
+          </a:p>
+        </p:txBody>
+      </p:sp>
+      <p:sp>
+        <p:nvSpPr>
+          <p:cNvPr id="3" name="Footer Placeholder 2"/>
+          <p:cNvSpPr>
+            <a:spLocks noGrp="1"/>
+          </p:cNvSpPr>
+          <p:nvPr>
+            <p:ph type="ftr" sz="quarter" idx="11"/>
+          </p:nvPr>
+        </p:nvSpPr>
+        <p:spPr/>
+        <p:txBody>
+          <a:bodyPr/>
+          <a:lstStyle/>
+          <a:p>
+            <a:endParaRPr lang="en-US"/>
+          </a:p>
+        </p:txBody>
+      </p:sp>
+      <p:sp>
+        <p:nvSpPr>
+          <p:cNvPr id="4" name="Slide Number Placeholder 3"/>
+          <p:cNvSpPr>
+            <a:spLocks noGrp="1"/>
+          </p:cNvSpPr>
+          <p:nvPr>
+            <p:ph type="sldNum" sz="quarter" idx="12"/>
+          </p:nvPr>
+        </p:nvSpPr>
+        <p:spPr/>
+        <p:txBody>
+          <a:bodyPr/>
+          <a:lstStyle/>
+          <a:p>
+            <a:fld id="{A0508CD1-4F66-435D-A9FA-50D273C9A1D6}" type="slidenum">
+              <a:rPr lang="en-US" smtClean="0"/>
+              <a:t>‹#›</a:t>
+            </a:fld>
+            <a:endParaRPr lang="en-US"/>
+          </a:p>
+        </p:txBody>
+      </p:sp>
+    </p:spTree>
+    <p:extLst>
+      <p:ext uri="{BB962C8B-B14F-4D97-AF65-F5344CB8AC3E}">
+        <p14:creationId xmlns:p14="http://schemas.microsoft.com/office/powerpoint/2010/main" val="3301235788"/>
+      </p:ext>
+    </p:extLst>
+  </p:cSld>
+  <p:clrMapOvr>
+    <a:masterClrMapping/>
+  </p:clrMapOvr>
+</p:sldLayout>
+</file>
+
+<file path=ppt/slideLayouts/slideLayout13.xml><?xml version="1.0" encoding="utf-8"?>
 <p:sldLayout xmlns:a="http://schemas.openxmlformats.org/drawingml/2006/main" xmlns:r="http://schemas.openxmlformats.org/officeDocument/2006/relationships" xmlns:p="http://schemas.openxmlformats.org/presentationml/2006/main" type="vertTx" preserve="1">
   <p:cSld name="Title and Vertical Text">
     <p:spTree>
@@ -322,6 +1660,109 @@
       </p:grpSpPr>
       <p:sp>
         <p:nvSpPr>
+          <p:cNvPr id="7" name="Freeform 6"/>
+          <p:cNvSpPr/>
+          <p:nvPr/>
+        </p:nvSpPr>
+        <p:spPr bwMode="auto">
+          <a:xfrm>
+            <a:off x="0" y="0"/>
+            <a:ext cx="12192000" cy="2185988"/>
+          </a:xfrm>
+          <a:custGeom>
+            <a:avLst/>
+            <a:gdLst/>
+            <a:ahLst/>
+            <a:cxnLst/>
+            <a:rect l="0" t="0" r="r" b="b"/>
+            <a:pathLst>
+              <a:path w="5760" h="1377">
+                <a:moveTo>
+                  <a:pt x="5760" y="0"/>
+                </a:moveTo>
+                <a:lnTo>
+                  <a:pt x="0" y="0"/>
+                </a:lnTo>
+                <a:lnTo>
+                  <a:pt x="0" y="1189"/>
+                </a:lnTo>
+                <a:lnTo>
+                  <a:pt x="943" y="1189"/>
+                </a:lnTo>
+                <a:lnTo>
+                  <a:pt x="1123" y="1369"/>
+                </a:lnTo>
+                <a:lnTo>
+                  <a:pt x="1123" y="1369"/>
+                </a:lnTo>
+                <a:lnTo>
+                  <a:pt x="1127" y="1371"/>
+                </a:lnTo>
+                <a:lnTo>
+                  <a:pt x="1133" y="1374"/>
+                </a:lnTo>
+                <a:lnTo>
+                  <a:pt x="1139" y="1377"/>
+                </a:lnTo>
+                <a:lnTo>
+                  <a:pt x="1144" y="1377"/>
+                </a:lnTo>
+                <a:lnTo>
+                  <a:pt x="1150" y="1377"/>
+                </a:lnTo>
+                <a:lnTo>
+                  <a:pt x="1155" y="1374"/>
+                </a:lnTo>
+                <a:lnTo>
+                  <a:pt x="1161" y="1371"/>
+                </a:lnTo>
+                <a:lnTo>
+                  <a:pt x="1165" y="1369"/>
+                </a:lnTo>
+                <a:lnTo>
+                  <a:pt x="1345" y="1189"/>
+                </a:lnTo>
+                <a:lnTo>
+                  <a:pt x="5760" y="1189"/>
+                </a:lnTo>
+                <a:lnTo>
+                  <a:pt x="5760" y="0"/>
+                </a:lnTo>
+                <a:close/>
+              </a:path>
+            </a:pathLst>
+          </a:custGeom>
+          <a:ln/>
+          <a:extLst>
+            <a:ext uri="{91240B29-F687-4f45-9708-019B960494DF}">
+              <a14:hiddenLine xmlns="" xmlns:a14="http://schemas.microsoft.com/office/drawing/2010/main" w="9525">
+                <a:solidFill>
+                  <a:srgbClr val="000000"/>
+                </a:solidFill>
+                <a:round/>
+                <a:headEnd/>
+                <a:tailEnd/>
+              </a14:hiddenLine>
+            </a:ext>
+          </a:extLst>
+        </p:spPr>
+        <p:style>
+          <a:lnRef idx="1">
+            <a:schemeClr val="accent1"/>
+          </a:lnRef>
+          <a:fillRef idx="3">
+            <a:schemeClr val="accent1"/>
+          </a:fillRef>
+          <a:effectRef idx="2">
+            <a:schemeClr val="accent1"/>
+          </a:effectRef>
+          <a:fontRef idx="minor">
+            <a:schemeClr val="lt1"/>
+          </a:fontRef>
+        </p:style>
+      </p:sp>
+      <p:sp>
+        <p:nvSpPr>
           <p:cNvPr id="2" name="Title 1"/>
           <p:cNvSpPr>
             <a:spLocks noGrp="1"/>
@@ -339,7 +1780,7 @@
               <a:rPr lang="en-US" smtClean="0"/>
               <a:t>Click to edit Master title style</a:t>
             </a:r>
-            <a:endParaRPr lang="en-US"/>
+            <a:endParaRPr lang="en-US" dirty="0"/>
           </a:p>
         </p:txBody>
       </p:sp>
@@ -355,7 +1796,7 @@
         </p:nvSpPr>
         <p:spPr/>
         <p:txBody>
-          <a:bodyPr vert="eaVert"/>
+          <a:bodyPr vert="eaVert" anchor="t"/>
           <a:lstStyle/>
           <a:p>
             <a:pPr lvl="0"/>
@@ -391,7 +1832,7 @@
               <a:rPr lang="en-US" smtClean="0"/>
               <a:t>Fifth level</a:t>
             </a:r>
-            <a:endParaRPr lang="en-US"/>
+            <a:endParaRPr lang="en-US" dirty="0"/>
           </a:p>
         </p:txBody>
       </p:sp>
@@ -412,7 +1853,7 @@
           <a:p>
             <a:fld id="{72F1D0CE-710F-419E-BA04-48107B318754}" type="datetimeFigureOut">
               <a:rPr lang="en-US" smtClean="0"/>
-              <a:t>10/23/2017</a:t>
+              <a:t>10/30/2017</a:t>
             </a:fld>
             <a:endParaRPr lang="en-US"/>
           </a:p>
@@ -463,7 +1904,7 @@
     </p:spTree>
     <p:extLst>
       <p:ext uri="{BB962C8B-B14F-4D97-AF65-F5344CB8AC3E}">
-        <p14:creationId xmlns:p14="http://schemas.microsoft.com/office/powerpoint/2010/main" val="2879706069"/>
+        <p14:creationId xmlns:p14="http://schemas.microsoft.com/office/powerpoint/2010/main" val="954061418"/>
       </p:ext>
     </p:extLst>
   </p:cSld>
@@ -473,7 +1914,7 @@
 </p:sldLayout>
 </file>
 
-<file path=ppt/slideLayouts/slideLayout11.xml><?xml version="1.0" encoding="utf-8"?>
+<file path=ppt/slideLayouts/slideLayout14.xml><?xml version="1.0" encoding="utf-8"?>
 <p:sldLayout xmlns:a="http://schemas.openxmlformats.org/drawingml/2006/main" xmlns:r="http://schemas.openxmlformats.org/officeDocument/2006/relationships" xmlns:p="http://schemas.openxmlformats.org/presentationml/2006/main" type="vertTitleAndTx" preserve="1">
   <p:cSld name="Vertical Title and Text">
     <p:spTree>
@@ -492,6 +1933,111 @@
       </p:grpSpPr>
       <p:sp>
         <p:nvSpPr>
+          <p:cNvPr id="12" name="Freeform 6"/>
+          <p:cNvSpPr>
+            <a:spLocks noChangeAspect="1"/>
+          </p:cNvSpPr>
+          <p:nvPr/>
+        </p:nvSpPr>
+        <p:spPr bwMode="auto">
+          <a:xfrm>
+            <a:off x="7669651" y="446089"/>
+            <a:ext cx="4522349" cy="5414962"/>
+          </a:xfrm>
+          <a:custGeom>
+            <a:avLst/>
+            <a:gdLst/>
+            <a:ahLst/>
+            <a:cxnLst/>
+            <a:rect l="0" t="0" r="r" b="b"/>
+            <a:pathLst>
+              <a:path w="2879" h="4320">
+                <a:moveTo>
+                  <a:pt x="183" y="0"/>
+                </a:moveTo>
+                <a:lnTo>
+                  <a:pt x="183" y="1197"/>
+                </a:lnTo>
+                <a:lnTo>
+                  <a:pt x="8" y="1372"/>
+                </a:lnTo>
+                <a:lnTo>
+                  <a:pt x="8" y="1372"/>
+                </a:lnTo>
+                <a:lnTo>
+                  <a:pt x="6" y="1376"/>
+                </a:lnTo>
+                <a:lnTo>
+                  <a:pt x="3" y="1382"/>
+                </a:lnTo>
+                <a:lnTo>
+                  <a:pt x="0" y="1387"/>
+                </a:lnTo>
+                <a:lnTo>
+                  <a:pt x="0" y="1393"/>
+                </a:lnTo>
+                <a:lnTo>
+                  <a:pt x="0" y="1399"/>
+                </a:lnTo>
+                <a:lnTo>
+                  <a:pt x="3" y="1404"/>
+                </a:lnTo>
+                <a:lnTo>
+                  <a:pt x="6" y="1410"/>
+                </a:lnTo>
+                <a:lnTo>
+                  <a:pt x="8" y="1414"/>
+                </a:lnTo>
+                <a:lnTo>
+                  <a:pt x="183" y="1589"/>
+                </a:lnTo>
+                <a:lnTo>
+                  <a:pt x="183" y="4320"/>
+                </a:lnTo>
+                <a:lnTo>
+                  <a:pt x="2879" y="4320"/>
+                </a:lnTo>
+                <a:lnTo>
+                  <a:pt x="2879" y="0"/>
+                </a:lnTo>
+                <a:lnTo>
+                  <a:pt x="183" y="0"/>
+                </a:lnTo>
+                <a:close/>
+              </a:path>
+            </a:pathLst>
+          </a:custGeom>
+          <a:ln/>
+          <a:extLst>
+            <a:ext uri="{91240B29-F687-4f45-9708-019B960494DF}">
+              <a14:hiddenLine xmlns="" xmlns:a14="http://schemas.microsoft.com/office/drawing/2010/main" w="9525">
+                <a:solidFill>
+                  <a:srgbClr val="000000"/>
+                </a:solidFill>
+                <a:round/>
+                <a:headEnd/>
+                <a:tailEnd/>
+              </a14:hiddenLine>
+            </a:ext>
+          </a:extLst>
+        </p:spPr>
+        <p:style>
+          <a:lnRef idx="1">
+            <a:schemeClr val="accent1"/>
+          </a:lnRef>
+          <a:fillRef idx="3">
+            <a:schemeClr val="accent1"/>
+          </a:fillRef>
+          <a:effectRef idx="2">
+            <a:schemeClr val="accent1"/>
+          </a:effectRef>
+          <a:fontRef idx="minor">
+            <a:schemeClr val="lt1"/>
+          </a:fontRef>
+        </p:style>
+      </p:sp>
+      <p:sp>
+        <p:nvSpPr>
           <p:cNvPr id="2" name="Vertical Title 1"/>
           <p:cNvSpPr>
             <a:spLocks noGrp="1"/>
@@ -502,8 +2048,8 @@
         </p:nvSpPr>
         <p:spPr>
           <a:xfrm>
-            <a:off x="8724900" y="365125"/>
-            <a:ext cx="2628900" cy="5811838"/>
+            <a:off x="8183540" y="586171"/>
+            <a:ext cx="2494791" cy="5134798"/>
           </a:xfrm>
         </p:spPr>
         <p:txBody>
@@ -514,7 +2060,7 @@
               <a:rPr lang="en-US" smtClean="0"/>
               <a:t>Click to edit Master title style</a:t>
             </a:r>
-            <a:endParaRPr lang="en-US"/>
+            <a:endParaRPr lang="en-US" dirty="0"/>
           </a:p>
         </p:txBody>
       </p:sp>
@@ -530,12 +2076,12 @@
         </p:nvSpPr>
         <p:spPr>
           <a:xfrm>
-            <a:off x="838200" y="365125"/>
-            <a:ext cx="7734300" cy="5811838"/>
+            <a:off x="810001" y="446089"/>
+            <a:ext cx="6611540" cy="5414962"/>
           </a:xfrm>
         </p:spPr>
         <p:txBody>
-          <a:bodyPr vert="eaVert"/>
+          <a:bodyPr vert="eaVert" anchor="t"/>
           <a:lstStyle/>
           <a:p>
             <a:pPr lvl="0"/>
@@ -571,7 +2117,7 @@
               <a:rPr lang="en-US" smtClean="0"/>
               <a:t>Fifth level</a:t>
             </a:r>
-            <a:endParaRPr lang="en-US"/>
+            <a:endParaRPr lang="en-US" dirty="0"/>
           </a:p>
         </p:txBody>
       </p:sp>
@@ -592,7 +2138,7 @@
           <a:p>
             <a:fld id="{72F1D0CE-710F-419E-BA04-48107B318754}" type="datetimeFigureOut">
               <a:rPr lang="en-US" smtClean="0"/>
-              <a:t>10/23/2017</a:t>
+              <a:t>10/30/2017</a:t>
             </a:fld>
             <a:endParaRPr lang="en-US"/>
           </a:p>
@@ -643,7 +2189,7 @@
     </p:spTree>
     <p:extLst>
       <p:ext uri="{BB962C8B-B14F-4D97-AF65-F5344CB8AC3E}">
-        <p14:creationId xmlns:p14="http://schemas.microsoft.com/office/powerpoint/2010/main" val="1841766337"/>
+        <p14:creationId xmlns:p14="http://schemas.microsoft.com/office/powerpoint/2010/main" val="2929460832"/>
       </p:ext>
     </p:extLst>
   </p:cSld>
@@ -672,6 +2218,109 @@
       </p:grpSpPr>
       <p:sp>
         <p:nvSpPr>
+          <p:cNvPr id="11" name="Freeform 6"/>
+          <p:cNvSpPr/>
+          <p:nvPr/>
+        </p:nvSpPr>
+        <p:spPr bwMode="auto">
+          <a:xfrm>
+            <a:off x="0" y="0"/>
+            <a:ext cx="12192000" cy="2185988"/>
+          </a:xfrm>
+          <a:custGeom>
+            <a:avLst/>
+            <a:gdLst/>
+            <a:ahLst/>
+            <a:cxnLst/>
+            <a:rect l="0" t="0" r="r" b="b"/>
+            <a:pathLst>
+              <a:path w="5760" h="1377">
+                <a:moveTo>
+                  <a:pt x="5760" y="0"/>
+                </a:moveTo>
+                <a:lnTo>
+                  <a:pt x="0" y="0"/>
+                </a:lnTo>
+                <a:lnTo>
+                  <a:pt x="0" y="1189"/>
+                </a:lnTo>
+                <a:lnTo>
+                  <a:pt x="943" y="1189"/>
+                </a:lnTo>
+                <a:lnTo>
+                  <a:pt x="1123" y="1369"/>
+                </a:lnTo>
+                <a:lnTo>
+                  <a:pt x="1123" y="1369"/>
+                </a:lnTo>
+                <a:lnTo>
+                  <a:pt x="1127" y="1371"/>
+                </a:lnTo>
+                <a:lnTo>
+                  <a:pt x="1133" y="1374"/>
+                </a:lnTo>
+                <a:lnTo>
+                  <a:pt x="1139" y="1377"/>
+                </a:lnTo>
+                <a:lnTo>
+                  <a:pt x="1144" y="1377"/>
+                </a:lnTo>
+                <a:lnTo>
+                  <a:pt x="1150" y="1377"/>
+                </a:lnTo>
+                <a:lnTo>
+                  <a:pt x="1155" y="1374"/>
+                </a:lnTo>
+                <a:lnTo>
+                  <a:pt x="1161" y="1371"/>
+                </a:lnTo>
+                <a:lnTo>
+                  <a:pt x="1165" y="1369"/>
+                </a:lnTo>
+                <a:lnTo>
+                  <a:pt x="1345" y="1189"/>
+                </a:lnTo>
+                <a:lnTo>
+                  <a:pt x="5760" y="1189"/>
+                </a:lnTo>
+                <a:lnTo>
+                  <a:pt x="5760" y="0"/>
+                </a:lnTo>
+                <a:close/>
+              </a:path>
+            </a:pathLst>
+          </a:custGeom>
+          <a:ln/>
+          <a:extLst>
+            <a:ext uri="{91240B29-F687-4f45-9708-019B960494DF}">
+              <a14:hiddenLine xmlns="" xmlns:a14="http://schemas.microsoft.com/office/drawing/2010/main" w="9525">
+                <a:solidFill>
+                  <a:srgbClr val="000000"/>
+                </a:solidFill>
+                <a:round/>
+                <a:headEnd/>
+                <a:tailEnd/>
+              </a14:hiddenLine>
+            </a:ext>
+          </a:extLst>
+        </p:spPr>
+        <p:style>
+          <a:lnRef idx="1">
+            <a:schemeClr val="accent1"/>
+          </a:lnRef>
+          <a:fillRef idx="3">
+            <a:schemeClr val="accent1"/>
+          </a:fillRef>
+          <a:effectRef idx="2">
+            <a:schemeClr val="accent1"/>
+          </a:effectRef>
+          <a:fontRef idx="minor">
+            <a:schemeClr val="lt1"/>
+          </a:fontRef>
+        </p:style>
+      </p:sp>
+      <p:sp>
+        <p:nvSpPr>
           <p:cNvPr id="2" name="Title 1"/>
           <p:cNvSpPr>
             <a:spLocks noGrp="1"/>
@@ -680,7 +2329,12 @@
             <p:ph type="title"/>
           </p:nvPr>
         </p:nvSpPr>
-        <p:spPr/>
+        <p:spPr>
+          <a:xfrm>
+            <a:off x="810000" y="447188"/>
+            <a:ext cx="10571998" cy="970450"/>
+          </a:xfrm>
+        </p:spPr>
         <p:txBody>
           <a:bodyPr/>
           <a:lstStyle/>
@@ -689,7 +2343,7 @@
               <a:rPr lang="en-US" smtClean="0"/>
               <a:t>Click to edit Master title style</a:t>
             </a:r>
-            <a:endParaRPr lang="en-US"/>
+            <a:endParaRPr lang="en-US" dirty="0"/>
           </a:p>
         </p:txBody>
       </p:sp>
@@ -703,7 +2357,12 @@
             <p:ph idx="1"/>
           </p:nvPr>
         </p:nvSpPr>
-        <p:spPr/>
+        <p:spPr>
+          <a:xfrm>
+            <a:off x="818712" y="2222287"/>
+            <a:ext cx="10554574" cy="3636511"/>
+          </a:xfrm>
+        </p:spPr>
         <p:txBody>
           <a:bodyPr/>
           <a:lstStyle/>
@@ -741,7 +2400,7 @@
               <a:rPr lang="en-US" smtClean="0"/>
               <a:t>Fifth level</a:t>
             </a:r>
-            <a:endParaRPr lang="en-US"/>
+            <a:endParaRPr lang="en-US" dirty="0"/>
           </a:p>
         </p:txBody>
       </p:sp>
@@ -762,7 +2421,7 @@
           <a:p>
             <a:fld id="{72F1D0CE-710F-419E-BA04-48107B318754}" type="datetimeFigureOut">
               <a:rPr lang="en-US" smtClean="0"/>
-              <a:t>10/23/2017</a:t>
+              <a:t>10/30/2017</a:t>
             </a:fld>
             <a:endParaRPr lang="en-US"/>
           </a:p>
@@ -813,7 +2472,7 @@
     </p:spTree>
     <p:extLst>
       <p:ext uri="{BB962C8B-B14F-4D97-AF65-F5344CB8AC3E}">
-        <p14:creationId xmlns:p14="http://schemas.microsoft.com/office/powerpoint/2010/main" val="218656644"/>
+        <p14:creationId xmlns:p14="http://schemas.microsoft.com/office/powerpoint/2010/main" val="1914645354"/>
       </p:ext>
     </p:extLst>
   </p:cSld>
@@ -842,6 +2501,103 @@
       </p:grpSpPr>
       <p:sp>
         <p:nvSpPr>
+          <p:cNvPr id="10" name="Freeform 7"/>
+          <p:cNvSpPr/>
+          <p:nvPr/>
+        </p:nvSpPr>
+        <p:spPr bwMode="auto">
+          <a:xfrm>
+            <a:off x="0" y="1"/>
+            <a:ext cx="12192000" cy="5203825"/>
+          </a:xfrm>
+          <a:custGeom>
+            <a:avLst/>
+            <a:gdLst/>
+            <a:ahLst/>
+            <a:cxnLst/>
+            <a:rect l="0" t="0" r="r" b="b"/>
+            <a:pathLst>
+              <a:path w="5760" h="3278">
+                <a:moveTo>
+                  <a:pt x="0" y="0"/>
+                </a:moveTo>
+                <a:lnTo>
+                  <a:pt x="5760" y="0"/>
+                </a:lnTo>
+                <a:lnTo>
+                  <a:pt x="5760" y="3090"/>
+                </a:lnTo>
+                <a:lnTo>
+                  <a:pt x="4817" y="3090"/>
+                </a:lnTo>
+                <a:lnTo>
+                  <a:pt x="4637" y="3270"/>
+                </a:lnTo>
+                <a:lnTo>
+                  <a:pt x="4637" y="3270"/>
+                </a:lnTo>
+                <a:lnTo>
+                  <a:pt x="4633" y="3272"/>
+                </a:lnTo>
+                <a:lnTo>
+                  <a:pt x="4627" y="3275"/>
+                </a:lnTo>
+                <a:lnTo>
+                  <a:pt x="4621" y="3278"/>
+                </a:lnTo>
+                <a:lnTo>
+                  <a:pt x="4616" y="3278"/>
+                </a:lnTo>
+                <a:lnTo>
+                  <a:pt x="4610" y="3278"/>
+                </a:lnTo>
+                <a:lnTo>
+                  <a:pt x="4605" y="3275"/>
+                </a:lnTo>
+                <a:lnTo>
+                  <a:pt x="4599" y="3272"/>
+                </a:lnTo>
+                <a:lnTo>
+                  <a:pt x="4595" y="3270"/>
+                </a:lnTo>
+                <a:lnTo>
+                  <a:pt x="4415" y="3090"/>
+                </a:lnTo>
+                <a:lnTo>
+                  <a:pt x="0" y="3090"/>
+                </a:lnTo>
+                <a:lnTo>
+                  <a:pt x="0" y="0"/>
+                </a:lnTo>
+                <a:lnTo>
+                  <a:pt x="0" y="0"/>
+                </a:lnTo>
+                <a:close/>
+              </a:path>
+            </a:pathLst>
+          </a:custGeom>
+          <a:ln>
+            <a:headEnd/>
+            <a:tailEnd/>
+          </a:ln>
+        </p:spPr>
+        <p:style>
+          <a:lnRef idx="1">
+            <a:schemeClr val="accent1"/>
+          </a:lnRef>
+          <a:fillRef idx="3">
+            <a:schemeClr val="accent1"/>
+          </a:fillRef>
+          <a:effectRef idx="2">
+            <a:schemeClr val="accent1"/>
+          </a:effectRef>
+          <a:fontRef idx="minor">
+            <a:schemeClr val="lt1"/>
+          </a:fontRef>
+        </p:style>
+      </p:sp>
+      <p:sp>
+        <p:nvSpPr>
           <p:cNvPr id="2" name="Title 1"/>
           <p:cNvSpPr>
             <a:spLocks noGrp="1"/>
@@ -852,15 +2608,15 @@
         </p:nvSpPr>
         <p:spPr>
           <a:xfrm>
-            <a:off x="831850" y="1709738"/>
-            <a:ext cx="10515600" cy="2852737"/>
+            <a:off x="810000" y="2951396"/>
+            <a:ext cx="10561418" cy="1468800"/>
           </a:xfrm>
         </p:spPr>
         <p:txBody>
           <a:bodyPr anchor="b"/>
           <a:lstStyle>
-            <a:lvl1pPr>
-              <a:defRPr sz="6000"/>
+            <a:lvl1pPr algn="r">
+              <a:defRPr sz="4800" b="1" cap="none"/>
             </a:lvl1pPr>
           </a:lstStyle>
           <a:p>
@@ -868,7 +2624,7 @@
               <a:rPr lang="en-US" smtClean="0"/>
               <a:t>Click to edit Master title style</a:t>
             </a:r>
-            <a:endParaRPr lang="en-US"/>
+            <a:endParaRPr lang="en-US" dirty="0"/>
           </a:p>
         </p:txBody>
       </p:sp>
@@ -884,26 +2640,26 @@
         </p:nvSpPr>
         <p:spPr>
           <a:xfrm>
-            <a:off x="831850" y="4589463"/>
-            <a:ext cx="10515600" cy="1500187"/>
+            <a:off x="810000" y="5281201"/>
+            <a:ext cx="10561418" cy="433955"/>
           </a:xfrm>
         </p:spPr>
         <p:txBody>
-          <a:bodyPr/>
+          <a:bodyPr anchor="t">
+            <a:noAutofit/>
+          </a:bodyPr>
           <a:lstStyle>
-            <a:lvl1pPr marL="0" indent="0">
-              <a:buNone/>
-              <a:defRPr sz="2400">
+            <a:lvl1pPr marL="0" indent="0" algn="r">
+              <a:buNone/>
+              <a:defRPr sz="1800">
                 <a:solidFill>
-                  <a:schemeClr val="tx1">
-                    <a:tint val="75000"/>
-                  </a:schemeClr>
+                  <a:schemeClr val="tx1"/>
                 </a:solidFill>
               </a:defRPr>
             </a:lvl1pPr>
             <a:lvl2pPr marL="457200" indent="0">
               <a:buNone/>
-              <a:defRPr sz="2000">
+              <a:defRPr sz="1800">
                 <a:solidFill>
                   <a:schemeClr val="tx1">
                     <a:tint val="75000"/>
@@ -913,7 +2669,7 @@
             </a:lvl2pPr>
             <a:lvl3pPr marL="914400" indent="0">
               <a:buNone/>
-              <a:defRPr sz="1800">
+              <a:defRPr sz="1600">
                 <a:solidFill>
                   <a:schemeClr val="tx1">
                     <a:tint val="75000"/>
@@ -923,7 +2679,7 @@
             </a:lvl3pPr>
             <a:lvl4pPr marL="1371600" indent="0">
               <a:buNone/>
-              <a:defRPr sz="1600">
+              <a:defRPr sz="1400">
                 <a:solidFill>
                   <a:schemeClr val="tx1">
                     <a:tint val="75000"/>
@@ -933,7 +2689,7 @@
             </a:lvl4pPr>
             <a:lvl5pPr marL="1828800" indent="0">
               <a:buNone/>
-              <a:defRPr sz="1600">
+              <a:defRPr sz="1400">
                 <a:solidFill>
                   <a:schemeClr val="tx1">
                     <a:tint val="75000"/>
@@ -943,7 +2699,7 @@
             </a:lvl5pPr>
             <a:lvl6pPr marL="2286000" indent="0">
               <a:buNone/>
-              <a:defRPr sz="1600">
+              <a:defRPr sz="1400">
                 <a:solidFill>
                   <a:schemeClr val="tx1">
                     <a:tint val="75000"/>
@@ -953,7 +2709,7 @@
             </a:lvl6pPr>
             <a:lvl7pPr marL="2743200" indent="0">
               <a:buNone/>
-              <a:defRPr sz="1600">
+              <a:defRPr sz="1400">
                 <a:solidFill>
                   <a:schemeClr val="tx1">
                     <a:tint val="75000"/>
@@ -963,7 +2719,7 @@
             </a:lvl7pPr>
             <a:lvl8pPr marL="3200400" indent="0">
               <a:buNone/>
-              <a:defRPr sz="1600">
+              <a:defRPr sz="1400">
                 <a:solidFill>
                   <a:schemeClr val="tx1">
                     <a:tint val="75000"/>
@@ -973,7 +2729,7 @@
             </a:lvl8pPr>
             <a:lvl9pPr marL="3657600" indent="0">
               <a:buNone/>
-              <a:defRPr sz="1600">
+              <a:defRPr sz="1400">
                 <a:solidFill>
                   <a:schemeClr val="tx1">
                     <a:tint val="75000"/>
@@ -1008,7 +2764,7 @@
           <a:p>
             <a:fld id="{72F1D0CE-710F-419E-BA04-48107B318754}" type="datetimeFigureOut">
               <a:rPr lang="en-US" smtClean="0"/>
-              <a:t>10/23/2017</a:t>
+              <a:t>10/30/2017</a:t>
             </a:fld>
             <a:endParaRPr lang="en-US"/>
           </a:p>
@@ -1059,7 +2815,7 @@
     </p:spTree>
     <p:extLst>
       <p:ext uri="{BB962C8B-B14F-4D97-AF65-F5344CB8AC3E}">
-        <p14:creationId xmlns:p14="http://schemas.microsoft.com/office/powerpoint/2010/main" val="473078570"/>
+        <p14:creationId xmlns:p14="http://schemas.microsoft.com/office/powerpoint/2010/main" val="3518052991"/>
       </p:ext>
     </p:extLst>
   </p:cSld>
@@ -1088,6 +2844,109 @@
       </p:grpSpPr>
       <p:sp>
         <p:nvSpPr>
+          <p:cNvPr id="8" name="Freeform 6"/>
+          <p:cNvSpPr/>
+          <p:nvPr/>
+        </p:nvSpPr>
+        <p:spPr bwMode="auto">
+          <a:xfrm>
+            <a:off x="0" y="0"/>
+            <a:ext cx="12192000" cy="2185988"/>
+          </a:xfrm>
+          <a:custGeom>
+            <a:avLst/>
+            <a:gdLst/>
+            <a:ahLst/>
+            <a:cxnLst/>
+            <a:rect l="0" t="0" r="r" b="b"/>
+            <a:pathLst>
+              <a:path w="5760" h="1377">
+                <a:moveTo>
+                  <a:pt x="5760" y="0"/>
+                </a:moveTo>
+                <a:lnTo>
+                  <a:pt x="0" y="0"/>
+                </a:lnTo>
+                <a:lnTo>
+                  <a:pt x="0" y="1189"/>
+                </a:lnTo>
+                <a:lnTo>
+                  <a:pt x="943" y="1189"/>
+                </a:lnTo>
+                <a:lnTo>
+                  <a:pt x="1123" y="1369"/>
+                </a:lnTo>
+                <a:lnTo>
+                  <a:pt x="1123" y="1369"/>
+                </a:lnTo>
+                <a:lnTo>
+                  <a:pt x="1127" y="1371"/>
+                </a:lnTo>
+                <a:lnTo>
+                  <a:pt x="1133" y="1374"/>
+                </a:lnTo>
+                <a:lnTo>
+                  <a:pt x="1139" y="1377"/>
+                </a:lnTo>
+                <a:lnTo>
+                  <a:pt x="1144" y="1377"/>
+                </a:lnTo>
+                <a:lnTo>
+                  <a:pt x="1150" y="1377"/>
+                </a:lnTo>
+                <a:lnTo>
+                  <a:pt x="1155" y="1374"/>
+                </a:lnTo>
+                <a:lnTo>
+                  <a:pt x="1161" y="1371"/>
+                </a:lnTo>
+                <a:lnTo>
+                  <a:pt x="1165" y="1369"/>
+                </a:lnTo>
+                <a:lnTo>
+                  <a:pt x="1345" y="1189"/>
+                </a:lnTo>
+                <a:lnTo>
+                  <a:pt x="5760" y="1189"/>
+                </a:lnTo>
+                <a:lnTo>
+                  <a:pt x="5760" y="0"/>
+                </a:lnTo>
+                <a:close/>
+              </a:path>
+            </a:pathLst>
+          </a:custGeom>
+          <a:ln/>
+          <a:extLst>
+            <a:ext uri="{91240B29-F687-4f45-9708-019B960494DF}">
+              <a14:hiddenLine xmlns="" xmlns:a14="http://schemas.microsoft.com/office/drawing/2010/main" w="9525">
+                <a:solidFill>
+                  <a:srgbClr val="000000"/>
+                </a:solidFill>
+                <a:round/>
+                <a:headEnd/>
+                <a:tailEnd/>
+              </a14:hiddenLine>
+            </a:ext>
+          </a:extLst>
+        </p:spPr>
+        <p:style>
+          <a:lnRef idx="1">
+            <a:schemeClr val="accent1"/>
+          </a:lnRef>
+          <a:fillRef idx="3">
+            <a:schemeClr val="accent1"/>
+          </a:fillRef>
+          <a:effectRef idx="2">
+            <a:schemeClr val="accent1"/>
+          </a:effectRef>
+          <a:fontRef idx="minor">
+            <a:schemeClr val="lt1"/>
+          </a:fontRef>
+        </p:style>
+      </p:sp>
+      <p:sp>
+        <p:nvSpPr>
           <p:cNvPr id="2" name="Title 1"/>
           <p:cNvSpPr>
             <a:spLocks noGrp="1"/>
@@ -1105,7 +2964,7 @@
               <a:rPr lang="en-US" smtClean="0"/>
               <a:t>Click to edit Master title style</a:t>
             </a:r>
-            <a:endParaRPr lang="en-US"/>
+            <a:endParaRPr lang="en-US" dirty="0"/>
           </a:p>
         </p:txBody>
       </p:sp>
@@ -1121,126 +2980,130 @@
         </p:nvSpPr>
         <p:spPr>
           <a:xfrm>
-            <a:off x="838200" y="1825625"/>
-            <a:ext cx="5181600" cy="4351338"/>
+            <a:off x="818712" y="2222287"/>
+            <a:ext cx="5185873" cy="3638763"/>
           </a:xfrm>
         </p:spPr>
         <p:txBody>
+          <a:bodyPr>
+            <a:normAutofit/>
+          </a:bodyPr>
+          <a:lstStyle/>
+          <a:p>
+            <a:pPr lvl="0"/>
+            <a:r>
+              <a:rPr lang="en-US" smtClean="0"/>
+              <a:t>Click to edit Master text styles</a:t>
+            </a:r>
+          </a:p>
+          <a:p>
+            <a:pPr lvl="1"/>
+            <a:r>
+              <a:rPr lang="en-US" smtClean="0"/>
+              <a:t>Second level</a:t>
+            </a:r>
+          </a:p>
+          <a:p>
+            <a:pPr lvl="2"/>
+            <a:r>
+              <a:rPr lang="en-US" smtClean="0"/>
+              <a:t>Third level</a:t>
+            </a:r>
+          </a:p>
+          <a:p>
+            <a:pPr lvl="3"/>
+            <a:r>
+              <a:rPr lang="en-US" smtClean="0"/>
+              <a:t>Fourth level</a:t>
+            </a:r>
+          </a:p>
+          <a:p>
+            <a:pPr lvl="4"/>
+            <a:r>
+              <a:rPr lang="en-US" smtClean="0"/>
+              <a:t>Fifth level</a:t>
+            </a:r>
+            <a:endParaRPr lang="en-US" dirty="0"/>
+          </a:p>
+        </p:txBody>
+      </p:sp>
+      <p:sp>
+        <p:nvSpPr>
+          <p:cNvPr id="4" name="Content Placeholder 3"/>
+          <p:cNvSpPr>
+            <a:spLocks noGrp="1"/>
+          </p:cNvSpPr>
+          <p:nvPr>
+            <p:ph sz="half" idx="2"/>
+          </p:nvPr>
+        </p:nvSpPr>
+        <p:spPr>
+          <a:xfrm>
+            <a:off x="6187415" y="2222287"/>
+            <a:ext cx="5194583" cy="3638764"/>
+          </a:xfrm>
+        </p:spPr>
+        <p:txBody>
+          <a:bodyPr>
+            <a:normAutofit/>
+          </a:bodyPr>
+          <a:lstStyle/>
+          <a:p>
+            <a:pPr lvl="0"/>
+            <a:r>
+              <a:rPr lang="en-US" smtClean="0"/>
+              <a:t>Click to edit Master text styles</a:t>
+            </a:r>
+          </a:p>
+          <a:p>
+            <a:pPr lvl="1"/>
+            <a:r>
+              <a:rPr lang="en-US" smtClean="0"/>
+              <a:t>Second level</a:t>
+            </a:r>
+          </a:p>
+          <a:p>
+            <a:pPr lvl="2"/>
+            <a:r>
+              <a:rPr lang="en-US" smtClean="0"/>
+              <a:t>Third level</a:t>
+            </a:r>
+          </a:p>
+          <a:p>
+            <a:pPr lvl="3"/>
+            <a:r>
+              <a:rPr lang="en-US" smtClean="0"/>
+              <a:t>Fourth level</a:t>
+            </a:r>
+          </a:p>
+          <a:p>
+            <a:pPr lvl="4"/>
+            <a:r>
+              <a:rPr lang="en-US" smtClean="0"/>
+              <a:t>Fifth level</a:t>
+            </a:r>
+            <a:endParaRPr lang="en-US" dirty="0"/>
+          </a:p>
+        </p:txBody>
+      </p:sp>
+      <p:sp>
+        <p:nvSpPr>
+          <p:cNvPr id="5" name="Date Placeholder 4"/>
+          <p:cNvSpPr>
+            <a:spLocks noGrp="1"/>
+          </p:cNvSpPr>
+          <p:nvPr>
+            <p:ph type="dt" sz="half" idx="10"/>
+          </p:nvPr>
+        </p:nvSpPr>
+        <p:spPr/>
+        <p:txBody>
           <a:bodyPr/>
           <a:lstStyle/>
           <a:p>
-            <a:pPr lvl="0"/>
-            <a:r>
-              <a:rPr lang="en-US" smtClean="0"/>
-              <a:t>Click to edit Master text styles</a:t>
-            </a:r>
-          </a:p>
-          <a:p>
-            <a:pPr lvl="1"/>
-            <a:r>
-              <a:rPr lang="en-US" smtClean="0"/>
-              <a:t>Second level</a:t>
-            </a:r>
-          </a:p>
-          <a:p>
-            <a:pPr lvl="2"/>
-            <a:r>
-              <a:rPr lang="en-US" smtClean="0"/>
-              <a:t>Third level</a:t>
-            </a:r>
-          </a:p>
-          <a:p>
-            <a:pPr lvl="3"/>
-            <a:r>
-              <a:rPr lang="en-US" smtClean="0"/>
-              <a:t>Fourth level</a:t>
-            </a:r>
-          </a:p>
-          <a:p>
-            <a:pPr lvl="4"/>
-            <a:r>
-              <a:rPr lang="en-US" smtClean="0"/>
-              <a:t>Fifth level</a:t>
-            </a:r>
-            <a:endParaRPr lang="en-US"/>
-          </a:p>
-        </p:txBody>
-      </p:sp>
-      <p:sp>
-        <p:nvSpPr>
-          <p:cNvPr id="4" name="Content Placeholder 3"/>
-          <p:cNvSpPr>
-            <a:spLocks noGrp="1"/>
-          </p:cNvSpPr>
-          <p:nvPr>
-            <p:ph sz="half" idx="2"/>
-          </p:nvPr>
-        </p:nvSpPr>
-        <p:spPr>
-          <a:xfrm>
-            <a:off x="6172200" y="1825625"/>
-            <a:ext cx="5181600" cy="4351338"/>
-          </a:xfrm>
-        </p:spPr>
-        <p:txBody>
-          <a:bodyPr/>
-          <a:lstStyle/>
-          <a:p>
-            <a:pPr lvl="0"/>
-            <a:r>
-              <a:rPr lang="en-US" smtClean="0"/>
-              <a:t>Click to edit Master text styles</a:t>
-            </a:r>
-          </a:p>
-          <a:p>
-            <a:pPr lvl="1"/>
-            <a:r>
-              <a:rPr lang="en-US" smtClean="0"/>
-              <a:t>Second level</a:t>
-            </a:r>
-          </a:p>
-          <a:p>
-            <a:pPr lvl="2"/>
-            <a:r>
-              <a:rPr lang="en-US" smtClean="0"/>
-              <a:t>Third level</a:t>
-            </a:r>
-          </a:p>
-          <a:p>
-            <a:pPr lvl="3"/>
-            <a:r>
-              <a:rPr lang="en-US" smtClean="0"/>
-              <a:t>Fourth level</a:t>
-            </a:r>
-          </a:p>
-          <a:p>
-            <a:pPr lvl="4"/>
-            <a:r>
-              <a:rPr lang="en-US" smtClean="0"/>
-              <a:t>Fifth level</a:t>
-            </a:r>
-            <a:endParaRPr lang="en-US"/>
-          </a:p>
-        </p:txBody>
-      </p:sp>
-      <p:sp>
-        <p:nvSpPr>
-          <p:cNvPr id="5" name="Date Placeholder 4"/>
-          <p:cNvSpPr>
-            <a:spLocks noGrp="1"/>
-          </p:cNvSpPr>
-          <p:nvPr>
-            <p:ph type="dt" sz="half" idx="10"/>
-          </p:nvPr>
-        </p:nvSpPr>
-        <p:spPr/>
-        <p:txBody>
-          <a:bodyPr/>
-          <a:lstStyle/>
-          <a:p>
             <a:fld id="{72F1D0CE-710F-419E-BA04-48107B318754}" type="datetimeFigureOut">
               <a:rPr lang="en-US" smtClean="0"/>
-              <a:t>10/23/2017</a:t>
+              <a:t>10/30/2017</a:t>
             </a:fld>
             <a:endParaRPr lang="en-US"/>
           </a:p>
@@ -1291,7 +3154,7 @@
     </p:spTree>
     <p:extLst>
       <p:ext uri="{BB962C8B-B14F-4D97-AF65-F5344CB8AC3E}">
-        <p14:creationId xmlns:p14="http://schemas.microsoft.com/office/powerpoint/2010/main" val="2837702201"/>
+        <p14:creationId xmlns:p14="http://schemas.microsoft.com/office/powerpoint/2010/main" val="2278375389"/>
       </p:ext>
     </p:extLst>
   </p:cSld>
@@ -1320,54 +3183,158 @@
       </p:grpSpPr>
       <p:sp>
         <p:nvSpPr>
+          <p:cNvPr id="10" name="Freeform 6"/>
+          <p:cNvSpPr/>
+          <p:nvPr/>
+        </p:nvSpPr>
+        <p:spPr bwMode="auto">
+          <a:xfrm>
+            <a:off x="0" y="0"/>
+            <a:ext cx="12192000" cy="2185988"/>
+          </a:xfrm>
+          <a:custGeom>
+            <a:avLst/>
+            <a:gdLst/>
+            <a:ahLst/>
+            <a:cxnLst/>
+            <a:rect l="0" t="0" r="r" b="b"/>
+            <a:pathLst>
+              <a:path w="5760" h="1377">
+                <a:moveTo>
+                  <a:pt x="5760" y="0"/>
+                </a:moveTo>
+                <a:lnTo>
+                  <a:pt x="0" y="0"/>
+                </a:lnTo>
+                <a:lnTo>
+                  <a:pt x="0" y="1189"/>
+                </a:lnTo>
+                <a:lnTo>
+                  <a:pt x="943" y="1189"/>
+                </a:lnTo>
+                <a:lnTo>
+                  <a:pt x="1123" y="1369"/>
+                </a:lnTo>
+                <a:lnTo>
+                  <a:pt x="1123" y="1369"/>
+                </a:lnTo>
+                <a:lnTo>
+                  <a:pt x="1127" y="1371"/>
+                </a:lnTo>
+                <a:lnTo>
+                  <a:pt x="1133" y="1374"/>
+                </a:lnTo>
+                <a:lnTo>
+                  <a:pt x="1139" y="1377"/>
+                </a:lnTo>
+                <a:lnTo>
+                  <a:pt x="1144" y="1377"/>
+                </a:lnTo>
+                <a:lnTo>
+                  <a:pt x="1150" y="1377"/>
+                </a:lnTo>
+                <a:lnTo>
+                  <a:pt x="1155" y="1374"/>
+                </a:lnTo>
+                <a:lnTo>
+                  <a:pt x="1161" y="1371"/>
+                </a:lnTo>
+                <a:lnTo>
+                  <a:pt x="1165" y="1369"/>
+                </a:lnTo>
+                <a:lnTo>
+                  <a:pt x="1345" y="1189"/>
+                </a:lnTo>
+                <a:lnTo>
+                  <a:pt x="5760" y="1189"/>
+                </a:lnTo>
+                <a:lnTo>
+                  <a:pt x="5760" y="0"/>
+                </a:lnTo>
+                <a:close/>
+              </a:path>
+            </a:pathLst>
+          </a:custGeom>
+          <a:ln/>
+          <a:extLst>
+            <a:ext uri="{91240B29-F687-4f45-9708-019B960494DF}">
+              <a14:hiddenLine xmlns="" xmlns:a14="http://schemas.microsoft.com/office/drawing/2010/main" w="9525">
+                <a:solidFill>
+                  <a:srgbClr val="000000"/>
+                </a:solidFill>
+                <a:round/>
+                <a:headEnd/>
+                <a:tailEnd/>
+              </a14:hiddenLine>
+            </a:ext>
+          </a:extLst>
+        </p:spPr>
+        <p:style>
+          <a:lnRef idx="1">
+            <a:schemeClr val="accent1"/>
+          </a:lnRef>
+          <a:fillRef idx="3">
+            <a:schemeClr val="accent1"/>
+          </a:fillRef>
+          <a:effectRef idx="2">
+            <a:schemeClr val="accent1"/>
+          </a:effectRef>
+          <a:fontRef idx="minor">
+            <a:schemeClr val="lt1"/>
+          </a:fontRef>
+        </p:style>
+      </p:sp>
+      <p:sp>
+        <p:nvSpPr>
           <p:cNvPr id="2" name="Title 1"/>
           <p:cNvSpPr>
             <a:spLocks noGrp="1"/>
           </p:cNvSpPr>
           <p:nvPr>
             <p:ph type="title"/>
+          </p:nvPr>
+        </p:nvSpPr>
+        <p:spPr/>
+        <p:txBody>
+          <a:bodyPr/>
+          <a:lstStyle>
+            <a:lvl1pPr>
+              <a:defRPr/>
+            </a:lvl1pPr>
+          </a:lstStyle>
+          <a:p>
+            <a:r>
+              <a:rPr lang="en-US" smtClean="0"/>
+              <a:t>Click to edit Master title style</a:t>
+            </a:r>
+            <a:endParaRPr lang="en-US" dirty="0"/>
+          </a:p>
+        </p:txBody>
+      </p:sp>
+      <p:sp>
+        <p:nvSpPr>
+          <p:cNvPr id="3" name="Text Placeholder 2"/>
+          <p:cNvSpPr>
+            <a:spLocks noGrp="1"/>
+          </p:cNvSpPr>
+          <p:nvPr>
+            <p:ph type="body" idx="1"/>
           </p:nvPr>
         </p:nvSpPr>
         <p:spPr>
           <a:xfrm>
-            <a:off x="839788" y="365125"/>
-            <a:ext cx="10515600" cy="1325563"/>
+            <a:off x="814728" y="2174875"/>
+            <a:ext cx="5189857" cy="576262"/>
           </a:xfrm>
         </p:spPr>
         <p:txBody>
-          <a:bodyPr/>
-          <a:lstStyle/>
-          <a:p>
-            <a:r>
-              <a:rPr lang="en-US" smtClean="0"/>
-              <a:t>Click to edit Master title style</a:t>
-            </a:r>
-            <a:endParaRPr lang="en-US"/>
-          </a:p>
-        </p:txBody>
-      </p:sp>
-      <p:sp>
-        <p:nvSpPr>
-          <p:cNvPr id="3" name="Text Placeholder 2"/>
-          <p:cNvSpPr>
-            <a:spLocks noGrp="1"/>
-          </p:cNvSpPr>
-          <p:nvPr>
-            <p:ph type="body" idx="1"/>
-          </p:nvPr>
-        </p:nvSpPr>
-        <p:spPr>
-          <a:xfrm>
-            <a:off x="839788" y="1681163"/>
-            <a:ext cx="5157787" cy="823912"/>
-          </a:xfrm>
-        </p:spPr>
-        <p:txBody>
-          <a:bodyPr anchor="b"/>
+          <a:bodyPr anchor="b">
+            <a:noAutofit/>
+          </a:bodyPr>
           <a:lstStyle>
-            <a:lvl1pPr marL="0" indent="0">
-              <a:buNone/>
-              <a:defRPr sz="2400" b="1"/>
+            <a:lvl1pPr marL="0" indent="0" algn="ctr">
+              <a:buNone/>
+              <a:defRPr sz="2000" b="0"/>
             </a:lvl1pPr>
             <a:lvl2pPr marL="457200" indent="0">
               <a:buNone/>
@@ -1423,12 +3390,14 @@
         </p:nvSpPr>
         <p:spPr>
           <a:xfrm>
-            <a:off x="839788" y="2505075"/>
-            <a:ext cx="5157787" cy="3684588"/>
+            <a:off x="814729" y="2751138"/>
+            <a:ext cx="5189856" cy="3109913"/>
           </a:xfrm>
         </p:spPr>
         <p:txBody>
-          <a:bodyPr/>
+          <a:bodyPr anchor="t">
+            <a:normAutofit/>
+          </a:bodyPr>
           <a:lstStyle/>
           <a:p>
             <a:pPr lvl="0"/>
@@ -1464,7 +3433,7 @@
               <a:rPr lang="en-US" smtClean="0"/>
               <a:t>Fifth level</a:t>
             </a:r>
-            <a:endParaRPr lang="en-US"/>
+            <a:endParaRPr lang="en-US" dirty="0"/>
           </a:p>
         </p:txBody>
       </p:sp>
@@ -1480,16 +3449,18 @@
         </p:nvSpPr>
         <p:spPr>
           <a:xfrm>
-            <a:off x="6172200" y="1681163"/>
-            <a:ext cx="5183188" cy="823912"/>
+            <a:off x="6187415" y="2174875"/>
+            <a:ext cx="5194583" cy="576262"/>
           </a:xfrm>
         </p:spPr>
         <p:txBody>
-          <a:bodyPr anchor="b"/>
+          <a:bodyPr anchor="b">
+            <a:noAutofit/>
+          </a:bodyPr>
           <a:lstStyle>
-            <a:lvl1pPr marL="0" indent="0">
-              <a:buNone/>
-              <a:defRPr sz="2400" b="1"/>
+            <a:lvl1pPr marL="0" indent="0" algn="ctr">
+              <a:buNone/>
+              <a:defRPr sz="2000" b="0"/>
             </a:lvl1pPr>
             <a:lvl2pPr marL="457200" indent="0">
               <a:buNone/>
@@ -1545,69 +3516,71 @@
         </p:nvSpPr>
         <p:spPr>
           <a:xfrm>
-            <a:off x="6172200" y="2505075"/>
-            <a:ext cx="5183188" cy="3684588"/>
+            <a:off x="6187415" y="2751138"/>
+            <a:ext cx="5194583" cy="3109913"/>
           </a:xfrm>
         </p:spPr>
         <p:txBody>
+          <a:bodyPr anchor="t">
+            <a:normAutofit/>
+          </a:bodyPr>
+          <a:lstStyle/>
+          <a:p>
+            <a:pPr lvl="0"/>
+            <a:r>
+              <a:rPr lang="en-US" smtClean="0"/>
+              <a:t>Click to edit Master text styles</a:t>
+            </a:r>
+          </a:p>
+          <a:p>
+            <a:pPr lvl="1"/>
+            <a:r>
+              <a:rPr lang="en-US" smtClean="0"/>
+              <a:t>Second level</a:t>
+            </a:r>
+          </a:p>
+          <a:p>
+            <a:pPr lvl="2"/>
+            <a:r>
+              <a:rPr lang="en-US" smtClean="0"/>
+              <a:t>Third level</a:t>
+            </a:r>
+          </a:p>
+          <a:p>
+            <a:pPr lvl="3"/>
+            <a:r>
+              <a:rPr lang="en-US" smtClean="0"/>
+              <a:t>Fourth level</a:t>
+            </a:r>
+          </a:p>
+          <a:p>
+            <a:pPr lvl="4"/>
+            <a:r>
+              <a:rPr lang="en-US" smtClean="0"/>
+              <a:t>Fifth level</a:t>
+            </a:r>
+            <a:endParaRPr lang="en-US" dirty="0"/>
+          </a:p>
+        </p:txBody>
+      </p:sp>
+      <p:sp>
+        <p:nvSpPr>
+          <p:cNvPr id="7" name="Date Placeholder 6"/>
+          <p:cNvSpPr>
+            <a:spLocks noGrp="1"/>
+          </p:cNvSpPr>
+          <p:nvPr>
+            <p:ph type="dt" sz="half" idx="10"/>
+          </p:nvPr>
+        </p:nvSpPr>
+        <p:spPr/>
+        <p:txBody>
           <a:bodyPr/>
           <a:lstStyle/>
           <a:p>
-            <a:pPr lvl="0"/>
-            <a:r>
-              <a:rPr lang="en-US" smtClean="0"/>
-              <a:t>Click to edit Master text styles</a:t>
-            </a:r>
-          </a:p>
-          <a:p>
-            <a:pPr lvl="1"/>
-            <a:r>
-              <a:rPr lang="en-US" smtClean="0"/>
-              <a:t>Second level</a:t>
-            </a:r>
-          </a:p>
-          <a:p>
-            <a:pPr lvl="2"/>
-            <a:r>
-              <a:rPr lang="en-US" smtClean="0"/>
-              <a:t>Third level</a:t>
-            </a:r>
-          </a:p>
-          <a:p>
-            <a:pPr lvl="3"/>
-            <a:r>
-              <a:rPr lang="en-US" smtClean="0"/>
-              <a:t>Fourth level</a:t>
-            </a:r>
-          </a:p>
-          <a:p>
-            <a:pPr lvl="4"/>
-            <a:r>
-              <a:rPr lang="en-US" smtClean="0"/>
-              <a:t>Fifth level</a:t>
-            </a:r>
-            <a:endParaRPr lang="en-US"/>
-          </a:p>
-        </p:txBody>
-      </p:sp>
-      <p:sp>
-        <p:nvSpPr>
-          <p:cNvPr id="7" name="Date Placeholder 6"/>
-          <p:cNvSpPr>
-            <a:spLocks noGrp="1"/>
-          </p:cNvSpPr>
-          <p:nvPr>
-            <p:ph type="dt" sz="half" idx="10"/>
-          </p:nvPr>
-        </p:nvSpPr>
-        <p:spPr/>
-        <p:txBody>
-          <a:bodyPr/>
-          <a:lstStyle/>
-          <a:p>
             <a:fld id="{72F1D0CE-710F-419E-BA04-48107B318754}" type="datetimeFigureOut">
               <a:rPr lang="en-US" smtClean="0"/>
-              <a:t>10/23/2017</a:t>
+              <a:t>10/30/2017</a:t>
             </a:fld>
             <a:endParaRPr lang="en-US"/>
           </a:p>
@@ -1658,7 +3631,7 @@
     </p:spTree>
     <p:extLst>
       <p:ext uri="{BB962C8B-B14F-4D97-AF65-F5344CB8AC3E}">
-        <p14:creationId xmlns:p14="http://schemas.microsoft.com/office/powerpoint/2010/main" val="4136786798"/>
+        <p14:creationId xmlns:p14="http://schemas.microsoft.com/office/powerpoint/2010/main" val="3413768926"/>
       </p:ext>
     </p:extLst>
   </p:cSld>
@@ -1687,6 +3660,109 @@
       </p:grpSpPr>
       <p:sp>
         <p:nvSpPr>
+          <p:cNvPr id="6" name="Freeform 6"/>
+          <p:cNvSpPr/>
+          <p:nvPr/>
+        </p:nvSpPr>
+        <p:spPr bwMode="auto">
+          <a:xfrm>
+            <a:off x="0" y="0"/>
+            <a:ext cx="12192000" cy="2185988"/>
+          </a:xfrm>
+          <a:custGeom>
+            <a:avLst/>
+            <a:gdLst/>
+            <a:ahLst/>
+            <a:cxnLst/>
+            <a:rect l="0" t="0" r="r" b="b"/>
+            <a:pathLst>
+              <a:path w="5760" h="1377">
+                <a:moveTo>
+                  <a:pt x="5760" y="0"/>
+                </a:moveTo>
+                <a:lnTo>
+                  <a:pt x="0" y="0"/>
+                </a:lnTo>
+                <a:lnTo>
+                  <a:pt x="0" y="1189"/>
+                </a:lnTo>
+                <a:lnTo>
+                  <a:pt x="943" y="1189"/>
+                </a:lnTo>
+                <a:lnTo>
+                  <a:pt x="1123" y="1369"/>
+                </a:lnTo>
+                <a:lnTo>
+                  <a:pt x="1123" y="1369"/>
+                </a:lnTo>
+                <a:lnTo>
+                  <a:pt x="1127" y="1371"/>
+                </a:lnTo>
+                <a:lnTo>
+                  <a:pt x="1133" y="1374"/>
+                </a:lnTo>
+                <a:lnTo>
+                  <a:pt x="1139" y="1377"/>
+                </a:lnTo>
+                <a:lnTo>
+                  <a:pt x="1144" y="1377"/>
+                </a:lnTo>
+                <a:lnTo>
+                  <a:pt x="1150" y="1377"/>
+                </a:lnTo>
+                <a:lnTo>
+                  <a:pt x="1155" y="1374"/>
+                </a:lnTo>
+                <a:lnTo>
+                  <a:pt x="1161" y="1371"/>
+                </a:lnTo>
+                <a:lnTo>
+                  <a:pt x="1165" y="1369"/>
+                </a:lnTo>
+                <a:lnTo>
+                  <a:pt x="1345" y="1189"/>
+                </a:lnTo>
+                <a:lnTo>
+                  <a:pt x="5760" y="1189"/>
+                </a:lnTo>
+                <a:lnTo>
+                  <a:pt x="5760" y="0"/>
+                </a:lnTo>
+                <a:close/>
+              </a:path>
+            </a:pathLst>
+          </a:custGeom>
+          <a:ln/>
+          <a:extLst>
+            <a:ext uri="{91240B29-F687-4f45-9708-019B960494DF}">
+              <a14:hiddenLine xmlns="" xmlns:a14="http://schemas.microsoft.com/office/drawing/2010/main" w="9525">
+                <a:solidFill>
+                  <a:srgbClr val="000000"/>
+                </a:solidFill>
+                <a:round/>
+                <a:headEnd/>
+                <a:tailEnd/>
+              </a14:hiddenLine>
+            </a:ext>
+          </a:extLst>
+        </p:spPr>
+        <p:style>
+          <a:lnRef idx="1">
+            <a:schemeClr val="accent1"/>
+          </a:lnRef>
+          <a:fillRef idx="3">
+            <a:schemeClr val="accent1"/>
+          </a:fillRef>
+          <a:effectRef idx="2">
+            <a:schemeClr val="accent1"/>
+          </a:effectRef>
+          <a:fontRef idx="minor">
+            <a:schemeClr val="lt1"/>
+          </a:fontRef>
+        </p:style>
+      </p:sp>
+      <p:sp>
+        <p:nvSpPr>
           <p:cNvPr id="2" name="Title 1"/>
           <p:cNvSpPr>
             <a:spLocks noGrp="1"/>
@@ -1704,7 +3780,7 @@
               <a:rPr lang="en-US" smtClean="0"/>
               <a:t>Click to edit Master title style</a:t>
             </a:r>
-            <a:endParaRPr lang="en-US"/>
+            <a:endParaRPr lang="en-US" dirty="0"/>
           </a:p>
         </p:txBody>
       </p:sp>
@@ -1725,7 +3801,7 @@
           <a:p>
             <a:fld id="{72F1D0CE-710F-419E-BA04-48107B318754}" type="datetimeFigureOut">
               <a:rPr lang="en-US" smtClean="0"/>
-              <a:t>10/23/2017</a:t>
+              <a:t>10/30/2017</a:t>
             </a:fld>
             <a:endParaRPr lang="en-US"/>
           </a:p>
@@ -1776,7 +3852,7 @@
     </p:spTree>
     <p:extLst>
       <p:ext uri="{BB962C8B-B14F-4D97-AF65-F5344CB8AC3E}">
-        <p14:creationId xmlns:p14="http://schemas.microsoft.com/office/powerpoint/2010/main" val="428951485"/>
+        <p14:creationId xmlns:p14="http://schemas.microsoft.com/office/powerpoint/2010/main" val="3528768087"/>
       </p:ext>
     </p:extLst>
   </p:cSld>
@@ -1820,7 +3896,7 @@
           <a:p>
             <a:fld id="{72F1D0CE-710F-419E-BA04-48107B318754}" type="datetimeFigureOut">
               <a:rPr lang="en-US" smtClean="0"/>
-              <a:t>10/23/2017</a:t>
+              <a:t>10/30/2017</a:t>
             </a:fld>
             <a:endParaRPr lang="en-US"/>
           </a:p>
@@ -1871,7 +3947,7 @@
     </p:spTree>
     <p:extLst>
       <p:ext uri="{BB962C8B-B14F-4D97-AF65-F5344CB8AC3E}">
-        <p14:creationId xmlns:p14="http://schemas.microsoft.com/office/powerpoint/2010/main" val="2051015354"/>
+        <p14:creationId xmlns:p14="http://schemas.microsoft.com/office/powerpoint/2010/main" val="576154863"/>
       </p:ext>
     </p:extLst>
   </p:cSld>
@@ -1900,6 +3976,222 @@
       </p:grpSpPr>
       <p:sp>
         <p:nvSpPr>
+          <p:cNvPr id="12" name="Freeform 6"/>
+          <p:cNvSpPr>
+            <a:spLocks noChangeAspect="1"/>
+          </p:cNvSpPr>
+          <p:nvPr/>
+        </p:nvSpPr>
+        <p:spPr bwMode="auto">
+          <a:xfrm>
+            <a:off x="1073151" y="446087"/>
+            <a:ext cx="3547533" cy="1814651"/>
+          </a:xfrm>
+          <a:custGeom>
+            <a:avLst/>
+            <a:gdLst/>
+            <a:ahLst/>
+            <a:cxnLst/>
+            <a:rect l="0" t="0" r="r" b="b"/>
+            <a:pathLst>
+              <a:path w="3384" h="2308">
+                <a:moveTo>
+                  <a:pt x="3340" y="0"/>
+                </a:moveTo>
+                <a:lnTo>
+                  <a:pt x="44" y="0"/>
+                </a:lnTo>
+                <a:lnTo>
+                  <a:pt x="44" y="0"/>
+                </a:lnTo>
+                <a:lnTo>
+                  <a:pt x="34" y="0"/>
+                </a:lnTo>
+                <a:lnTo>
+                  <a:pt x="26" y="4"/>
+                </a:lnTo>
+                <a:lnTo>
+                  <a:pt x="20" y="8"/>
+                </a:lnTo>
+                <a:lnTo>
+                  <a:pt x="12" y="12"/>
+                </a:lnTo>
+                <a:lnTo>
+                  <a:pt x="8" y="20"/>
+                </a:lnTo>
+                <a:lnTo>
+                  <a:pt x="4" y="26"/>
+                </a:lnTo>
+                <a:lnTo>
+                  <a:pt x="0" y="34"/>
+                </a:lnTo>
+                <a:lnTo>
+                  <a:pt x="0" y="44"/>
+                </a:lnTo>
+                <a:lnTo>
+                  <a:pt x="0" y="2076"/>
+                </a:lnTo>
+                <a:lnTo>
+                  <a:pt x="0" y="2076"/>
+                </a:lnTo>
+                <a:lnTo>
+                  <a:pt x="0" y="2086"/>
+                </a:lnTo>
+                <a:lnTo>
+                  <a:pt x="4" y="2094"/>
+                </a:lnTo>
+                <a:lnTo>
+                  <a:pt x="8" y="2100"/>
+                </a:lnTo>
+                <a:lnTo>
+                  <a:pt x="12" y="2108"/>
+                </a:lnTo>
+                <a:lnTo>
+                  <a:pt x="20" y="2112"/>
+                </a:lnTo>
+                <a:lnTo>
+                  <a:pt x="26" y="2116"/>
+                </a:lnTo>
+                <a:lnTo>
+                  <a:pt x="34" y="2120"/>
+                </a:lnTo>
+                <a:lnTo>
+                  <a:pt x="44" y="2120"/>
+                </a:lnTo>
+                <a:lnTo>
+                  <a:pt x="474" y="2120"/>
+                </a:lnTo>
+                <a:lnTo>
+                  <a:pt x="650" y="2296"/>
+                </a:lnTo>
+                <a:lnTo>
+                  <a:pt x="650" y="2296"/>
+                </a:lnTo>
+                <a:lnTo>
+                  <a:pt x="656" y="2300"/>
+                </a:lnTo>
+                <a:lnTo>
+                  <a:pt x="664" y="2304"/>
+                </a:lnTo>
+                <a:lnTo>
+                  <a:pt x="672" y="2308"/>
+                </a:lnTo>
+                <a:lnTo>
+                  <a:pt x="680" y="2308"/>
+                </a:lnTo>
+                <a:lnTo>
+                  <a:pt x="688" y="2308"/>
+                </a:lnTo>
+                <a:lnTo>
+                  <a:pt x="696" y="2304"/>
+                </a:lnTo>
+                <a:lnTo>
+                  <a:pt x="704" y="2300"/>
+                </a:lnTo>
+                <a:lnTo>
+                  <a:pt x="710" y="2296"/>
+                </a:lnTo>
+                <a:lnTo>
+                  <a:pt x="886" y="2120"/>
+                </a:lnTo>
+                <a:lnTo>
+                  <a:pt x="3340" y="2120"/>
+                </a:lnTo>
+                <a:lnTo>
+                  <a:pt x="3340" y="2120"/>
+                </a:lnTo>
+                <a:lnTo>
+                  <a:pt x="3350" y="2120"/>
+                </a:lnTo>
+                <a:lnTo>
+                  <a:pt x="3358" y="2116"/>
+                </a:lnTo>
+                <a:lnTo>
+                  <a:pt x="3364" y="2112"/>
+                </a:lnTo>
+                <a:lnTo>
+                  <a:pt x="3372" y="2108"/>
+                </a:lnTo>
+                <a:lnTo>
+                  <a:pt x="3376" y="2100"/>
+                </a:lnTo>
+                <a:lnTo>
+                  <a:pt x="3380" y="2094"/>
+                </a:lnTo>
+                <a:lnTo>
+                  <a:pt x="3384" y="2086"/>
+                </a:lnTo>
+                <a:lnTo>
+                  <a:pt x="3384" y="2076"/>
+                </a:lnTo>
+                <a:lnTo>
+                  <a:pt x="3384" y="44"/>
+                </a:lnTo>
+                <a:lnTo>
+                  <a:pt x="3384" y="44"/>
+                </a:lnTo>
+                <a:lnTo>
+                  <a:pt x="3384" y="34"/>
+                </a:lnTo>
+                <a:lnTo>
+                  <a:pt x="3380" y="26"/>
+                </a:lnTo>
+                <a:lnTo>
+                  <a:pt x="3376" y="20"/>
+                </a:lnTo>
+                <a:lnTo>
+                  <a:pt x="3372" y="12"/>
+                </a:lnTo>
+                <a:lnTo>
+                  <a:pt x="3364" y="8"/>
+                </a:lnTo>
+                <a:lnTo>
+                  <a:pt x="3358" y="4"/>
+                </a:lnTo>
+                <a:lnTo>
+                  <a:pt x="3350" y="0"/>
+                </a:lnTo>
+                <a:lnTo>
+                  <a:pt x="3340" y="0"/>
+                </a:lnTo>
+                <a:lnTo>
+                  <a:pt x="3340" y="0"/>
+                </a:lnTo>
+                <a:close/>
+              </a:path>
+            </a:pathLst>
+          </a:custGeom>
+          <a:ln/>
+          <a:extLst>
+            <a:ext uri="{91240B29-F687-4f45-9708-019B960494DF}">
+              <a14:hiddenLine xmlns="" xmlns:a14="http://schemas.microsoft.com/office/drawing/2010/main" w="9525">
+                <a:solidFill>
+                  <a:srgbClr val="000000"/>
+                </a:solidFill>
+                <a:round/>
+                <a:headEnd/>
+                <a:tailEnd/>
+              </a14:hiddenLine>
+            </a:ext>
+          </a:extLst>
+        </p:spPr>
+        <p:style>
+          <a:lnRef idx="1">
+            <a:schemeClr val="accent1"/>
+          </a:lnRef>
+          <a:fillRef idx="3">
+            <a:schemeClr val="accent1"/>
+          </a:fillRef>
+          <a:effectRef idx="2">
+            <a:schemeClr val="accent1"/>
+          </a:effectRef>
+          <a:fontRef idx="minor">
+            <a:schemeClr val="lt1"/>
+          </a:fontRef>
+        </p:style>
+      </p:sp>
+      <p:sp>
+        <p:nvSpPr>
           <p:cNvPr id="2" name="Title 1"/>
           <p:cNvSpPr>
             <a:spLocks noGrp="1"/>
@@ -1910,15 +4202,15 @@
         </p:nvSpPr>
         <p:spPr>
           <a:xfrm>
-            <a:off x="839788" y="457200"/>
-            <a:ext cx="3932237" cy="1600200"/>
+            <a:off x="1073151" y="446088"/>
+            <a:ext cx="3547533" cy="1618396"/>
           </a:xfrm>
         </p:spPr>
         <p:txBody>
           <a:bodyPr anchor="b"/>
           <a:lstStyle>
-            <a:lvl1pPr>
-              <a:defRPr sz="3200"/>
+            <a:lvl1pPr algn="l">
+              <a:defRPr sz="2000" b="1"/>
             </a:lvl1pPr>
           </a:lstStyle>
           <a:p>
@@ -1926,7 +4218,7 @@
               <a:rPr lang="en-US" smtClean="0"/>
               <a:t>Click to edit Master title style</a:t>
             </a:r>
-            <a:endParaRPr lang="en-US"/>
+            <a:endParaRPr lang="en-US" dirty="0"/>
           </a:p>
         </p:txBody>
       </p:sp>
@@ -1942,41 +4234,15 @@
         </p:nvSpPr>
         <p:spPr>
           <a:xfrm>
-            <a:off x="5183188" y="987425"/>
-            <a:ext cx="6172200" cy="4873625"/>
+            <a:off x="4855633" y="446088"/>
+            <a:ext cx="6252633" cy="5414963"/>
           </a:xfrm>
         </p:spPr>
         <p:txBody>
-          <a:bodyPr/>
-          <a:lstStyle>
-            <a:lvl1pPr>
-              <a:defRPr sz="3200"/>
-            </a:lvl1pPr>
-            <a:lvl2pPr>
-              <a:defRPr sz="2800"/>
-            </a:lvl2pPr>
-            <a:lvl3pPr>
-              <a:defRPr sz="2400"/>
-            </a:lvl3pPr>
-            <a:lvl4pPr>
-              <a:defRPr sz="2000"/>
-            </a:lvl4pPr>
-            <a:lvl5pPr>
-              <a:defRPr sz="2000"/>
-            </a:lvl5pPr>
-            <a:lvl6pPr>
-              <a:defRPr sz="2000"/>
-            </a:lvl6pPr>
-            <a:lvl7pPr>
-              <a:defRPr sz="2000"/>
-            </a:lvl7pPr>
-            <a:lvl8pPr>
-              <a:defRPr sz="2000"/>
-            </a:lvl8pPr>
-            <a:lvl9pPr>
-              <a:defRPr sz="2000"/>
-            </a:lvl9pPr>
-          </a:lstStyle>
+          <a:bodyPr>
+            <a:normAutofit/>
+          </a:bodyPr>
+          <a:lstStyle/>
           <a:p>
             <a:pPr lvl="0"/>
             <a:r>
@@ -2011,7 +4277,7 @@
               <a:rPr lang="en-US" smtClean="0"/>
               <a:t>Fifth level</a:t>
             </a:r>
-            <a:endParaRPr lang="en-US"/>
+            <a:endParaRPr lang="en-US" dirty="0"/>
           </a:p>
         </p:txBody>
       </p:sp>
@@ -2027,8 +4293,8 @@
         </p:nvSpPr>
         <p:spPr>
           <a:xfrm>
-            <a:off x="839788" y="2057400"/>
-            <a:ext cx="3932237" cy="3811588"/>
+            <a:off x="1073151" y="2260738"/>
+            <a:ext cx="3547533" cy="3600311"/>
           </a:xfrm>
         </p:spPr>
         <p:txBody>
@@ -2036,39 +4302,39 @@
           <a:lstStyle>
             <a:lvl1pPr marL="0" indent="0">
               <a:buNone/>
-              <a:defRPr sz="1600"/>
+              <a:defRPr sz="1400"/>
             </a:lvl1pPr>
             <a:lvl2pPr marL="457200" indent="0">
               <a:buNone/>
-              <a:defRPr sz="1400"/>
+              <a:defRPr sz="1200"/>
             </a:lvl2pPr>
             <a:lvl3pPr marL="914400" indent="0">
               <a:buNone/>
-              <a:defRPr sz="1200"/>
+              <a:defRPr sz="1000"/>
             </a:lvl3pPr>
             <a:lvl4pPr marL="1371600" indent="0">
               <a:buNone/>
-              <a:defRPr sz="1000"/>
+              <a:defRPr sz="900"/>
             </a:lvl4pPr>
             <a:lvl5pPr marL="1828800" indent="0">
               <a:buNone/>
-              <a:defRPr sz="1000"/>
+              <a:defRPr sz="900"/>
             </a:lvl5pPr>
             <a:lvl6pPr marL="2286000" indent="0">
               <a:buNone/>
-              <a:defRPr sz="1000"/>
+              <a:defRPr sz="900"/>
             </a:lvl6pPr>
             <a:lvl7pPr marL="2743200" indent="0">
               <a:buNone/>
-              <a:defRPr sz="1000"/>
+              <a:defRPr sz="900"/>
             </a:lvl7pPr>
             <a:lvl8pPr marL="3200400" indent="0">
               <a:buNone/>
-              <a:defRPr sz="1000"/>
+              <a:defRPr sz="900"/>
             </a:lvl8pPr>
             <a:lvl9pPr marL="3657600" indent="0">
               <a:buNone/>
-              <a:defRPr sz="1000"/>
+              <a:defRPr sz="900"/>
             </a:lvl9pPr>
           </a:lstStyle>
           <a:p>
@@ -2097,7 +4363,7 @@
           <a:p>
             <a:fld id="{72F1D0CE-710F-419E-BA04-48107B318754}" type="datetimeFigureOut">
               <a:rPr lang="en-US" smtClean="0"/>
-              <a:t>10/23/2017</a:t>
+              <a:t>10/30/2017</a:t>
             </a:fld>
             <a:endParaRPr lang="en-US"/>
           </a:p>
@@ -2148,7 +4414,7 @@
     </p:spTree>
     <p:extLst>
       <p:ext uri="{BB962C8B-B14F-4D97-AF65-F5344CB8AC3E}">
-        <p14:creationId xmlns:p14="http://schemas.microsoft.com/office/powerpoint/2010/main" val="2854783237"/>
+        <p14:creationId xmlns:p14="http://schemas.microsoft.com/office/powerpoint/2010/main" val="3170568361"/>
       </p:ext>
     </p:extLst>
   </p:cSld>
@@ -2187,15 +4453,17 @@
         </p:nvSpPr>
         <p:spPr>
           <a:xfrm>
-            <a:off x="839788" y="457200"/>
-            <a:ext cx="3932237" cy="1600200"/>
+            <a:off x="814728" y="727522"/>
+            <a:ext cx="4852988" cy="1617163"/>
           </a:xfrm>
         </p:spPr>
         <p:txBody>
-          <a:bodyPr anchor="b"/>
+          <a:bodyPr anchor="b">
+            <a:normAutofit/>
+          </a:bodyPr>
           <a:lstStyle>
-            <a:lvl1pPr>
-              <a:defRPr sz="3200"/>
+            <a:lvl1pPr algn="l">
+              <a:defRPr sz="2400" b="0"/>
             </a:lvl1pPr>
           </a:lstStyle>
           <a:p>
@@ -2203,180 +4471,243 @@
               <a:rPr lang="en-US" smtClean="0"/>
               <a:t>Click to edit Master title style</a:t>
             </a:r>
-            <a:endParaRPr lang="en-US"/>
-          </a:p>
-        </p:txBody>
-      </p:sp>
-      <p:sp>
-        <p:nvSpPr>
-          <p:cNvPr id="3" name="Picture Placeholder 2"/>
-          <p:cNvSpPr>
-            <a:spLocks noGrp="1"/>
-          </p:cNvSpPr>
-          <p:nvPr>
-            <p:ph type="pic" idx="1"/>
+            <a:endParaRPr lang="en-US" dirty="0"/>
+          </a:p>
+        </p:txBody>
+      </p:sp>
+      <p:sp>
+        <p:nvSpPr>
+          <p:cNvPr id="9" name="Picture Placeholder 11"/>
+          <p:cNvSpPr>
+            <a:spLocks noGrp="1" noChangeAspect="1"/>
+          </p:cNvSpPr>
+          <p:nvPr>
+            <p:ph type="pic" sz="quarter" idx="13"/>
+          </p:nvPr>
+        </p:nvSpPr>
+        <p:spPr bwMode="auto">
+          <a:xfrm>
+            <a:off x="6098117" y="0"/>
+            <a:ext cx="6093883" cy="6858000"/>
+          </a:xfrm>
+          <a:custGeom>
+            <a:avLst/>
+            <a:gdLst/>
+            <a:ahLst/>
+            <a:cxnLst/>
+            <a:rect l="0" t="0" r="r" b="b"/>
+            <a:pathLst>
+              <a:path w="2879" h="4320">
+                <a:moveTo>
+                  <a:pt x="183" y="0"/>
+                </a:moveTo>
+                <a:lnTo>
+                  <a:pt x="183" y="1197"/>
+                </a:lnTo>
+                <a:lnTo>
+                  <a:pt x="8" y="1372"/>
+                </a:lnTo>
+                <a:lnTo>
+                  <a:pt x="8" y="1372"/>
+                </a:lnTo>
+                <a:lnTo>
+                  <a:pt x="6" y="1376"/>
+                </a:lnTo>
+                <a:lnTo>
+                  <a:pt x="3" y="1382"/>
+                </a:lnTo>
+                <a:lnTo>
+                  <a:pt x="0" y="1387"/>
+                </a:lnTo>
+                <a:lnTo>
+                  <a:pt x="0" y="1393"/>
+                </a:lnTo>
+                <a:lnTo>
+                  <a:pt x="0" y="1399"/>
+                </a:lnTo>
+                <a:lnTo>
+                  <a:pt x="3" y="1404"/>
+                </a:lnTo>
+                <a:lnTo>
+                  <a:pt x="6" y="1410"/>
+                </a:lnTo>
+                <a:lnTo>
+                  <a:pt x="8" y="1414"/>
+                </a:lnTo>
+                <a:lnTo>
+                  <a:pt x="183" y="1589"/>
+                </a:lnTo>
+                <a:lnTo>
+                  <a:pt x="183" y="4320"/>
+                </a:lnTo>
+                <a:lnTo>
+                  <a:pt x="2879" y="4320"/>
+                </a:lnTo>
+                <a:lnTo>
+                  <a:pt x="2879" y="0"/>
+                </a:lnTo>
+                <a:lnTo>
+                  <a:pt x="183" y="0"/>
+                </a:lnTo>
+                <a:close/>
+              </a:path>
+            </a:pathLst>
+          </a:custGeom>
+          <a:noFill/>
+          <a:ln w="9525">
+            <a:solidFill>
+              <a:schemeClr val="tx2"/>
+            </a:solidFill>
+            <a:round/>
+            <a:headEnd/>
+            <a:tailEnd/>
+          </a:ln>
+          <a:effectLst/>
+        </p:spPr>
+        <p:txBody>
+          <a:bodyPr wrap="square" numCol="1" anchor="t" anchorCtr="0" compatLnSpc="1">
+            <a:prstTxWarp prst="textNoShape">
+              <a:avLst/>
+            </a:prstTxWarp>
+            <a:normAutofit/>
+          </a:bodyPr>
+          <a:lstStyle>
+            <a:lvl1pPr algn="ctr">
+              <a:buFontTx/>
+              <a:buNone/>
+              <a:defRPr sz="1400"/>
+            </a:lvl1pPr>
+          </a:lstStyle>
+          <a:p>
+            <a:r>
+              <a:rPr lang="en-US" smtClean="0"/>
+              <a:t>Click icon to add picture</a:t>
+            </a:r>
+            <a:endParaRPr lang="en-US" dirty="0"/>
+          </a:p>
+        </p:txBody>
+      </p:sp>
+      <p:sp>
+        <p:nvSpPr>
+          <p:cNvPr id="4" name="Text Placeholder 3"/>
+          <p:cNvSpPr>
+            <a:spLocks noGrp="1"/>
+          </p:cNvSpPr>
+          <p:nvPr>
+            <p:ph type="body" sz="half" idx="2"/>
           </p:nvPr>
         </p:nvSpPr>
         <p:spPr>
           <a:xfrm>
-            <a:off x="5183188" y="987425"/>
-            <a:ext cx="6172200" cy="4873625"/>
+            <a:off x="814728" y="2344684"/>
+            <a:ext cx="4852988" cy="3516365"/>
           </a:xfrm>
         </p:spPr>
         <p:txBody>
-          <a:bodyPr/>
+          <a:bodyPr anchor="t">
+            <a:normAutofit/>
+          </a:bodyPr>
           <a:lstStyle>
             <a:lvl1pPr marL="0" indent="0">
               <a:buNone/>
-              <a:defRPr sz="3200"/>
+              <a:defRPr sz="1200"/>
             </a:lvl1pPr>
             <a:lvl2pPr marL="457200" indent="0">
               <a:buNone/>
-              <a:defRPr sz="2800"/>
+              <a:defRPr sz="1200"/>
             </a:lvl2pPr>
             <a:lvl3pPr marL="914400" indent="0">
               <a:buNone/>
-              <a:defRPr sz="2400"/>
+              <a:defRPr sz="1000"/>
             </a:lvl3pPr>
             <a:lvl4pPr marL="1371600" indent="0">
               <a:buNone/>
-              <a:defRPr sz="2000"/>
+              <a:defRPr sz="900"/>
             </a:lvl4pPr>
             <a:lvl5pPr marL="1828800" indent="0">
               <a:buNone/>
-              <a:defRPr sz="2000"/>
+              <a:defRPr sz="900"/>
             </a:lvl5pPr>
             <a:lvl6pPr marL="2286000" indent="0">
               <a:buNone/>
-              <a:defRPr sz="2000"/>
+              <a:defRPr sz="900"/>
             </a:lvl6pPr>
             <a:lvl7pPr marL="2743200" indent="0">
               <a:buNone/>
-              <a:defRPr sz="2000"/>
+              <a:defRPr sz="900"/>
             </a:lvl7pPr>
             <a:lvl8pPr marL="3200400" indent="0">
               <a:buNone/>
-              <a:defRPr sz="2000"/>
+              <a:defRPr sz="900"/>
             </a:lvl8pPr>
             <a:lvl9pPr marL="3657600" indent="0">
               <a:buNone/>
-              <a:defRPr sz="2000"/>
+              <a:defRPr sz="900"/>
             </a:lvl9pPr>
           </a:lstStyle>
           <a:p>
-            <a:endParaRPr lang="en-US"/>
-          </a:p>
-        </p:txBody>
-      </p:sp>
-      <p:sp>
-        <p:nvSpPr>
-          <p:cNvPr id="4" name="Text Placeholder 3"/>
-          <p:cNvSpPr>
-            <a:spLocks noGrp="1"/>
-          </p:cNvSpPr>
-          <p:nvPr>
-            <p:ph type="body" sz="half" idx="2"/>
+            <a:pPr lvl="0"/>
+            <a:r>
+              <a:rPr lang="en-US" smtClean="0"/>
+              <a:t>Click to edit Master text styles</a:t>
+            </a:r>
+          </a:p>
+        </p:txBody>
+      </p:sp>
+      <p:sp>
+        <p:nvSpPr>
+          <p:cNvPr id="5" name="Date Placeholder 4"/>
+          <p:cNvSpPr>
+            <a:spLocks noGrp="1"/>
+          </p:cNvSpPr>
+          <p:nvPr>
+            <p:ph type="dt" sz="half" idx="10"/>
           </p:nvPr>
         </p:nvSpPr>
         <p:spPr>
           <a:xfrm>
-            <a:off x="839788" y="2057400"/>
-            <a:ext cx="3932237" cy="3811588"/>
+            <a:off x="3885810" y="6041362"/>
+            <a:ext cx="976879" cy="365125"/>
           </a:xfrm>
         </p:spPr>
         <p:txBody>
           <a:bodyPr/>
-          <a:lstStyle>
-            <a:lvl1pPr marL="0" indent="0">
-              <a:buNone/>
-              <a:defRPr sz="1600"/>
-            </a:lvl1pPr>
-            <a:lvl2pPr marL="457200" indent="0">
-              <a:buNone/>
-              <a:defRPr sz="1400"/>
-            </a:lvl2pPr>
-            <a:lvl3pPr marL="914400" indent="0">
-              <a:buNone/>
-              <a:defRPr sz="1200"/>
-            </a:lvl3pPr>
-            <a:lvl4pPr marL="1371600" indent="0">
-              <a:buNone/>
-              <a:defRPr sz="1000"/>
-            </a:lvl4pPr>
-            <a:lvl5pPr marL="1828800" indent="0">
-              <a:buNone/>
-              <a:defRPr sz="1000"/>
-            </a:lvl5pPr>
-            <a:lvl6pPr marL="2286000" indent="0">
-              <a:buNone/>
-              <a:defRPr sz="1000"/>
-            </a:lvl6pPr>
-            <a:lvl7pPr marL="2743200" indent="0">
-              <a:buNone/>
-              <a:defRPr sz="1000"/>
-            </a:lvl7pPr>
-            <a:lvl8pPr marL="3200400" indent="0">
-              <a:buNone/>
-              <a:defRPr sz="1000"/>
-            </a:lvl8pPr>
-            <a:lvl9pPr marL="3657600" indent="0">
-              <a:buNone/>
-              <a:defRPr sz="1000"/>
-            </a:lvl9pPr>
-          </a:lstStyle>
-          <a:p>
-            <a:pPr lvl="0"/>
-            <a:r>
-              <a:rPr lang="en-US" smtClean="0"/>
-              <a:t>Click to edit Master text styles</a:t>
-            </a:r>
-          </a:p>
-        </p:txBody>
-      </p:sp>
-      <p:sp>
-        <p:nvSpPr>
-          <p:cNvPr id="5" name="Date Placeholder 4"/>
-          <p:cNvSpPr>
-            <a:spLocks noGrp="1"/>
-          </p:cNvSpPr>
-          <p:nvPr>
-            <p:ph type="dt" sz="half" idx="10"/>
-          </p:nvPr>
-        </p:nvSpPr>
-        <p:spPr/>
+          <a:lstStyle/>
+          <a:p>
+            <a:fld id="{72F1D0CE-710F-419E-BA04-48107B318754}" type="datetimeFigureOut">
+              <a:rPr lang="en-US" smtClean="0"/>
+              <a:t>10/30/2017</a:t>
+            </a:fld>
+            <a:endParaRPr lang="en-US"/>
+          </a:p>
+        </p:txBody>
+      </p:sp>
+      <p:sp>
+        <p:nvSpPr>
+          <p:cNvPr id="6" name="Footer Placeholder 5"/>
+          <p:cNvSpPr>
+            <a:spLocks noGrp="1"/>
+          </p:cNvSpPr>
+          <p:nvPr>
+            <p:ph type="ftr" sz="quarter" idx="11"/>
+          </p:nvPr>
+        </p:nvSpPr>
+        <p:spPr>
+          <a:xfrm>
+            <a:off x="590396" y="6041362"/>
+            <a:ext cx="3295413" cy="365125"/>
+          </a:xfrm>
+        </p:spPr>
         <p:txBody>
           <a:bodyPr/>
           <a:lstStyle/>
           <a:p>
-            <a:fld id="{72F1D0CE-710F-419E-BA04-48107B318754}" type="datetimeFigureOut">
-              <a:rPr lang="en-US" smtClean="0"/>
-              <a:t>10/23/2017</a:t>
-            </a:fld>
             <a:endParaRPr lang="en-US"/>
           </a:p>
         </p:txBody>
       </p:sp>
       <p:sp>
         <p:nvSpPr>
-          <p:cNvPr id="6" name="Footer Placeholder 5"/>
-          <p:cNvSpPr>
-            <a:spLocks noGrp="1"/>
-          </p:cNvSpPr>
-          <p:nvPr>
-            <p:ph type="ftr" sz="quarter" idx="11"/>
-          </p:nvPr>
-        </p:nvSpPr>
-        <p:spPr/>
-        <p:txBody>
-          <a:bodyPr/>
-          <a:lstStyle/>
-          <a:p>
-            <a:endParaRPr lang="en-US"/>
-          </a:p>
-        </p:txBody>
-      </p:sp>
-      <p:sp>
-        <p:nvSpPr>
           <p:cNvPr id="7" name="Slide Number Placeholder 6"/>
           <p:cNvSpPr>
             <a:spLocks noGrp="1"/>
@@ -2385,7 +4716,12 @@
             <p:ph type="sldNum" sz="quarter" idx="12"/>
           </p:nvPr>
         </p:nvSpPr>
-        <p:spPr/>
+        <p:spPr>
+          <a:xfrm>
+            <a:off x="4862689" y="5915888"/>
+            <a:ext cx="1062155" cy="490599"/>
+          </a:xfrm>
+        </p:spPr>
         <p:txBody>
           <a:bodyPr/>
           <a:lstStyle/>
@@ -2401,7 +4737,7 @@
     </p:spTree>
     <p:extLst>
       <p:ext uri="{BB962C8B-B14F-4D97-AF65-F5344CB8AC3E}">
-        <p14:creationId xmlns:p14="http://schemas.microsoft.com/office/powerpoint/2010/main" val="2814744000"/>
+        <p14:creationId xmlns:p14="http://schemas.microsoft.com/office/powerpoint/2010/main" val="1730321033"/>
       </p:ext>
     </p:extLst>
   </p:cSld>
@@ -2416,7 +4752,7 @@
   <p:cSld>
     <p:bg>
       <p:bgRef idx="1001">
-        <a:schemeClr val="bg1"/>
+        <a:schemeClr val="bg2"/>
       </p:bgRef>
     </p:bg>
     <p:spTree>
@@ -2445,200 +4781,208 @@
         </p:nvSpPr>
         <p:spPr>
           <a:xfrm>
-            <a:off x="838200" y="365125"/>
-            <a:ext cx="10515600" cy="1325563"/>
+            <a:off x="810000" y="447188"/>
+            <a:ext cx="10571998" cy="970450"/>
+          </a:xfrm>
+          <a:prstGeom prst="rect">
+            <a:avLst/>
+          </a:prstGeom>
+          <a:effectLst>
+            <a:outerShdw blurRad="50800" dir="14400000">
+              <a:srgbClr val="000000">
+                <a:alpha val="60000"/>
+              </a:srgbClr>
+            </a:outerShdw>
+          </a:effectLst>
+        </p:spPr>
+        <p:txBody>
+          <a:bodyPr vert="horz" lIns="91440" tIns="45720" rIns="91440" bIns="45720" rtlCol="0" anchor="b">
+            <a:noAutofit/>
+          </a:bodyPr>
+          <a:lstStyle/>
+          <a:p>
+            <a:r>
+              <a:rPr lang="en-US" smtClean="0"/>
+              <a:t>Click to edit Master title style</a:t>
+            </a:r>
+            <a:endParaRPr lang="en-US" dirty="0"/>
+          </a:p>
+        </p:txBody>
+      </p:sp>
+      <p:sp>
+        <p:nvSpPr>
+          <p:cNvPr id="3" name="Text Placeholder 2"/>
+          <p:cNvSpPr>
+            <a:spLocks noGrp="1"/>
+          </p:cNvSpPr>
+          <p:nvPr>
+            <p:ph type="body" idx="1"/>
+          </p:nvPr>
+        </p:nvSpPr>
+        <p:spPr>
+          <a:xfrm>
+            <a:off x="810000" y="2184401"/>
+            <a:ext cx="10563285" cy="3674397"/>
+          </a:xfrm>
+          <a:prstGeom prst="rect">
+            <a:avLst/>
+          </a:prstGeom>
+          <a:effectLst>
+            <a:outerShdw blurRad="50800" dir="14400000">
+              <a:srgbClr val="000000">
+                <a:alpha val="40000"/>
+              </a:srgbClr>
+            </a:outerShdw>
+          </a:effectLst>
+        </p:spPr>
+        <p:txBody>
+          <a:bodyPr vert="horz" lIns="91440" tIns="45720" rIns="91440" bIns="45720" rtlCol="0" anchor="ctr">
+            <a:normAutofit/>
+          </a:bodyPr>
+          <a:lstStyle/>
+          <a:p>
+            <a:pPr lvl="0"/>
+            <a:r>
+              <a:rPr lang="en-US" smtClean="0"/>
+              <a:t>Click to edit Master text styles</a:t>
+            </a:r>
+          </a:p>
+          <a:p>
+            <a:pPr lvl="1"/>
+            <a:r>
+              <a:rPr lang="en-US" smtClean="0"/>
+              <a:t>Second level</a:t>
+            </a:r>
+          </a:p>
+          <a:p>
+            <a:pPr lvl="2"/>
+            <a:r>
+              <a:rPr lang="en-US" smtClean="0"/>
+              <a:t>Third level</a:t>
+            </a:r>
+          </a:p>
+          <a:p>
+            <a:pPr lvl="3"/>
+            <a:r>
+              <a:rPr lang="en-US" smtClean="0"/>
+              <a:t>Fourth level</a:t>
+            </a:r>
+          </a:p>
+          <a:p>
+            <a:pPr lvl="4"/>
+            <a:r>
+              <a:rPr lang="en-US" smtClean="0"/>
+              <a:t>Fifth level</a:t>
+            </a:r>
+            <a:endParaRPr lang="en-US" dirty="0"/>
+          </a:p>
+        </p:txBody>
+      </p:sp>
+      <p:sp>
+        <p:nvSpPr>
+          <p:cNvPr id="5" name="Footer Placeholder 4"/>
+          <p:cNvSpPr>
+            <a:spLocks noGrp="1"/>
+          </p:cNvSpPr>
+          <p:nvPr>
+            <p:ph type="ftr" sz="quarter" idx="3"/>
+          </p:nvPr>
+        </p:nvSpPr>
+        <p:spPr>
+          <a:xfrm>
+            <a:off x="451514" y="6041362"/>
+            <a:ext cx="8644320" cy="365125"/>
           </a:xfrm>
           <a:prstGeom prst="rect">
             <a:avLst/>
           </a:prstGeom>
         </p:spPr>
         <p:txBody>
-          <a:bodyPr vert="horz" lIns="91440" tIns="45720" rIns="91440" bIns="45720" rtlCol="0" anchor="ctr">
-            <a:normAutofit/>
-          </a:bodyPr>
-          <a:lstStyle/>
-          <a:p>
-            <a:r>
-              <a:rPr lang="en-US" smtClean="0"/>
-              <a:t>Click to edit Master title style</a:t>
-            </a:r>
+          <a:bodyPr vert="horz" lIns="91440" tIns="45720" rIns="91440" bIns="45720" rtlCol="0" anchor="b"/>
+          <a:lstStyle>
+            <a:lvl1pPr algn="l">
+              <a:defRPr sz="900">
+                <a:solidFill>
+                  <a:schemeClr val="tx1"/>
+                </a:solidFill>
+              </a:defRPr>
+            </a:lvl1pPr>
+          </a:lstStyle>
+          <a:p>
             <a:endParaRPr lang="en-US"/>
           </a:p>
         </p:txBody>
       </p:sp>
       <p:sp>
         <p:nvSpPr>
-          <p:cNvPr id="3" name="Text Placeholder 2"/>
-          <p:cNvSpPr>
-            <a:spLocks noGrp="1"/>
-          </p:cNvSpPr>
-          <p:nvPr>
-            <p:ph type="body" idx="1"/>
+          <p:cNvPr id="4" name="Date Placeholder 3"/>
+          <p:cNvSpPr>
+            <a:spLocks noGrp="1"/>
+          </p:cNvSpPr>
+          <p:nvPr>
+            <p:ph type="dt" sz="half" idx="2"/>
           </p:nvPr>
         </p:nvSpPr>
         <p:spPr>
           <a:xfrm>
-            <a:off x="838200" y="1825625"/>
-            <a:ext cx="10515600" cy="4351338"/>
+            <a:off x="9334626" y="6041362"/>
+            <a:ext cx="1343706" cy="365125"/>
           </a:xfrm>
           <a:prstGeom prst="rect">
             <a:avLst/>
           </a:prstGeom>
         </p:spPr>
         <p:txBody>
-          <a:bodyPr vert="horz" lIns="91440" tIns="45720" rIns="91440" bIns="45720" rtlCol="0">
-            <a:normAutofit/>
-          </a:bodyPr>
-          <a:lstStyle/>
-          <a:p>
-            <a:pPr lvl="0"/>
-            <a:r>
-              <a:rPr lang="en-US" smtClean="0"/>
-              <a:t>Click to edit Master text styles</a:t>
-            </a:r>
-          </a:p>
-          <a:p>
-            <a:pPr lvl="1"/>
-            <a:r>
-              <a:rPr lang="en-US" smtClean="0"/>
-              <a:t>Second level</a:t>
-            </a:r>
-          </a:p>
-          <a:p>
-            <a:pPr lvl="2"/>
-            <a:r>
-              <a:rPr lang="en-US" smtClean="0"/>
-              <a:t>Third level</a:t>
-            </a:r>
-          </a:p>
-          <a:p>
-            <a:pPr lvl="3"/>
-            <a:r>
-              <a:rPr lang="en-US" smtClean="0"/>
-              <a:t>Fourth level</a:t>
-            </a:r>
-          </a:p>
-          <a:p>
-            <a:pPr lvl="4"/>
-            <a:r>
-              <a:rPr lang="en-US" smtClean="0"/>
-              <a:t>Fifth level</a:t>
-            </a:r>
+          <a:bodyPr vert="horz" lIns="91440" tIns="45720" rIns="91440" bIns="45720" rtlCol="0" anchor="b"/>
+          <a:lstStyle>
+            <a:lvl1pPr algn="r">
+              <a:defRPr sz="900">
+                <a:solidFill>
+                  <a:schemeClr val="tx1"/>
+                </a:solidFill>
+              </a:defRPr>
+            </a:lvl1pPr>
+          </a:lstStyle>
+          <a:p>
+            <a:fld id="{72F1D0CE-710F-419E-BA04-48107B318754}" type="datetimeFigureOut">
+              <a:rPr lang="en-US" smtClean="0"/>
+              <a:t>10/30/2017</a:t>
+            </a:fld>
             <a:endParaRPr lang="en-US"/>
           </a:p>
         </p:txBody>
       </p:sp>
       <p:sp>
         <p:nvSpPr>
-          <p:cNvPr id="4" name="Date Placeholder 3"/>
-          <p:cNvSpPr>
-            <a:spLocks noGrp="1"/>
-          </p:cNvSpPr>
-          <p:nvPr>
-            <p:ph type="dt" sz="half" idx="2"/>
+          <p:cNvPr id="6" name="Slide Number Placeholder 5"/>
+          <p:cNvSpPr>
+            <a:spLocks noGrp="1"/>
+          </p:cNvSpPr>
+          <p:nvPr>
+            <p:ph type="sldNum" sz="quarter" idx="4"/>
           </p:nvPr>
         </p:nvSpPr>
         <p:spPr>
           <a:xfrm>
-            <a:off x="838200" y="6356350"/>
-            <a:ext cx="2743200" cy="365125"/>
+            <a:off x="10678331" y="5915888"/>
+            <a:ext cx="1062155" cy="490599"/>
           </a:xfrm>
           <a:prstGeom prst="rect">
             <a:avLst/>
           </a:prstGeom>
         </p:spPr>
         <p:txBody>
-          <a:bodyPr vert="horz" lIns="91440" tIns="45720" rIns="91440" bIns="45720" rtlCol="0" anchor="ctr"/>
+          <a:bodyPr vert="horz" lIns="91440" tIns="45720" rIns="91440" bIns="10800" rtlCol="0" anchor="b"/>
           <a:lstStyle>
-            <a:lvl1pPr algn="l">
-              <a:defRPr sz="1200">
+            <a:lvl1pPr algn="r">
+              <a:defRPr sz="2000">
                 <a:solidFill>
-                  <a:schemeClr val="tx1">
-                    <a:tint val="75000"/>
-                  </a:schemeClr>
+                  <a:schemeClr val="accent1"/>
                 </a:solidFill>
               </a:defRPr>
             </a:lvl1pPr>
           </a:lstStyle>
           <a:p>
-            <a:fld id="{72F1D0CE-710F-419E-BA04-48107B318754}" type="datetimeFigureOut">
-              <a:rPr lang="en-US" smtClean="0"/>
-              <a:t>10/23/2017</a:t>
-            </a:fld>
-            <a:endParaRPr lang="en-US"/>
-          </a:p>
-        </p:txBody>
-      </p:sp>
-      <p:sp>
-        <p:nvSpPr>
-          <p:cNvPr id="5" name="Footer Placeholder 4"/>
-          <p:cNvSpPr>
-            <a:spLocks noGrp="1"/>
-          </p:cNvSpPr>
-          <p:nvPr>
-            <p:ph type="ftr" sz="quarter" idx="3"/>
-          </p:nvPr>
-        </p:nvSpPr>
-        <p:spPr>
-          <a:xfrm>
-            <a:off x="4038600" y="6356350"/>
-            <a:ext cx="4114800" cy="365125"/>
-          </a:xfrm>
-          <a:prstGeom prst="rect">
-            <a:avLst/>
-          </a:prstGeom>
-        </p:spPr>
-        <p:txBody>
-          <a:bodyPr vert="horz" lIns="91440" tIns="45720" rIns="91440" bIns="45720" rtlCol="0" anchor="ctr"/>
-          <a:lstStyle>
-            <a:lvl1pPr algn="ctr">
-              <a:defRPr sz="1200">
-                <a:solidFill>
-                  <a:schemeClr val="tx1">
-                    <a:tint val="75000"/>
-                  </a:schemeClr>
-                </a:solidFill>
-              </a:defRPr>
-            </a:lvl1pPr>
-          </a:lstStyle>
-          <a:p>
-            <a:endParaRPr lang="en-US"/>
-          </a:p>
-        </p:txBody>
-      </p:sp>
-      <p:sp>
-        <p:nvSpPr>
-          <p:cNvPr id="6" name="Slide Number Placeholder 5"/>
-          <p:cNvSpPr>
-            <a:spLocks noGrp="1"/>
-          </p:cNvSpPr>
-          <p:nvPr>
-            <p:ph type="sldNum" sz="quarter" idx="4"/>
-          </p:nvPr>
-        </p:nvSpPr>
-        <p:spPr>
-          <a:xfrm>
-            <a:off x="8610600" y="6356350"/>
-            <a:ext cx="2743200" cy="365125"/>
-          </a:xfrm>
-          <a:prstGeom prst="rect">
-            <a:avLst/>
-          </a:prstGeom>
-        </p:spPr>
-        <p:txBody>
-          <a:bodyPr vert="horz" lIns="91440" tIns="45720" rIns="91440" bIns="45720" rtlCol="0" anchor="ctr"/>
-          <a:lstStyle>
-            <a:lvl1pPr algn="r">
-              <a:defRPr sz="1200">
-                <a:solidFill>
-                  <a:schemeClr val="tx1">
-                    <a:tint val="75000"/>
-                  </a:schemeClr>
-                </a:solidFill>
-              </a:defRPr>
-            </a:lvl1pPr>
-          </a:lstStyle>
-          <a:p>
             <a:fld id="{A0508CD1-4F66-435D-A9FA-50D273C9A1D6}" type="slidenum">
               <a:rPr lang="en-US" smtClean="0"/>
               <a:t>‹#›</a:t>
@@ -2650,55 +4994,114 @@
     </p:spTree>
     <p:extLst>
       <p:ext uri="{BB962C8B-B14F-4D97-AF65-F5344CB8AC3E}">
-        <p14:creationId xmlns:p14="http://schemas.microsoft.com/office/powerpoint/2010/main" val="3803026051"/>
+        <p14:creationId xmlns:p14="http://schemas.microsoft.com/office/powerpoint/2010/main" val="3510633424"/>
       </p:ext>
     </p:extLst>
   </p:cSld>
-  <p:clrMap bg1="lt1" tx1="dk1" bg2="lt2" tx2="dk2" accent1="accent1" accent2="accent2" accent3="accent3" accent4="accent4" accent5="accent5" accent6="accent6" hlink="hlink" folHlink="folHlink"/>
+  <p:clrMap bg1="dk1" tx1="lt1" bg2="dk2" tx2="lt2" accent1="accent1" accent2="accent2" accent3="accent3" accent4="accent4" accent5="accent5" accent6="accent6" hlink="hlink" folHlink="folHlink"/>
   <p:sldLayoutIdLst>
-    <p:sldLayoutId id="2147483649" r:id="rId1"/>
-    <p:sldLayoutId id="2147483650" r:id="rId2"/>
-    <p:sldLayoutId id="2147483651" r:id="rId3"/>
-    <p:sldLayoutId id="2147483652" r:id="rId4"/>
-    <p:sldLayoutId id="2147483653" r:id="rId5"/>
-    <p:sldLayoutId id="2147483654" r:id="rId6"/>
-    <p:sldLayoutId id="2147483655" r:id="rId7"/>
-    <p:sldLayoutId id="2147483656" r:id="rId8"/>
-    <p:sldLayoutId id="2147483657" r:id="rId9"/>
-    <p:sldLayoutId id="2147483658" r:id="rId10"/>
-    <p:sldLayoutId id="2147483659" r:id="rId11"/>
+    <p:sldLayoutId id="2147483661" r:id="rId1"/>
+    <p:sldLayoutId id="2147483662" r:id="rId2"/>
+    <p:sldLayoutId id="2147483663" r:id="rId3"/>
+    <p:sldLayoutId id="2147483664" r:id="rId4"/>
+    <p:sldLayoutId id="2147483665" r:id="rId5"/>
+    <p:sldLayoutId id="2147483666" r:id="rId6"/>
+    <p:sldLayoutId id="2147483667" r:id="rId7"/>
+    <p:sldLayoutId id="2147483668" r:id="rId8"/>
+    <p:sldLayoutId id="2147483669" r:id="rId9"/>
+    <p:sldLayoutId id="2147483670" r:id="rId10"/>
+    <p:sldLayoutId id="2147483671" r:id="rId11"/>
+    <p:sldLayoutId id="2147483672" r:id="rId12"/>
+    <p:sldLayoutId id="2147483673" r:id="rId13"/>
+    <p:sldLayoutId id="2147483674" r:id="rId14"/>
   </p:sldLayoutIdLst>
   <p:txStyles>
     <p:titleStyle>
-      <a:lvl1pPr algn="l" defTabSz="914400" rtl="0" eaLnBrk="1" latinLnBrk="0" hangingPunct="1">
-        <a:lnSpc>
-          <a:spcPct val="90000"/>
-        </a:lnSpc>
+      <a:lvl1pPr algn="l" defTabSz="457200" rtl="0" eaLnBrk="1" latinLnBrk="0" hangingPunct="1">
         <a:spcBef>
           <a:spcPct val="0"/>
         </a:spcBef>
         <a:buNone/>
-        <a:defRPr sz="4400" kern="1200">
+        <a:defRPr sz="4000" b="1" kern="1200">
           <a:solidFill>
-            <a:schemeClr val="tx1"/>
+            <a:srgbClr val="FEFEFE"/>
           </a:solidFill>
           <a:latin typeface="+mj-lt"/>
           <a:ea typeface="+mj-ea"/>
           <a:cs typeface="+mj-cs"/>
         </a:defRPr>
       </a:lvl1pPr>
+      <a:lvl2pPr eaLnBrk="1" hangingPunct="1">
+        <a:defRPr>
+          <a:solidFill>
+            <a:schemeClr val="tx2"/>
+          </a:solidFill>
+        </a:defRPr>
+      </a:lvl2pPr>
+      <a:lvl3pPr eaLnBrk="1" hangingPunct="1">
+        <a:defRPr>
+          <a:solidFill>
+            <a:schemeClr val="tx2"/>
+          </a:solidFill>
+        </a:defRPr>
+      </a:lvl3pPr>
+      <a:lvl4pPr eaLnBrk="1" hangingPunct="1">
+        <a:defRPr>
+          <a:solidFill>
+            <a:schemeClr val="tx2"/>
+          </a:solidFill>
+        </a:defRPr>
+      </a:lvl4pPr>
+      <a:lvl5pPr eaLnBrk="1" hangingPunct="1">
+        <a:defRPr>
+          <a:solidFill>
+            <a:schemeClr val="tx2"/>
+          </a:solidFill>
+        </a:defRPr>
+      </a:lvl5pPr>
+      <a:lvl6pPr eaLnBrk="1" hangingPunct="1">
+        <a:defRPr>
+          <a:solidFill>
+            <a:schemeClr val="tx2"/>
+          </a:solidFill>
+        </a:defRPr>
+      </a:lvl6pPr>
+      <a:lvl7pPr eaLnBrk="1" hangingPunct="1">
+        <a:defRPr>
+          <a:solidFill>
+            <a:schemeClr val="tx2"/>
+          </a:solidFill>
+        </a:defRPr>
+      </a:lvl7pPr>
+      <a:lvl8pPr eaLnBrk="1" hangingPunct="1">
+        <a:defRPr>
+          <a:solidFill>
+            <a:schemeClr val="tx2"/>
+          </a:solidFill>
+        </a:defRPr>
+      </a:lvl8pPr>
+      <a:lvl9pPr eaLnBrk="1" hangingPunct="1">
+        <a:defRPr>
+          <a:solidFill>
+            <a:schemeClr val="tx2"/>
+          </a:solidFill>
+        </a:defRPr>
+      </a:lvl9pPr>
     </p:titleStyle>
     <p:bodyStyle>
-      <a:lvl1pPr marL="228600" indent="-228600" algn="l" defTabSz="914400" rtl="0" eaLnBrk="1" latinLnBrk="0" hangingPunct="1">
-        <a:lnSpc>
-          <a:spcPct val="90000"/>
-        </a:lnSpc>
+      <a:lvl1pPr marL="342900" indent="-342900" algn="l" defTabSz="457200" rtl="0" eaLnBrk="1" latinLnBrk="0" hangingPunct="1">
         <a:spcBef>
-          <a:spcPts val="1000"/>
+          <a:spcPct val="20000"/>
         </a:spcBef>
-        <a:buFont typeface="Arial" panose="020B0604020202020204" pitchFamily="34" charset="0"/>
-        <a:buChar char="•"/>
-        <a:defRPr sz="2800" kern="1200">
+        <a:spcAft>
+          <a:spcPts val="600"/>
+        </a:spcAft>
+        <a:buClr>
+          <a:schemeClr val="accent1"/>
+        </a:buClr>
+        <a:buFont typeface="Wingdings 2" charset="2"/>
+        <a:buChar char=""/>
+        <a:defRPr sz="1800" kern="1200">
           <a:solidFill>
             <a:schemeClr val="tx1"/>
           </a:solidFill>
@@ -2707,16 +5110,19 @@
           <a:cs typeface="+mn-cs"/>
         </a:defRPr>
       </a:lvl1pPr>
-      <a:lvl2pPr marL="685800" indent="-228600" algn="l" defTabSz="914400" rtl="0" eaLnBrk="1" latinLnBrk="0" hangingPunct="1">
-        <a:lnSpc>
-          <a:spcPct val="90000"/>
-        </a:lnSpc>
+      <a:lvl2pPr marL="742950" indent="-285750" algn="l" defTabSz="457200" rtl="0" eaLnBrk="1" latinLnBrk="0" hangingPunct="1">
         <a:spcBef>
-          <a:spcPts val="500"/>
+          <a:spcPct val="20000"/>
         </a:spcBef>
-        <a:buFont typeface="Arial" panose="020B0604020202020204" pitchFamily="34" charset="0"/>
-        <a:buChar char="•"/>
-        <a:defRPr sz="2400" kern="1200">
+        <a:spcAft>
+          <a:spcPts val="600"/>
+        </a:spcAft>
+        <a:buClr>
+          <a:schemeClr val="accent1"/>
+        </a:buClr>
+        <a:buFont typeface="Wingdings 2" charset="2"/>
+        <a:buChar char=""/>
+        <a:defRPr sz="1600" kern="1200">
           <a:solidFill>
             <a:schemeClr val="tx1"/>
           </a:solidFill>
@@ -2725,16 +5131,19 @@
           <a:cs typeface="+mn-cs"/>
         </a:defRPr>
       </a:lvl2pPr>
-      <a:lvl3pPr marL="1143000" indent="-228600" algn="l" defTabSz="914400" rtl="0" eaLnBrk="1" latinLnBrk="0" hangingPunct="1">
-        <a:lnSpc>
-          <a:spcPct val="90000"/>
-        </a:lnSpc>
+      <a:lvl3pPr marL="1143000" indent="-228600" algn="l" defTabSz="457200" rtl="0" eaLnBrk="1" latinLnBrk="0" hangingPunct="1">
         <a:spcBef>
-          <a:spcPts val="500"/>
+          <a:spcPct val="20000"/>
         </a:spcBef>
-        <a:buFont typeface="Arial" panose="020B0604020202020204" pitchFamily="34" charset="0"/>
-        <a:buChar char="•"/>
-        <a:defRPr sz="2000" kern="1200">
+        <a:spcAft>
+          <a:spcPts val="600"/>
+        </a:spcAft>
+        <a:buClr>
+          <a:schemeClr val="accent1"/>
+        </a:buClr>
+        <a:buFont typeface="Wingdings 2" charset="2"/>
+        <a:buChar char=""/>
+        <a:defRPr sz="1400" kern="1200">
           <a:solidFill>
             <a:schemeClr val="tx1"/>
           </a:solidFill>
@@ -2743,16 +5152,19 @@
           <a:cs typeface="+mn-cs"/>
         </a:defRPr>
       </a:lvl3pPr>
-      <a:lvl4pPr marL="1600200" indent="-228600" algn="l" defTabSz="914400" rtl="0" eaLnBrk="1" latinLnBrk="0" hangingPunct="1">
-        <a:lnSpc>
-          <a:spcPct val="90000"/>
-        </a:lnSpc>
+      <a:lvl4pPr marL="1600200" indent="-228600" algn="l" defTabSz="457200" rtl="0" eaLnBrk="1" latinLnBrk="0" hangingPunct="1">
         <a:spcBef>
-          <a:spcPts val="500"/>
+          <a:spcPct val="20000"/>
         </a:spcBef>
-        <a:buFont typeface="Arial" panose="020B0604020202020204" pitchFamily="34" charset="0"/>
-        <a:buChar char="•"/>
-        <a:defRPr sz="1800" kern="1200">
+        <a:spcAft>
+          <a:spcPts val="600"/>
+        </a:spcAft>
+        <a:buClr>
+          <a:schemeClr val="accent1"/>
+        </a:buClr>
+        <a:buFont typeface="Wingdings 2" charset="2"/>
+        <a:buChar char=""/>
+        <a:defRPr sz="1200" kern="1200">
           <a:solidFill>
             <a:schemeClr val="tx1"/>
           </a:solidFill>
@@ -2761,16 +5173,19 @@
           <a:cs typeface="+mn-cs"/>
         </a:defRPr>
       </a:lvl4pPr>
-      <a:lvl5pPr marL="2057400" indent="-228600" algn="l" defTabSz="914400" rtl="0" eaLnBrk="1" latinLnBrk="0" hangingPunct="1">
-        <a:lnSpc>
-          <a:spcPct val="90000"/>
-        </a:lnSpc>
+      <a:lvl5pPr marL="2057400" indent="-228600" algn="l" defTabSz="457200" rtl="0" eaLnBrk="1" latinLnBrk="0" hangingPunct="1">
         <a:spcBef>
-          <a:spcPts val="500"/>
+          <a:spcPct val="20000"/>
         </a:spcBef>
-        <a:buFont typeface="Arial" panose="020B0604020202020204" pitchFamily="34" charset="0"/>
-        <a:buChar char="•"/>
-        <a:defRPr sz="1800" kern="1200">
+        <a:spcAft>
+          <a:spcPts val="600"/>
+        </a:spcAft>
+        <a:buClr>
+          <a:schemeClr val="accent1"/>
+        </a:buClr>
+        <a:buFont typeface="Wingdings 2" charset="2"/>
+        <a:buChar char=""/>
+        <a:defRPr sz="1200" kern="1200">
           <a:solidFill>
             <a:schemeClr val="tx1"/>
           </a:solidFill>
@@ -2779,16 +5194,19 @@
           <a:cs typeface="+mn-cs"/>
         </a:defRPr>
       </a:lvl5pPr>
-      <a:lvl6pPr marL="2514600" indent="-228600" algn="l" defTabSz="914400" rtl="0" eaLnBrk="1" latinLnBrk="0" hangingPunct="1">
-        <a:lnSpc>
-          <a:spcPct val="90000"/>
-        </a:lnSpc>
+      <a:lvl6pPr marL="2400000" indent="-228600" algn="l" defTabSz="457200" rtl="0" eaLnBrk="1" latinLnBrk="0" hangingPunct="1">
         <a:spcBef>
-          <a:spcPts val="500"/>
+          <a:spcPct val="20000"/>
         </a:spcBef>
-        <a:buFont typeface="Arial" panose="020B0604020202020204" pitchFamily="34" charset="0"/>
-        <a:buChar char="•"/>
-        <a:defRPr sz="1800" kern="1200">
+        <a:spcAft>
+          <a:spcPts val="600"/>
+        </a:spcAft>
+        <a:buClr>
+          <a:schemeClr val="accent1"/>
+        </a:buClr>
+        <a:buFont typeface="Wingdings 2" charset="2"/>
+        <a:buChar char=""/>
+        <a:defRPr sz="1200" kern="1200">
           <a:solidFill>
             <a:schemeClr val="tx1"/>
           </a:solidFill>
@@ -2797,16 +5215,19 @@
           <a:cs typeface="+mn-cs"/>
         </a:defRPr>
       </a:lvl6pPr>
-      <a:lvl7pPr marL="2971800" indent="-228600" algn="l" defTabSz="914400" rtl="0" eaLnBrk="1" latinLnBrk="0" hangingPunct="1">
-        <a:lnSpc>
-          <a:spcPct val="90000"/>
-        </a:lnSpc>
+      <a:lvl7pPr marL="2800000" indent="-228600" algn="l" defTabSz="457200" rtl="0" eaLnBrk="1" latinLnBrk="0" hangingPunct="1">
         <a:spcBef>
-          <a:spcPts val="500"/>
+          <a:spcPct val="20000"/>
         </a:spcBef>
-        <a:buFont typeface="Arial" panose="020B0604020202020204" pitchFamily="34" charset="0"/>
-        <a:buChar char="•"/>
-        <a:defRPr sz="1800" kern="1200">
+        <a:spcAft>
+          <a:spcPts val="600"/>
+        </a:spcAft>
+        <a:buClr>
+          <a:schemeClr val="accent1"/>
+        </a:buClr>
+        <a:buFont typeface="Wingdings 2" charset="2"/>
+        <a:buChar char=""/>
+        <a:defRPr sz="1200" kern="1200">
           <a:solidFill>
             <a:schemeClr val="tx1"/>
           </a:solidFill>
@@ -2815,16 +5236,19 @@
           <a:cs typeface="+mn-cs"/>
         </a:defRPr>
       </a:lvl7pPr>
-      <a:lvl8pPr marL="3429000" indent="-228600" algn="l" defTabSz="914400" rtl="0" eaLnBrk="1" latinLnBrk="0" hangingPunct="1">
-        <a:lnSpc>
-          <a:spcPct val="90000"/>
-        </a:lnSpc>
+      <a:lvl8pPr marL="3200000" indent="-228600" algn="l" defTabSz="457200" rtl="0" eaLnBrk="1" latinLnBrk="0" hangingPunct="1">
         <a:spcBef>
-          <a:spcPts val="500"/>
+          <a:spcPct val="20000"/>
         </a:spcBef>
-        <a:buFont typeface="Arial" panose="020B0604020202020204" pitchFamily="34" charset="0"/>
-        <a:buChar char="•"/>
-        <a:defRPr sz="1800" kern="1200">
+        <a:spcAft>
+          <a:spcPts val="600"/>
+        </a:spcAft>
+        <a:buClr>
+          <a:schemeClr val="accent1"/>
+        </a:buClr>
+        <a:buFont typeface="Wingdings 2" charset="2"/>
+        <a:buChar char=""/>
+        <a:defRPr sz="1200" kern="1200">
           <a:solidFill>
             <a:schemeClr val="tx1"/>
           </a:solidFill>
@@ -2833,16 +5257,19 @@
           <a:cs typeface="+mn-cs"/>
         </a:defRPr>
       </a:lvl8pPr>
-      <a:lvl9pPr marL="3886200" indent="-228600" algn="l" defTabSz="914400" rtl="0" eaLnBrk="1" latinLnBrk="0" hangingPunct="1">
-        <a:lnSpc>
-          <a:spcPct val="90000"/>
-        </a:lnSpc>
+      <a:lvl9pPr marL="3600000" indent="-228600" algn="l" defTabSz="457200" rtl="0" eaLnBrk="1" latinLnBrk="0" hangingPunct="1">
         <a:spcBef>
-          <a:spcPts val="500"/>
+          <a:spcPct val="20000"/>
         </a:spcBef>
-        <a:buFont typeface="Arial" panose="020B0604020202020204" pitchFamily="34" charset="0"/>
-        <a:buChar char="•"/>
-        <a:defRPr sz="1800" kern="1200">
+        <a:spcAft>
+          <a:spcPts val="600"/>
+        </a:spcAft>
+        <a:buClr>
+          <a:schemeClr val="accent1"/>
+        </a:buClr>
+        <a:buFont typeface="Wingdings 2" charset="2"/>
+        <a:buChar char=""/>
+        <a:defRPr sz="1200" kern="1200">
           <a:solidFill>
             <a:schemeClr val="tx1"/>
           </a:solidFill>
@@ -2856,7 +5283,7 @@
       <a:defPPr>
         <a:defRPr lang="en-US"/>
       </a:defPPr>
-      <a:lvl1pPr marL="0" algn="l" defTabSz="914400" rtl="0" eaLnBrk="1" latinLnBrk="0" hangingPunct="1">
+      <a:lvl1pPr marL="0" algn="l" defTabSz="457200" rtl="0" eaLnBrk="1" latinLnBrk="0" hangingPunct="1">
         <a:defRPr sz="1800" kern="1200">
           <a:solidFill>
             <a:schemeClr val="tx1"/>
@@ -2866,7 +5293,7 @@
           <a:cs typeface="+mn-cs"/>
         </a:defRPr>
       </a:lvl1pPr>
-      <a:lvl2pPr marL="457200" algn="l" defTabSz="914400" rtl="0" eaLnBrk="1" latinLnBrk="0" hangingPunct="1">
+      <a:lvl2pPr marL="457200" algn="l" defTabSz="457200" rtl="0" eaLnBrk="1" latinLnBrk="0" hangingPunct="1">
         <a:defRPr sz="1800" kern="1200">
           <a:solidFill>
             <a:schemeClr val="tx1"/>
@@ -2876,7 +5303,7 @@
           <a:cs typeface="+mn-cs"/>
         </a:defRPr>
       </a:lvl2pPr>
-      <a:lvl3pPr marL="914400" algn="l" defTabSz="914400" rtl="0" eaLnBrk="1" latinLnBrk="0" hangingPunct="1">
+      <a:lvl3pPr marL="914400" algn="l" defTabSz="457200" rtl="0" eaLnBrk="1" latinLnBrk="0" hangingPunct="1">
         <a:defRPr sz="1800" kern="1200">
           <a:solidFill>
             <a:schemeClr val="tx1"/>
@@ -2886,7 +5313,7 @@
           <a:cs typeface="+mn-cs"/>
         </a:defRPr>
       </a:lvl3pPr>
-      <a:lvl4pPr marL="1371600" algn="l" defTabSz="914400" rtl="0" eaLnBrk="1" latinLnBrk="0" hangingPunct="1">
+      <a:lvl4pPr marL="1371600" algn="l" defTabSz="457200" rtl="0" eaLnBrk="1" latinLnBrk="0" hangingPunct="1">
         <a:defRPr sz="1800" kern="1200">
           <a:solidFill>
             <a:schemeClr val="tx1"/>
@@ -2896,7 +5323,7 @@
           <a:cs typeface="+mn-cs"/>
         </a:defRPr>
       </a:lvl4pPr>
-      <a:lvl5pPr marL="1828800" algn="l" defTabSz="914400" rtl="0" eaLnBrk="1" latinLnBrk="0" hangingPunct="1">
+      <a:lvl5pPr marL="1828800" algn="l" defTabSz="457200" rtl="0" eaLnBrk="1" latinLnBrk="0" hangingPunct="1">
         <a:defRPr sz="1800" kern="1200">
           <a:solidFill>
             <a:schemeClr val="tx1"/>
@@ -2906,7 +5333,7 @@
           <a:cs typeface="+mn-cs"/>
         </a:defRPr>
       </a:lvl5pPr>
-      <a:lvl6pPr marL="2286000" algn="l" defTabSz="914400" rtl="0" eaLnBrk="1" latinLnBrk="0" hangingPunct="1">
+      <a:lvl6pPr marL="2286000" algn="l" defTabSz="457200" rtl="0" eaLnBrk="1" latinLnBrk="0" hangingPunct="1">
         <a:defRPr sz="1800" kern="1200">
           <a:solidFill>
             <a:schemeClr val="tx1"/>
@@ -2916,7 +5343,7 @@
           <a:cs typeface="+mn-cs"/>
         </a:defRPr>
       </a:lvl6pPr>
-      <a:lvl7pPr marL="2743200" algn="l" defTabSz="914400" rtl="0" eaLnBrk="1" latinLnBrk="0" hangingPunct="1">
+      <a:lvl7pPr marL="2743200" algn="l" defTabSz="457200" rtl="0" eaLnBrk="1" latinLnBrk="0" hangingPunct="1">
         <a:defRPr sz="1800" kern="1200">
           <a:solidFill>
             <a:schemeClr val="tx1"/>
@@ -2926,7 +5353,7 @@
           <a:cs typeface="+mn-cs"/>
         </a:defRPr>
       </a:lvl7pPr>
-      <a:lvl8pPr marL="3200400" algn="l" defTabSz="914400" rtl="0" eaLnBrk="1" latinLnBrk="0" hangingPunct="1">
+      <a:lvl8pPr marL="3200400" algn="l" defTabSz="457200" rtl="0" eaLnBrk="1" latinLnBrk="0" hangingPunct="1">
         <a:defRPr sz="1800" kern="1200">
           <a:solidFill>
             <a:schemeClr val="tx1"/>
@@ -2936,7 +5363,7 @@
           <a:cs typeface="+mn-cs"/>
         </a:defRPr>
       </a:lvl8pPr>
-      <a:lvl9pPr marL="3657600" algn="l" defTabSz="914400" rtl="0" eaLnBrk="1" latinLnBrk="0" hangingPunct="1">
+      <a:lvl9pPr marL="3657600" algn="l" defTabSz="457200" rtl="0" eaLnBrk="1" latinLnBrk="0" hangingPunct="1">
         <a:defRPr sz="1800" kern="1200">
           <a:solidFill>
             <a:schemeClr val="tx1"/>
@@ -3037,8 +5464,8 @@
         </p:blipFill>
         <p:spPr bwMode="auto">
           <a:xfrm>
-            <a:off x="239551" y="4618652"/>
-            <a:ext cx="1879315" cy="1792159"/>
+            <a:off x="7102891" y="3647117"/>
+            <a:ext cx="2900471" cy="2765957"/>
           </a:xfrm>
           <a:prstGeom prst="rect">
             <a:avLst/>
@@ -3078,8 +5505,8 @@
         </p:blipFill>
         <p:spPr bwMode="auto">
           <a:xfrm>
-            <a:off x="8506473" y="93306"/>
-            <a:ext cx="3529989" cy="2456284"/>
+            <a:off x="7343193" y="93306"/>
+            <a:ext cx="4693270" cy="3265734"/>
           </a:xfrm>
           <a:prstGeom prst="rect">
             <a:avLst/>
@@ -3119,8 +5546,8 @@
         </p:blipFill>
         <p:spPr bwMode="auto">
           <a:xfrm>
-            <a:off x="2184115" y="4539019"/>
-            <a:ext cx="2127249" cy="2127249"/>
+            <a:off x="8609110" y="3094038"/>
+            <a:ext cx="3685527" cy="3685527"/>
           </a:xfrm>
           <a:prstGeom prst="rect">
             <a:avLst/>
@@ -3160,8 +5587,8 @@
         </p:blipFill>
         <p:spPr bwMode="auto">
           <a:xfrm>
-            <a:off x="155575" y="498324"/>
-            <a:ext cx="2662270" cy="2595714"/>
+            <a:off x="510138" y="88144"/>
+            <a:ext cx="3688638" cy="3596424"/>
           </a:xfrm>
           <a:prstGeom prst="rect">
             <a:avLst/>
@@ -3188,6 +5615,13 @@
   <p:clrMapOvr>
     <a:masterClrMapping/>
   </p:clrMapOvr>
+  <p:timing>
+    <p:tnLst>
+      <p:par>
+        <p:cTn id="1" dur="indefinite" restart="never" nodeType="tmRoot"/>
+      </p:par>
+    </p:tnLst>
+  </p:timing>
 </p:sld>
 </file>
 
@@ -3267,6 +5701,13 @@
   <p:clrMapOvr>
     <a:masterClrMapping/>
   </p:clrMapOvr>
+  <p:timing>
+    <p:tnLst>
+      <p:par>
+        <p:cTn id="1" dur="indefinite" restart="never" nodeType="tmRoot"/>
+      </p:par>
+    </p:tnLst>
+  </p:timing>
 </p:sld>
 </file>
 
@@ -3297,14 +5738,19 @@
             <p:ph type="title"/>
           </p:nvPr>
         </p:nvSpPr>
-        <p:spPr/>
+        <p:spPr>
+          <a:xfrm>
+            <a:off x="810000" y="447187"/>
+            <a:ext cx="10571998" cy="1306967"/>
+          </a:xfrm>
+        </p:spPr>
         <p:txBody>
           <a:bodyPr/>
           <a:lstStyle/>
           <a:p>
             <a:r>
               <a:rPr lang="en-CA" dirty="0" smtClean="0"/>
-              <a:t>How it works</a:t>
+              <a:t>The birth of removable storage (Punch Cards)</a:t>
             </a:r>
             <a:endParaRPr lang="en-US" dirty="0"/>
           </a:p>
@@ -3320,19 +5766,125 @@
             <p:ph idx="1"/>
           </p:nvPr>
         </p:nvSpPr>
-        <p:spPr/>
+        <p:spPr>
+          <a:xfrm>
+            <a:off x="818712" y="2222287"/>
+            <a:ext cx="10554574" cy="1584603"/>
+          </a:xfrm>
+        </p:spPr>
         <p:txBody>
           <a:bodyPr/>
           <a:lstStyle/>
           <a:p>
-            <a:endParaRPr lang="en-US"/>
-          </a:p>
-        </p:txBody>
-      </p:sp>
+            <a:pPr marL="0" indent="0">
+              <a:buNone/>
+            </a:pPr>
+            <a:r>
+              <a:rPr lang="en-US" dirty="0"/>
+              <a:t>Early method of data storage used with early computers. Punch cards also known as Hollerith cards and IBM cards are paper cards containing several punched or perforated holes that were punched by hand or machine to represent data. These cards allowed companies to store and access information by entering the card into the computer. </a:t>
+            </a:r>
+            <a:endParaRPr lang="en-US" dirty="0" smtClean="0"/>
+          </a:p>
+          <a:p>
+            <a:pPr marL="0" indent="0">
+              <a:buNone/>
+            </a:pPr>
+            <a:endParaRPr lang="en-CA" dirty="0"/>
+          </a:p>
+        </p:txBody>
+      </p:sp>
+      <p:pic>
+        <p:nvPicPr>
+          <p:cNvPr id="1026" name="Picture 2" descr="Punch card machine"/>
+          <p:cNvPicPr>
+            <a:picLocks noChangeAspect="1" noChangeArrowheads="1"/>
+          </p:cNvPicPr>
+          <p:nvPr/>
+        </p:nvPicPr>
+        <p:blipFill>
+          <a:blip r:embed="rId2">
+            <a:extLst>
+              <a:ext uri="{28A0092B-C50C-407E-A947-70E740481C1C}">
+                <a14:useLocalDpi xmlns:a14="http://schemas.microsoft.com/office/drawing/2010/main" val="0"/>
+              </a:ext>
+            </a:extLst>
+          </a:blip>
+          <a:srcRect/>
+          <a:stretch>
+            <a:fillRect/>
+          </a:stretch>
+        </p:blipFill>
+        <p:spPr bwMode="auto">
+          <a:xfrm>
+            <a:off x="10133044" y="4604669"/>
+            <a:ext cx="1968760" cy="2172199"/>
+          </a:xfrm>
+          <a:prstGeom prst="rect">
+            <a:avLst/>
+          </a:prstGeom>
+          <a:noFill/>
+          <a:extLst>
+            <a:ext uri="{909E8E84-426E-40DD-AFC4-6F175D3DCCD1}">
+              <a14:hiddenFill xmlns:a14="http://schemas.microsoft.com/office/drawing/2010/main">
+                <a:solidFill>
+                  <a:srgbClr val="FFFFFF"/>
+                </a:solidFill>
+              </a14:hiddenFill>
+            </a:ext>
+          </a:extLst>
+        </p:spPr>
+      </p:pic>
+      <p:pic>
+        <p:nvPicPr>
+          <p:cNvPr id="4" name="Picture 3"/>
+          <p:cNvPicPr>
+            <a:picLocks noChangeAspect="1"/>
+          </p:cNvPicPr>
+          <p:nvPr/>
+        </p:nvPicPr>
+        <p:blipFill>
+          <a:blip r:embed="rId3"/>
+          <a:stretch>
+            <a:fillRect/>
+          </a:stretch>
+        </p:blipFill>
+        <p:spPr>
+          <a:xfrm>
+            <a:off x="6917969" y="4604669"/>
+            <a:ext cx="2919815" cy="2172199"/>
+          </a:xfrm>
+          <a:prstGeom prst="rect">
+            <a:avLst/>
+          </a:prstGeom>
+        </p:spPr>
+      </p:pic>
+      <p:pic>
+        <p:nvPicPr>
+          <p:cNvPr id="5" name="Picture 4"/>
+          <p:cNvPicPr>
+            <a:picLocks noChangeAspect="1"/>
+          </p:cNvPicPr>
+          <p:nvPr/>
+        </p:nvPicPr>
+        <p:blipFill rotWithShape="1">
+          <a:blip r:embed="rId4"/>
+          <a:srcRect l="9175" t="19584" r="53038" b="70252"/>
+          <a:stretch/>
+        </p:blipFill>
+        <p:spPr>
+          <a:xfrm>
+            <a:off x="810000" y="5228668"/>
+            <a:ext cx="5169160" cy="1462534"/>
+          </a:xfrm>
+          <a:prstGeom prst="rect">
+            <a:avLst/>
+          </a:prstGeom>
+        </p:spPr>
+      </p:pic>
     </p:spTree>
     <p:extLst>
       <p:ext uri="{BB962C8B-B14F-4D97-AF65-F5344CB8AC3E}">
-        <p14:creationId xmlns:p14="http://schemas.microsoft.com/office/powerpoint/2010/main" val="3450202431"/>
+        <p14:creationId xmlns:p14="http://schemas.microsoft.com/office/powerpoint/2010/main" val="858756205"/>
       </p:ext>
     </p:extLst>
   </p:cSld>
@@ -3392,49 +5944,251 @@
             <p:ph idx="1"/>
           </p:nvPr>
         </p:nvSpPr>
-        <p:spPr/>
-        <p:txBody>
-          <a:bodyPr/>
+        <p:spPr>
+          <a:xfrm>
+            <a:off x="442442" y="2128866"/>
+            <a:ext cx="10515600" cy="4351338"/>
+          </a:xfrm>
+        </p:spPr>
+        <p:txBody>
+          <a:bodyPr>
+            <a:normAutofit/>
+          </a:bodyPr>
           <a:lstStyle/>
           <a:p>
-            <a:r>
-              <a:rPr lang="en-US" dirty="0" smtClean="0"/>
-              <a:t>Optical discs (Blu-ray discs, DVDs,[1] CDs)</a:t>
-            </a:r>
-          </a:p>
-          <a:p>
-            <a:r>
-              <a:rPr lang="en-US" dirty="0" smtClean="0"/>
+            <a:pPr marL="0" indent="0">
+              <a:buNone/>
+            </a:pPr>
+            <a:r>
+              <a:rPr lang="en-US" sz="2000" dirty="0"/>
+              <a:t>In computer storage, some types of removable media are designed to be read to or written to by removable readers, writers and drives.</a:t>
+            </a:r>
+          </a:p>
+          <a:p>
+            <a:pPr marL="0" indent="0">
+              <a:buNone/>
+            </a:pPr>
+            <a:endParaRPr lang="en-US" sz="2000" dirty="0"/>
+          </a:p>
+          <a:p>
+            <a:pPr marL="0" indent="0">
+              <a:buNone/>
+            </a:pPr>
+            <a:r>
+              <a:rPr lang="en-US" sz="2000" dirty="0"/>
+              <a:t>Examples include:</a:t>
+            </a:r>
+          </a:p>
+          <a:p>
+            <a:r>
+              <a:rPr lang="en-US" sz="2000" dirty="0" smtClean="0"/>
+              <a:t>Optical discs (Blu-ray discs, DVDs, CDs)</a:t>
+            </a:r>
+          </a:p>
+          <a:p>
+            <a:r>
+              <a:rPr lang="en-US" sz="2000" dirty="0" smtClean="0"/>
               <a:t>Memory cards (CompactFlash card, Secure Digital card, Memory Stick)</a:t>
             </a:r>
           </a:p>
           <a:p>
             <a:r>
-              <a:rPr lang="en-US" dirty="0" smtClean="0"/>
+              <a:rPr lang="en-US" sz="2000" dirty="0" smtClean="0"/>
               <a:t>Zip disks/other Floppy disks</a:t>
             </a:r>
           </a:p>
           <a:p>
             <a:r>
-              <a:rPr lang="en-US" dirty="0" smtClean="0"/>
+              <a:rPr lang="en-US" sz="2000" dirty="0" smtClean="0"/>
               <a:t>Disk packs</a:t>
             </a:r>
           </a:p>
           <a:p>
             <a:r>
-              <a:rPr lang="en-US" dirty="0" smtClean="0"/>
+              <a:rPr lang="en-US" sz="2000" dirty="0" smtClean="0"/>
               <a:t>Magnetic tapes</a:t>
             </a:r>
           </a:p>
           <a:p>
             <a:r>
-              <a:rPr lang="en-US" dirty="0" smtClean="0"/>
+              <a:rPr lang="en-US" sz="2000" dirty="0" smtClean="0"/>
               <a:t>Paper data storage (punched cards, punched tapes)</a:t>
             </a:r>
-            <a:endParaRPr lang="en-US" dirty="0"/>
-          </a:p>
-        </p:txBody>
-      </p:sp>
+            <a:endParaRPr lang="en-US" sz="2000" dirty="0"/>
+          </a:p>
+        </p:txBody>
+      </p:sp>
+      <p:pic>
+        <p:nvPicPr>
+          <p:cNvPr id="4" name="Picture 3"/>
+          <p:cNvPicPr>
+            <a:picLocks noChangeAspect="1"/>
+          </p:cNvPicPr>
+          <p:nvPr/>
+        </p:nvPicPr>
+        <p:blipFill>
+          <a:blip r:embed="rId2"/>
+          <a:stretch>
+            <a:fillRect/>
+          </a:stretch>
+        </p:blipFill>
+        <p:spPr>
+          <a:xfrm>
+            <a:off x="10652090" y="1108978"/>
+            <a:ext cx="1526633" cy="1452524"/>
+          </a:xfrm>
+          <a:prstGeom prst="rect">
+            <a:avLst/>
+          </a:prstGeom>
+        </p:spPr>
+      </p:pic>
+      <p:pic>
+        <p:nvPicPr>
+          <p:cNvPr id="1026" name="Picture 2" descr="Image result for memory card transparent"/>
+          <p:cNvPicPr>
+            <a:picLocks noChangeAspect="1" noChangeArrowheads="1"/>
+          </p:cNvPicPr>
+          <p:nvPr/>
+        </p:nvPicPr>
+        <p:blipFill>
+          <a:blip r:embed="rId3" cstate="print">
+            <a:extLst>
+              <a:ext uri="{28A0092B-C50C-407E-A947-70E740481C1C}">
+                <a14:useLocalDpi xmlns:a14="http://schemas.microsoft.com/office/drawing/2010/main" val="0"/>
+              </a:ext>
+            </a:extLst>
+          </a:blip>
+          <a:srcRect/>
+          <a:stretch>
+            <a:fillRect/>
+          </a:stretch>
+        </p:blipFill>
+        <p:spPr bwMode="auto">
+          <a:xfrm rot="20296568">
+            <a:off x="9697672" y="2712469"/>
+            <a:ext cx="1374094" cy="1374094"/>
+          </a:xfrm>
+          <a:prstGeom prst="rect">
+            <a:avLst/>
+          </a:prstGeom>
+          <a:noFill/>
+          <a:extLst>
+            <a:ext uri="{909E8E84-426E-40DD-AFC4-6F175D3DCCD1}">
+              <a14:hiddenFill xmlns:a14="http://schemas.microsoft.com/office/drawing/2010/main">
+                <a:solidFill>
+                  <a:srgbClr val="FFFFFF"/>
+                </a:solidFill>
+              </a14:hiddenFill>
+            </a:ext>
+          </a:extLst>
+        </p:spPr>
+      </p:pic>
+      <p:pic>
+        <p:nvPicPr>
+          <p:cNvPr id="1028" name="Picture 4" descr="Image result for zip disk transparent"/>
+          <p:cNvPicPr>
+            <a:picLocks noChangeAspect="1" noChangeArrowheads="1"/>
+          </p:cNvPicPr>
+          <p:nvPr/>
+        </p:nvPicPr>
+        <p:blipFill>
+          <a:blip r:embed="rId4" cstate="print">
+            <a:extLst>
+              <a:ext uri="{28A0092B-C50C-407E-A947-70E740481C1C}">
+                <a14:useLocalDpi xmlns:a14="http://schemas.microsoft.com/office/drawing/2010/main" val="0"/>
+              </a:ext>
+            </a:extLst>
+          </a:blip>
+          <a:srcRect/>
+          <a:stretch>
+            <a:fillRect/>
+          </a:stretch>
+        </p:blipFill>
+        <p:spPr bwMode="auto">
+          <a:xfrm>
+            <a:off x="10692882" y="3558383"/>
+            <a:ext cx="1499118" cy="1492303"/>
+          </a:xfrm>
+          <a:prstGeom prst="rect">
+            <a:avLst/>
+          </a:prstGeom>
+          <a:noFill/>
+          <a:extLst>
+            <a:ext uri="{909E8E84-426E-40DD-AFC4-6F175D3DCCD1}">
+              <a14:hiddenFill xmlns:a14="http://schemas.microsoft.com/office/drawing/2010/main">
+                <a:solidFill>
+                  <a:srgbClr val="FFFFFF"/>
+                </a:solidFill>
+              </a14:hiddenFill>
+            </a:ext>
+          </a:extLst>
+        </p:spPr>
+      </p:pic>
+      <p:pic>
+        <p:nvPicPr>
+          <p:cNvPr id="1030" name="Picture 6" descr="Image result for magnetic tape transparent"/>
+          <p:cNvPicPr>
+            <a:picLocks noChangeAspect="1" noChangeArrowheads="1"/>
+          </p:cNvPicPr>
+          <p:nvPr/>
+        </p:nvPicPr>
+        <p:blipFill>
+          <a:blip r:embed="rId5" cstate="print">
+            <a:extLst>
+              <a:ext uri="{28A0092B-C50C-407E-A947-70E740481C1C}">
+                <a14:useLocalDpi xmlns:a14="http://schemas.microsoft.com/office/drawing/2010/main" val="0"/>
+              </a:ext>
+            </a:extLst>
+          </a:blip>
+          <a:srcRect/>
+          <a:stretch>
+            <a:fillRect/>
+          </a:stretch>
+        </p:blipFill>
+        <p:spPr bwMode="auto">
+          <a:xfrm rot="1320046">
+            <a:off x="9925063" y="5103969"/>
+            <a:ext cx="2385188" cy="1441051"/>
+          </a:xfrm>
+          <a:prstGeom prst="rect">
+            <a:avLst/>
+          </a:prstGeom>
+          <a:noFill/>
+          <a:extLst>
+            <a:ext uri="{909E8E84-426E-40DD-AFC4-6F175D3DCCD1}">
+              <a14:hiddenFill xmlns:a14="http://schemas.microsoft.com/office/drawing/2010/main">
+                <a:solidFill>
+                  <a:srgbClr val="FFFFFF"/>
+                </a:solidFill>
+              </a14:hiddenFill>
+            </a:ext>
+          </a:extLst>
+        </p:spPr>
+      </p:pic>
+      <p:pic>
+        <p:nvPicPr>
+          <p:cNvPr id="5" name="Picture 4"/>
+          <p:cNvPicPr>
+            <a:picLocks noChangeAspect="1"/>
+          </p:cNvPicPr>
+          <p:nvPr/>
+        </p:nvPicPr>
+        <p:blipFill>
+          <a:blip r:embed="rId6"/>
+          <a:stretch>
+            <a:fillRect/>
+          </a:stretch>
+        </p:blipFill>
+        <p:spPr>
+          <a:xfrm>
+            <a:off x="7605742" y="5558023"/>
+            <a:ext cx="2004789" cy="996826"/>
+          </a:xfrm>
+          <a:prstGeom prst="rect">
+            <a:avLst/>
+          </a:prstGeom>
+        </p:spPr>
+      </p:pic>
     </p:spTree>
     <p:extLst>
       <p:ext uri="{BB962C8B-B14F-4D97-AF65-F5344CB8AC3E}">
@@ -3445,6 +6199,13 @@
   <p:clrMapOvr>
     <a:masterClrMapping/>
   </p:clrMapOvr>
+  <p:timing>
+    <p:tnLst>
+      <p:par>
+        <p:cTn id="1" dur="indefinite" restart="never" nodeType="tmRoot"/>
+      </p:par>
+    </p:tnLst>
+  </p:timing>
 </p:sld>
 </file>
 
@@ -3481,6 +6242,470 @@
           <a:lstStyle/>
           <a:p>
             <a:r>
+              <a:rPr lang="en-US" dirty="0" smtClean="0"/>
+              <a:t>Removable </a:t>
+            </a:r>
+            <a:r>
+              <a:rPr lang="en-US" dirty="0"/>
+              <a:t>storage devices</a:t>
+            </a:r>
+          </a:p>
+        </p:txBody>
+      </p:sp>
+      <p:sp>
+        <p:nvSpPr>
+          <p:cNvPr id="3" name="Content Placeholder 2"/>
+          <p:cNvSpPr>
+            <a:spLocks noGrp="1"/>
+          </p:cNvSpPr>
+          <p:nvPr>
+            <p:ph idx="1"/>
+          </p:nvPr>
+        </p:nvSpPr>
+        <p:spPr>
+          <a:xfrm>
+            <a:off x="300347" y="2474214"/>
+            <a:ext cx="10554574" cy="3636511"/>
+          </a:xfrm>
+        </p:spPr>
+        <p:txBody>
+          <a:bodyPr>
+            <a:normAutofit/>
+          </a:bodyPr>
+          <a:lstStyle/>
+          <a:p>
+            <a:r>
+              <a:rPr lang="en-US" sz="2000" dirty="0"/>
+              <a:t>USB flash </a:t>
+            </a:r>
+            <a:r>
+              <a:rPr lang="en-US" sz="2000" dirty="0" smtClean="0"/>
+              <a:t>drives</a:t>
+            </a:r>
+          </a:p>
+          <a:p>
+            <a:r>
+              <a:rPr lang="en-US" sz="2000" dirty="0" smtClean="0"/>
+              <a:t>External hard disk drives; traditional IDE, EIDE, SCSSI, and SSD, for example</a:t>
+            </a:r>
+          </a:p>
+          <a:p>
+            <a:pPr marL="0" indent="0">
+              <a:buNone/>
+            </a:pPr>
+            <a:endParaRPr lang="en-US" sz="2000" dirty="0" smtClean="0"/>
+          </a:p>
+          <a:p>
+            <a:pPr marL="0" indent="0">
+              <a:buNone/>
+            </a:pPr>
+            <a:r>
+              <a:rPr lang="en-US" sz="2000" dirty="0" smtClean="0"/>
+              <a:t>Devices </a:t>
+            </a:r>
+            <a:r>
+              <a:rPr lang="en-US" sz="2000" dirty="0"/>
+              <a:t>that are common today may include</a:t>
+            </a:r>
+          </a:p>
+          <a:p>
+            <a:r>
+              <a:rPr lang="en-US" sz="2000" dirty="0"/>
+              <a:t>Digital cameras</a:t>
+            </a:r>
+          </a:p>
+          <a:p>
+            <a:r>
+              <a:rPr lang="en-US" sz="2000" dirty="0"/>
+              <a:t>Smart phones</a:t>
+            </a:r>
+          </a:p>
+          <a:p>
+            <a:r>
+              <a:rPr lang="en-US" sz="2000" dirty="0"/>
+              <a:t>Wired or Wireless printers</a:t>
+            </a:r>
+          </a:p>
+        </p:txBody>
+      </p:sp>
+      <p:pic>
+        <p:nvPicPr>
+          <p:cNvPr id="2050" name="Picture 2" descr="Image result for usb transparent"/>
+          <p:cNvPicPr>
+            <a:picLocks noChangeAspect="1" noChangeArrowheads="1"/>
+          </p:cNvPicPr>
+          <p:nvPr/>
+        </p:nvPicPr>
+        <p:blipFill>
+          <a:blip r:embed="rId2">
+            <a:extLst>
+              <a:ext uri="{28A0092B-C50C-407E-A947-70E740481C1C}">
+                <a14:useLocalDpi xmlns:a14="http://schemas.microsoft.com/office/drawing/2010/main" val="0"/>
+              </a:ext>
+            </a:extLst>
+          </a:blip>
+          <a:srcRect/>
+          <a:stretch>
+            <a:fillRect/>
+          </a:stretch>
+        </p:blipFill>
+        <p:spPr bwMode="auto">
+          <a:xfrm>
+            <a:off x="9682130" y="597945"/>
+            <a:ext cx="2427449" cy="1916408"/>
+          </a:xfrm>
+          <a:prstGeom prst="rect">
+            <a:avLst/>
+          </a:prstGeom>
+          <a:noFill/>
+          <a:extLst>
+            <a:ext uri="{909E8E84-426E-40DD-AFC4-6F175D3DCCD1}">
+              <a14:hiddenFill xmlns:a14="http://schemas.microsoft.com/office/drawing/2010/main">
+                <a:solidFill>
+                  <a:srgbClr val="FFFFFF"/>
+                </a:solidFill>
+              </a14:hiddenFill>
+            </a:ext>
+          </a:extLst>
+        </p:spPr>
+      </p:pic>
+      <p:pic>
+        <p:nvPicPr>
+          <p:cNvPr id="2052" name="Picture 4" descr="Image result for External hard disk drives transparent"/>
+          <p:cNvPicPr>
+            <a:picLocks noChangeAspect="1" noChangeArrowheads="1"/>
+          </p:cNvPicPr>
+          <p:nvPr/>
+        </p:nvPicPr>
+        <p:blipFill>
+          <a:blip r:embed="rId3">
+            <a:extLst>
+              <a:ext uri="{28A0092B-C50C-407E-A947-70E740481C1C}">
+                <a14:useLocalDpi xmlns:a14="http://schemas.microsoft.com/office/drawing/2010/main" val="0"/>
+              </a:ext>
+            </a:extLst>
+          </a:blip>
+          <a:srcRect/>
+          <a:stretch>
+            <a:fillRect/>
+          </a:stretch>
+        </p:blipFill>
+        <p:spPr bwMode="auto">
+          <a:xfrm>
+            <a:off x="9387251" y="2266748"/>
+            <a:ext cx="3029339" cy="2273326"/>
+          </a:xfrm>
+          <a:prstGeom prst="rect">
+            <a:avLst/>
+          </a:prstGeom>
+          <a:noFill/>
+          <a:extLst>
+            <a:ext uri="{909E8E84-426E-40DD-AFC4-6F175D3DCCD1}">
+              <a14:hiddenFill xmlns:a14="http://schemas.microsoft.com/office/drawing/2010/main">
+                <a:solidFill>
+                  <a:srgbClr val="FFFFFF"/>
+                </a:solidFill>
+              </a14:hiddenFill>
+            </a:ext>
+          </a:extLst>
+        </p:spPr>
+      </p:pic>
+      <p:pic>
+        <p:nvPicPr>
+          <p:cNvPr id="2054" name="Picture 6" descr="Image result for digital camera transparent"/>
+          <p:cNvPicPr>
+            <a:picLocks noChangeAspect="1" noChangeArrowheads="1"/>
+          </p:cNvPicPr>
+          <p:nvPr/>
+        </p:nvPicPr>
+        <p:blipFill>
+          <a:blip r:embed="rId4" cstate="print">
+            <a:extLst>
+              <a:ext uri="{28A0092B-C50C-407E-A947-70E740481C1C}">
+                <a14:useLocalDpi xmlns:a14="http://schemas.microsoft.com/office/drawing/2010/main" val="0"/>
+              </a:ext>
+            </a:extLst>
+          </a:blip>
+          <a:srcRect/>
+          <a:stretch>
+            <a:fillRect/>
+          </a:stretch>
+        </p:blipFill>
+        <p:spPr bwMode="auto">
+          <a:xfrm>
+            <a:off x="3848711" y="5219719"/>
+            <a:ext cx="1927389" cy="1638281"/>
+          </a:xfrm>
+          <a:prstGeom prst="rect">
+            <a:avLst/>
+          </a:prstGeom>
+          <a:noFill/>
+          <a:extLst>
+            <a:ext uri="{909E8E84-426E-40DD-AFC4-6F175D3DCCD1}">
+              <a14:hiddenFill xmlns:a14="http://schemas.microsoft.com/office/drawing/2010/main">
+                <a:solidFill>
+                  <a:srgbClr val="FFFFFF"/>
+                </a:solidFill>
+              </a14:hiddenFill>
+            </a:ext>
+          </a:extLst>
+        </p:spPr>
+      </p:pic>
+      <p:pic>
+        <p:nvPicPr>
+          <p:cNvPr id="2056" name="Picture 8" descr="Image result for smartphone transparent background"/>
+          <p:cNvPicPr>
+            <a:picLocks noChangeAspect="1" noChangeArrowheads="1"/>
+          </p:cNvPicPr>
+          <p:nvPr/>
+        </p:nvPicPr>
+        <p:blipFill>
+          <a:blip r:embed="rId5">
+            <a:extLst>
+              <a:ext uri="{28A0092B-C50C-407E-A947-70E740481C1C}">
+                <a14:useLocalDpi xmlns:a14="http://schemas.microsoft.com/office/drawing/2010/main" val="0"/>
+              </a:ext>
+            </a:extLst>
+          </a:blip>
+          <a:srcRect/>
+          <a:stretch>
+            <a:fillRect/>
+          </a:stretch>
+        </p:blipFill>
+        <p:spPr bwMode="auto">
+          <a:xfrm>
+            <a:off x="5631119" y="4402783"/>
+            <a:ext cx="2218342" cy="2218342"/>
+          </a:xfrm>
+          <a:prstGeom prst="rect">
+            <a:avLst/>
+          </a:prstGeom>
+          <a:noFill/>
+          <a:extLst>
+            <a:ext uri="{909E8E84-426E-40DD-AFC4-6F175D3DCCD1}">
+              <a14:hiddenFill xmlns:a14="http://schemas.microsoft.com/office/drawing/2010/main">
+                <a:solidFill>
+                  <a:srgbClr val="FFFFFF"/>
+                </a:solidFill>
+              </a14:hiddenFill>
+            </a:ext>
+          </a:extLst>
+        </p:spPr>
+      </p:pic>
+      <p:pic>
+        <p:nvPicPr>
+          <p:cNvPr id="2058" name="Picture 10" descr="Image result for smartphone transparent background"/>
+          <p:cNvPicPr>
+            <a:picLocks noChangeAspect="1" noChangeArrowheads="1"/>
+          </p:cNvPicPr>
+          <p:nvPr/>
+        </p:nvPicPr>
+        <p:blipFill>
+          <a:blip r:embed="rId6">
+            <a:extLst>
+              <a:ext uri="{28A0092B-C50C-407E-A947-70E740481C1C}">
+                <a14:useLocalDpi xmlns:a14="http://schemas.microsoft.com/office/drawing/2010/main" val="0"/>
+              </a:ext>
+            </a:extLst>
+          </a:blip>
+          <a:srcRect/>
+          <a:stretch>
+            <a:fillRect/>
+          </a:stretch>
+        </p:blipFill>
+        <p:spPr bwMode="auto">
+          <a:xfrm>
+            <a:off x="6449832" y="4430545"/>
+            <a:ext cx="2920482" cy="2162819"/>
+          </a:xfrm>
+          <a:prstGeom prst="rect">
+            <a:avLst/>
+          </a:prstGeom>
+          <a:noFill/>
+          <a:extLst>
+            <a:ext uri="{909E8E84-426E-40DD-AFC4-6F175D3DCCD1}">
+              <a14:hiddenFill xmlns:a14="http://schemas.microsoft.com/office/drawing/2010/main">
+                <a:solidFill>
+                  <a:srgbClr val="FFFFFF"/>
+                </a:solidFill>
+              </a14:hiddenFill>
+            </a:ext>
+          </a:extLst>
+        </p:spPr>
+      </p:pic>
+      <p:pic>
+        <p:nvPicPr>
+          <p:cNvPr id="2060" name="Picture 12" descr="Image result for printers transparent background"/>
+          <p:cNvPicPr>
+            <a:picLocks noChangeAspect="1" noChangeArrowheads="1"/>
+          </p:cNvPicPr>
+          <p:nvPr/>
+        </p:nvPicPr>
+        <p:blipFill>
+          <a:blip r:embed="rId7">
+            <a:extLst>
+              <a:ext uri="{28A0092B-C50C-407E-A947-70E740481C1C}">
+                <a14:useLocalDpi xmlns:a14="http://schemas.microsoft.com/office/drawing/2010/main" val="0"/>
+              </a:ext>
+            </a:extLst>
+          </a:blip>
+          <a:srcRect/>
+          <a:stretch>
+            <a:fillRect/>
+          </a:stretch>
+        </p:blipFill>
+        <p:spPr bwMode="auto">
+          <a:xfrm>
+            <a:off x="9464313" y="4292469"/>
+            <a:ext cx="2438400" cy="2438400"/>
+          </a:xfrm>
+          <a:prstGeom prst="rect">
+            <a:avLst/>
+          </a:prstGeom>
+          <a:noFill/>
+          <a:extLst>
+            <a:ext uri="{909E8E84-426E-40DD-AFC4-6F175D3DCCD1}">
+              <a14:hiddenFill xmlns:a14="http://schemas.microsoft.com/office/drawing/2010/main">
+                <a:solidFill>
+                  <a:srgbClr val="FFFFFF"/>
+                </a:solidFill>
+              </a14:hiddenFill>
+            </a:ext>
+          </a:extLst>
+        </p:spPr>
+      </p:pic>
+    </p:spTree>
+    <p:extLst>
+      <p:ext uri="{BB962C8B-B14F-4D97-AF65-F5344CB8AC3E}">
+        <p14:creationId xmlns:p14="http://schemas.microsoft.com/office/powerpoint/2010/main" val="488651"/>
+      </p:ext>
+    </p:extLst>
+  </p:cSld>
+  <p:clrMapOvr>
+    <a:masterClrMapping/>
+  </p:clrMapOvr>
+</p:sld>
+</file>
+
+<file path=ppt/slides/slide6.xml><?xml version="1.0" encoding="utf-8"?>
+<p:sld xmlns:a="http://schemas.openxmlformats.org/drawingml/2006/main" xmlns:r="http://schemas.openxmlformats.org/officeDocument/2006/relationships" xmlns:p="http://schemas.openxmlformats.org/presentationml/2006/main">
+  <p:cSld>
+    <p:spTree>
+      <p:nvGrpSpPr>
+        <p:cNvPr id="1" name=""/>
+        <p:cNvGrpSpPr/>
+        <p:nvPr/>
+      </p:nvGrpSpPr>
+      <p:grpSpPr>
+        <a:xfrm>
+          <a:off x="0" y="0"/>
+          <a:ext cx="0" cy="0"/>
+          <a:chOff x="0" y="0"/>
+          <a:chExt cx="0" cy="0"/>
+        </a:xfrm>
+      </p:grpSpPr>
+      <p:sp>
+        <p:nvSpPr>
+          <p:cNvPr id="2" name="Title 1"/>
+          <p:cNvSpPr>
+            <a:spLocks noGrp="1"/>
+          </p:cNvSpPr>
+          <p:nvPr>
+            <p:ph type="title"/>
+          </p:nvPr>
+        </p:nvSpPr>
+        <p:spPr/>
+        <p:txBody>
+          <a:bodyPr/>
+          <a:lstStyle/>
+          <a:p>
+            <a:r>
+              <a:rPr lang="en-CA" dirty="0" smtClean="0"/>
+              <a:t>Timeline of removable media</a:t>
+            </a:r>
+            <a:endParaRPr lang="en-US" dirty="0"/>
+          </a:p>
+        </p:txBody>
+      </p:sp>
+      <p:pic>
+        <p:nvPicPr>
+          <p:cNvPr id="4" name="Content Placeholder 3"/>
+          <p:cNvPicPr>
+            <a:picLocks noGrp="1" noChangeAspect="1"/>
+          </p:cNvPicPr>
+          <p:nvPr>
+            <p:ph idx="1"/>
+          </p:nvPr>
+        </p:nvPicPr>
+        <p:blipFill>
+          <a:blip r:embed="rId2"/>
+          <a:stretch>
+            <a:fillRect/>
+          </a:stretch>
+        </p:blipFill>
+        <p:spPr>
+          <a:xfrm>
+            <a:off x="470904" y="2318888"/>
+            <a:ext cx="11350981" cy="4175057"/>
+          </a:xfrm>
+          <a:prstGeom prst="rect">
+            <a:avLst/>
+          </a:prstGeom>
+        </p:spPr>
+      </p:pic>
+    </p:spTree>
+    <p:extLst>
+      <p:ext uri="{BB962C8B-B14F-4D97-AF65-F5344CB8AC3E}">
+        <p14:creationId xmlns:p14="http://schemas.microsoft.com/office/powerpoint/2010/main" val="3197835953"/>
+      </p:ext>
+    </p:extLst>
+  </p:cSld>
+  <p:clrMapOvr>
+    <a:masterClrMapping/>
+  </p:clrMapOvr>
+  <p:timing>
+    <p:tnLst>
+      <p:par>
+        <p:cTn id="1" dur="indefinite" restart="never" nodeType="tmRoot"/>
+      </p:par>
+    </p:tnLst>
+  </p:timing>
+</p:sld>
+</file>
+
+<file path=ppt/slides/slide7.xml><?xml version="1.0" encoding="utf-8"?>
+<p:sld xmlns:a="http://schemas.openxmlformats.org/drawingml/2006/main" xmlns:r="http://schemas.openxmlformats.org/officeDocument/2006/relationships" xmlns:p="http://schemas.openxmlformats.org/presentationml/2006/main">
+  <p:cSld>
+    <p:spTree>
+      <p:nvGrpSpPr>
+        <p:cNvPr id="1" name=""/>
+        <p:cNvGrpSpPr/>
+        <p:nvPr/>
+      </p:nvGrpSpPr>
+      <p:grpSpPr>
+        <a:xfrm>
+          <a:off x="0" y="0"/>
+          <a:ext cx="0" cy="0"/>
+          <a:chOff x="0" y="0"/>
+          <a:chExt cx="0" cy="0"/>
+        </a:xfrm>
+      </p:grpSpPr>
+      <p:sp>
+        <p:nvSpPr>
+          <p:cNvPr id="2" name="Title 1"/>
+          <p:cNvSpPr>
+            <a:spLocks noGrp="1"/>
+          </p:cNvSpPr>
+          <p:nvPr>
+            <p:ph type="title"/>
+          </p:nvPr>
+        </p:nvSpPr>
+        <p:spPr/>
+        <p:txBody>
+          <a:bodyPr/>
+          <a:lstStyle/>
+          <a:p>
+            <a:r>
               <a:rPr lang="en-CA" dirty="0" smtClean="0"/>
               <a:t>Work cited</a:t>
             </a:r>
@@ -3504,9 +6729,47 @@
           <a:lstStyle/>
           <a:p>
             <a:r>
-              <a:rPr lang="en-US" dirty="0" smtClean="0"/>
+              <a:rPr lang="en-US" dirty="0" smtClean="0">
+                <a:hlinkClick r:id="rId2"/>
+              </a:rPr>
               <a:t>http://searchdatabackup.techtarget.com/definition/removable-media</a:t>
             </a:r>
+            <a:endParaRPr lang="en-US" dirty="0" smtClean="0"/>
+          </a:p>
+          <a:p>
+            <a:r>
+              <a:rPr lang="en-US" dirty="0">
+                <a:hlinkClick r:id="rId3"/>
+              </a:rPr>
+              <a:t>https://</a:t>
+            </a:r>
+            <a:r>
+              <a:rPr lang="en-US" dirty="0" smtClean="0">
+                <a:hlinkClick r:id="rId3"/>
+              </a:rPr>
+              <a:t>en.wikipedia.org/wiki/Removable_media</a:t>
+            </a:r>
+            <a:endParaRPr lang="en-US" dirty="0" smtClean="0"/>
+          </a:p>
+          <a:p>
+            <a:r>
+              <a:rPr lang="en-US" dirty="0">
+                <a:hlinkClick r:id="rId4"/>
+              </a:rPr>
+              <a:t>http://www.backuphistory.com</a:t>
+            </a:r>
+            <a:r>
+              <a:rPr lang="en-US" dirty="0" smtClean="0">
+                <a:hlinkClick r:id="rId4"/>
+              </a:rPr>
+              <a:t>/</a:t>
+            </a:r>
+            <a:endParaRPr lang="en-US" dirty="0" smtClean="0"/>
+          </a:p>
+          <a:p>
+            <a:endParaRPr lang="en-US" dirty="0" smtClean="0"/>
+          </a:p>
+          <a:p>
             <a:endParaRPr lang="en-US" dirty="0"/>
           </a:p>
         </p:txBody>
@@ -3525,9 +6788,9 @@
 </file>
 
 <file path=ppt/theme/theme1.xml><?xml version="1.0" encoding="utf-8"?>
-<a:theme xmlns:a="http://schemas.openxmlformats.org/drawingml/2006/main" name="Office Theme">
+<a:theme xmlns:a="http://schemas.openxmlformats.org/drawingml/2006/main" name="Quotable">
   <a:themeElements>
-    <a:clrScheme name="Office">
+    <a:clrScheme name="Quotable">
       <a:dk1>
         <a:sysClr val="windowText" lastClr="000000"/>
       </a:dk1>
@@ -3535,83 +6798,48 @@
         <a:sysClr val="window" lastClr="FFFFFF"/>
       </a:lt1>
       <a:dk2>
-        <a:srgbClr val="44546A"/>
+        <a:srgbClr val="212121"/>
       </a:dk2>
       <a:lt2>
-        <a:srgbClr val="E7E6E6"/>
+        <a:srgbClr val="636363"/>
       </a:lt2>
       <a:accent1>
-        <a:srgbClr val="5B9BD5"/>
+        <a:srgbClr val="00C6BB"/>
       </a:accent1>
       <a:accent2>
-        <a:srgbClr val="ED7D31"/>
+        <a:srgbClr val="6FEBA0"/>
       </a:accent2>
       <a:accent3>
-        <a:srgbClr val="A5A5A5"/>
+        <a:srgbClr val="B6DF5E"/>
       </a:accent3>
       <a:accent4>
-        <a:srgbClr val="FFC000"/>
+        <a:srgbClr val="EFB251"/>
       </a:accent4>
       <a:accent5>
-        <a:srgbClr val="4472C4"/>
+        <a:srgbClr val="EF755F"/>
       </a:accent5>
       <a:accent6>
-        <a:srgbClr val="70AD47"/>
+        <a:srgbClr val="ED515C"/>
       </a:accent6>
       <a:hlink>
-        <a:srgbClr val="0563C1"/>
+        <a:srgbClr val="8F8F8F"/>
       </a:hlink>
       <a:folHlink>
-        <a:srgbClr val="954F72"/>
+        <a:srgbClr val="A5A5A5"/>
       </a:folHlink>
     </a:clrScheme>
-    <a:fontScheme name="Office">
+    <a:fontScheme name="Quotable">
       <a:majorFont>
-        <a:latin typeface="Calibri Light" panose="020F0302020204030204"/>
+        <a:latin typeface="Century Gothic" panose="020B0502020202020204"/>
         <a:ea typeface=""/>
         <a:cs typeface=""/>
-        <a:font script="Jpan" typeface="ＭＳ Ｐゴシック"/>
+        <a:font script="Jpan" typeface="ＭＳ ゴシック"/>
         <a:font script="Hang" typeface="맑은 고딕"/>
         <a:font script="Hans" typeface="宋体"/>
         <a:font script="Hant" typeface="新細明體"/>
-        <a:font script="Arab" typeface="Times New Roman"/>
-        <a:font script="Hebr" typeface="Times New Roman"/>
-        <a:font script="Thai" typeface="Angsana New"/>
-        <a:font script="Ethi" typeface="Nyala"/>
-        <a:font script="Beng" typeface="Vrinda"/>
-        <a:font script="Gujr" typeface="Shruti"/>
-        <a:font script="Khmr" typeface="MoolBoran"/>
-        <a:font script="Knda" typeface="Tunga"/>
-        <a:font script="Guru" typeface="Raavi"/>
-        <a:font script="Cans" typeface="Euphemia"/>
-        <a:font script="Cher" typeface="Plantagenet Cherokee"/>
-        <a:font script="Yiii" typeface="Microsoft Yi Baiti"/>
-        <a:font script="Tibt" typeface="Microsoft Himalaya"/>
-        <a:font script="Thaa" typeface="MV Boli"/>
-        <a:font script="Deva" typeface="Mangal"/>
-        <a:font script="Telu" typeface="Gautami"/>
-        <a:font script="Taml" typeface="Latha"/>
-        <a:font script="Syrc" typeface="Estrangelo Edessa"/>
-        <a:font script="Orya" typeface="Kalinga"/>
-        <a:font script="Mlym" typeface="Kartika"/>
-        <a:font script="Laoo" typeface="DokChampa"/>
-        <a:font script="Sinh" typeface="Iskoola Pota"/>
-        <a:font script="Mong" typeface="Mongolian Baiti"/>
-        <a:font script="Viet" typeface="Times New Roman"/>
-        <a:font script="Uigh" typeface="Microsoft Uighur"/>
-        <a:font script="Geor" typeface="Sylfaen"/>
-      </a:majorFont>
-      <a:minorFont>
-        <a:latin typeface="Calibri" panose="020F0502020204030204"/>
-        <a:ea typeface=""/>
-        <a:cs typeface=""/>
-        <a:font script="Jpan" typeface="ＭＳ Ｐゴシック"/>
-        <a:font script="Hang" typeface="맑은 고딕"/>
-        <a:font script="Hans" typeface="宋体"/>
-        <a:font script="Hant" typeface="新細明體"/>
-        <a:font script="Arab" typeface="Arial"/>
-        <a:font script="Hebr" typeface="Arial"/>
-        <a:font script="Thai" typeface="Cordia New"/>
+        <a:font script="Arab" typeface="Tahoma"/>
+        <a:font script="Hebr" typeface="Gisha"/>
+        <a:font script="Thai" typeface="DilleniaUPC"/>
         <a:font script="Ethi" typeface="Nyala"/>
         <a:font script="Beng" typeface="Vrinda"/>
         <a:font script="Gujr" typeface="Shruti"/>
@@ -3632,12 +6860,47 @@
         <a:font script="Laoo" typeface="DokChampa"/>
         <a:font script="Sinh" typeface="Iskoola Pota"/>
         <a:font script="Mong" typeface="Mongolian Baiti"/>
-        <a:font script="Viet" typeface="Arial"/>
+        <a:font script="Viet" typeface="Tahoma"/>
+        <a:font script="Uigh" typeface="Microsoft Uighur"/>
+        <a:font script="Geor" typeface="Sylfaen"/>
+      </a:majorFont>
+      <a:minorFont>
+        <a:latin typeface="Century Gothic" panose="020B0502020202020204"/>
+        <a:ea typeface=""/>
+        <a:cs typeface=""/>
+        <a:font script="Jpan" typeface="ＭＳ ゴシック"/>
+        <a:font script="Hang" typeface="맑은 고딕"/>
+        <a:font script="Hans" typeface="宋体"/>
+        <a:font script="Hant" typeface="新細明體"/>
+        <a:font script="Arab" typeface="Tahoma"/>
+        <a:font script="Hebr" typeface="Gisha"/>
+        <a:font script="Thai" typeface="DilleniaUPC"/>
+        <a:font script="Ethi" typeface="Nyala"/>
+        <a:font script="Beng" typeface="Vrinda"/>
+        <a:font script="Gujr" typeface="Shruti"/>
+        <a:font script="Khmr" typeface="DaunPenh"/>
+        <a:font script="Knda" typeface="Tunga"/>
+        <a:font script="Guru" typeface="Raavi"/>
+        <a:font script="Cans" typeface="Euphemia"/>
+        <a:font script="Cher" typeface="Plantagenet Cherokee"/>
+        <a:font script="Yiii" typeface="Microsoft Yi Baiti"/>
+        <a:font script="Tibt" typeface="Microsoft Himalaya"/>
+        <a:font script="Thaa" typeface="MV Boli"/>
+        <a:font script="Deva" typeface="Mangal"/>
+        <a:font script="Telu" typeface="Gautami"/>
+        <a:font script="Taml" typeface="Latha"/>
+        <a:font script="Syrc" typeface="Estrangelo Edessa"/>
+        <a:font script="Orya" typeface="Kalinga"/>
+        <a:font script="Mlym" typeface="Kartika"/>
+        <a:font script="Laoo" typeface="DokChampa"/>
+        <a:font script="Sinh" typeface="Iskoola Pota"/>
+        <a:font script="Mong" typeface="Mongolian Baiti"/>
+        <a:font script="Viet" typeface="Verdana"/>
         <a:font script="Uigh" typeface="Microsoft Uighur"/>
         <a:font script="Geor" typeface="Sylfaen"/>
       </a:minorFont>
     </a:fontScheme>
-    <a:fmtScheme name="Office">
+    <a:fmtScheme name="Quotable">
       <a:fillStyleLst>
         <a:solidFill>
           <a:schemeClr val="phClr"/>
@@ -3646,76 +6909,52 @@
           <a:gsLst>
             <a:gs pos="0">
               <a:schemeClr val="phClr">
-                <a:lumMod val="110000"/>
-                <a:satMod val="105000"/>
-                <a:tint val="67000"/>
-              </a:schemeClr>
-            </a:gs>
-            <a:gs pos="50000">
-              <a:schemeClr val="phClr">
+                <a:tint val="80000"/>
                 <a:lumMod val="105000"/>
-                <a:satMod val="103000"/>
-                <a:tint val="73000"/>
               </a:schemeClr>
             </a:gs>
             <a:gs pos="100000">
               <a:schemeClr val="phClr">
-                <a:lumMod val="105000"/>
-                <a:satMod val="109000"/>
-                <a:tint val="81000"/>
+                <a:tint val="90000"/>
               </a:schemeClr>
             </a:gs>
           </a:gsLst>
           <a:lin ang="5400000" scaled="0"/>
         </a:gradFill>
-        <a:gradFill rotWithShape="1">
-          <a:gsLst>
-            <a:gs pos="0">
+        <a:blipFill rotWithShape="1">
+          <a:blip xmlns:r="http://schemas.openxmlformats.org/officeDocument/2006/relationships" r:embed="rId1">
+            <a:duotone>
               <a:schemeClr val="phClr">
-                <a:satMod val="103000"/>
+                <a:tint val="98000"/>
                 <a:lumMod val="102000"/>
-                <a:tint val="94000"/>
               </a:schemeClr>
-            </a:gs>
-            <a:gs pos="50000">
               <a:schemeClr val="phClr">
-                <a:satMod val="110000"/>
-                <a:lumMod val="100000"/>
-                <a:shade val="100000"/>
+                <a:shade val="98000"/>
+                <a:lumMod val="98000"/>
               </a:schemeClr>
-            </a:gs>
-            <a:gs pos="100000">
-              <a:schemeClr val="phClr">
-                <a:lumMod val="99000"/>
-                <a:satMod val="120000"/>
-                <a:shade val="78000"/>
-              </a:schemeClr>
-            </a:gs>
-          </a:gsLst>
-          <a:lin ang="5400000" scaled="0"/>
-        </a:gradFill>
+            </a:duotone>
+          </a:blip>
+          <a:tile tx="0" ty="0" sx="100000" sy="100000" flip="none" algn="tl"/>
+        </a:blipFill>
       </a:fillStyleLst>
       <a:lnStyleLst>
-        <a:ln w="6350" cap="flat" cmpd="sng" algn="ctr">
+        <a:ln w="9525" cap="rnd" cmpd="sng" algn="ctr">
           <a:solidFill>
             <a:schemeClr val="phClr"/>
           </a:solidFill>
           <a:prstDash val="solid"/>
-          <a:miter lim="800000"/>
         </a:ln>
-        <a:ln w="12700" cap="flat" cmpd="sng" algn="ctr">
+        <a:ln w="15875" cap="rnd" cmpd="sng" algn="ctr">
           <a:solidFill>
             <a:schemeClr val="phClr"/>
           </a:solidFill>
           <a:prstDash val="solid"/>
-          <a:miter lim="800000"/>
         </a:ln>
-        <a:ln w="19050" cap="flat" cmpd="sng" algn="ctr">
+        <a:ln w="25400" cap="rnd" cmpd="sng" algn="ctr">
           <a:solidFill>
             <a:schemeClr val="phClr"/>
           </a:solidFill>
           <a:prstDash val="solid"/>
-          <a:miter lim="800000"/>
         </a:ln>
       </a:lnStyleLst>
       <a:effectStyleLst>
@@ -3727,11 +6966,11 @@
         </a:effectStyle>
         <a:effectStyle>
           <a:effectLst>
-            <a:outerShdw blurRad="57150" dist="19050" dir="5400000" algn="ctr" rotWithShape="0">
+            <a:innerShdw blurRad="63500" dist="25400" dir="13500000">
               <a:srgbClr val="000000">
-                <a:alpha val="63000"/>
+                <a:alpha val="75000"/>
               </a:srgbClr>
-            </a:outerShdw>
+            </a:innerShdw>
           </a:effectLst>
         </a:effectStyle>
       </a:effectStyleLst>
@@ -3739,35 +6978,35 @@
         <a:solidFill>
           <a:schemeClr val="phClr"/>
         </a:solidFill>
-        <a:solidFill>
-          <a:schemeClr val="phClr">
-            <a:tint val="95000"/>
-            <a:satMod val="170000"/>
-          </a:schemeClr>
-        </a:solidFill>
         <a:gradFill rotWithShape="1">
           <a:gsLst>
             <a:gs pos="0">
               <a:schemeClr val="phClr">
-                <a:tint val="93000"/>
-                <a:satMod val="150000"/>
-                <a:shade val="98000"/>
-                <a:lumMod val="102000"/>
-              </a:schemeClr>
-            </a:gs>
-            <a:gs pos="50000">
-              <a:schemeClr val="phClr">
-                <a:tint val="98000"/>
-                <a:satMod val="130000"/>
-                <a:shade val="90000"/>
-                <a:lumMod val="103000"/>
+                <a:tint val="100000"/>
               </a:schemeClr>
             </a:gs>
             <a:gs pos="100000">
               <a:schemeClr val="phClr">
-                <a:shade val="63000"/>
+                <a:tint val="84000"/>
+                <a:shade val="84000"/>
+                <a:lumMod val="90000"/>
+              </a:schemeClr>
+            </a:gs>
+          </a:gsLst>
+          <a:lin ang="5400000" scaled="0"/>
+        </a:gradFill>
+        <a:gradFill rotWithShape="1">
+          <a:gsLst>
+            <a:gs pos="0">
+              <a:schemeClr val="phClr">
+                <a:tint val="84000"/>
+                <a:shade val="90000"/>
                 <a:satMod val="120000"/>
+                <a:lumMod val="90000"/>
               </a:schemeClr>
+            </a:gs>
+            <a:gs pos="100000">
+              <a:schemeClr val="phClr"/>
             </a:gs>
           </a:gsLst>
           <a:lin ang="5400000" scaled="0"/>
@@ -3779,7 +7018,7 @@
   <a:extraClrSchemeLst/>
   <a:extLst>
     <a:ext uri="{05A4C25C-085E-4340-85A3-A5531E510DB2}">
-      <thm15:themeFamily xmlns:thm15="http://schemas.microsoft.com/office/thememl/2012/main" name="Office Theme" id="{62F939B6-93AF-4DB8-9C6B-D6C7DFDC589F}" vid="{4A3C46E8-61CC-4603-A589-7422A47A8E4A}"/>
+      <thm15:themeFamily xmlns:thm15="http://schemas.microsoft.com/office/thememl/2012/main" name="Quotable" id="{39EC5628-30ED-4578-ACD8-9820EDB8E15A}" vid="{6F3559E9-1A4C-49D8-94D4-F41003531C49}"/>
     </a:ext>
   </a:extLst>
 </a:theme>
